--- a/ComputerNetwork/exc10/20151167 이인재 컴퓨터네트워크 연습문제(P 31, P 27).pptx
+++ b/ComputerNetwork/exc10/20151167 이인재 컴퓨터네트워크 연습문제(P 31, P 27).pptx
@@ -19,9 +19,10 @@
     <p:sldId id="454" r:id="rId13"/>
     <p:sldId id="466" r:id="rId14"/>
     <p:sldId id="467" r:id="rId15"/>
-    <p:sldId id="456" r:id="rId16"/>
-    <p:sldId id="457" r:id="rId17"/>
-    <p:sldId id="414" r:id="rId18"/>
+    <p:sldId id="468" r:id="rId16"/>
+    <p:sldId id="469" r:id="rId17"/>
+    <p:sldId id="456" r:id="rId18"/>
+    <p:sldId id="414" r:id="rId19"/>
   </p:sldIdLst>
   <p:sldSz cx="9906000" cy="6858000" type="A4"/>
   <p:notesSz cx="6858000" cy="9144000"/>
@@ -277,7 +278,7 @@
                 </a:solidFill>
               </a:rPr>
               <a:pPr/>
-              <a:t>2020-10-15</a:t>
+              <a:t>2020-10-18</a:t>
             </a:fld>
             <a:endParaRPr lang="ko-KR" altLang="en-US" dirty="0">
               <a:solidFill>
@@ -479,7 +480,7 @@
                 </a:solidFill>
               </a:rPr>
               <a:pPr/>
-              <a:t>2020-10-15</a:t>
+              <a:t>2020-10-18</a:t>
             </a:fld>
             <a:endParaRPr lang="ko-KR" altLang="en-US" dirty="0">
               <a:solidFill>
@@ -691,7 +692,7 @@
                 </a:solidFill>
               </a:rPr>
               <a:pPr/>
-              <a:t>2020-10-15</a:t>
+              <a:t>2020-10-18</a:t>
             </a:fld>
             <a:endParaRPr lang="ko-KR" altLang="en-US" dirty="0">
               <a:solidFill>
@@ -893,7 +894,7 @@
                 </a:solidFill>
               </a:rPr>
               <a:pPr/>
-              <a:t>2020-10-15</a:t>
+              <a:t>2020-10-18</a:t>
             </a:fld>
             <a:endParaRPr lang="ko-KR" altLang="en-US" dirty="0">
               <a:solidFill>
@@ -1169,7 +1170,7 @@
                 </a:solidFill>
               </a:rPr>
               <a:pPr/>
-              <a:t>2020-10-15</a:t>
+              <a:t>2020-10-18</a:t>
             </a:fld>
             <a:endParaRPr lang="ko-KR" altLang="en-US" dirty="0">
               <a:solidFill>
@@ -1433,7 +1434,7 @@
                 </a:solidFill>
               </a:rPr>
               <a:pPr/>
-              <a:t>2020-10-15</a:t>
+              <a:t>2020-10-18</a:t>
             </a:fld>
             <a:endParaRPr lang="ko-KR" altLang="en-US" dirty="0">
               <a:solidFill>
@@ -1832,7 +1833,7 @@
                 </a:solidFill>
               </a:rPr>
               <a:pPr/>
-              <a:t>2020-10-15</a:t>
+              <a:t>2020-10-18</a:t>
             </a:fld>
             <a:endParaRPr lang="ko-KR" altLang="en-US" dirty="0">
               <a:solidFill>
@@ -1982,7 +1983,7 @@
                 </a:solidFill>
               </a:rPr>
               <a:pPr/>
-              <a:t>2020-10-15</a:t>
+              <a:t>2020-10-18</a:t>
             </a:fld>
             <a:endParaRPr lang="ko-KR" altLang="en-US" dirty="0">
               <a:solidFill>
@@ -2109,7 +2110,7 @@
                 </a:solidFill>
               </a:rPr>
               <a:pPr/>
-              <a:t>2020-10-15</a:t>
+              <a:t>2020-10-18</a:t>
             </a:fld>
             <a:endParaRPr lang="ko-KR" altLang="en-US" dirty="0">
               <a:solidFill>
@@ -2418,7 +2419,7 @@
                 </a:solidFill>
               </a:rPr>
               <a:pPr/>
-              <a:t>2020-10-15</a:t>
+              <a:t>2020-10-18</a:t>
             </a:fld>
             <a:endParaRPr lang="ko-KR" altLang="en-US" dirty="0">
               <a:solidFill>
@@ -2707,7 +2708,7 @@
                 </a:solidFill>
               </a:rPr>
               <a:pPr/>
-              <a:t>2020-10-15</a:t>
+              <a:t>2020-10-18</a:t>
             </a:fld>
             <a:endParaRPr lang="ko-KR" altLang="en-US" dirty="0">
               <a:solidFill>
@@ -2952,7 +2953,7 @@
                 </a:solidFill>
               </a:rPr>
               <a:pPr/>
-              <a:t>2020-10-15</a:t>
+              <a:t>2020-10-18</a:t>
             </a:fld>
             <a:endParaRPr lang="ko-KR" altLang="en-US" dirty="0">
               <a:solidFill>
@@ -10059,7 +10060,7 @@
         </p:nvSpPr>
         <p:spPr>
           <a:xfrm rot="1175634">
-            <a:off x="1325170" y="1226586"/>
+            <a:off x="1288959" y="1102693"/>
             <a:ext cx="1104289" cy="261610"/>
           </a:xfrm>
           <a:prstGeom prst="rect">
@@ -10195,2316 +10196,9 @@
           <a:chExt cx="0" cy="0"/>
         </a:xfrm>
       </p:grpSpPr>
-      <p:cxnSp>
-        <p:nvCxnSpPr>
-          <p:cNvPr id="47" name="직선 연결선 46">
-            <a:extLst>
-              <a:ext uri="{FF2B5EF4-FFF2-40B4-BE49-F238E27FC236}">
-                <a16:creationId xmlns:a16="http://schemas.microsoft.com/office/drawing/2014/main" id="{C25001CC-63BE-4FE3-A208-8188DB111550}"/>
-              </a:ext>
-            </a:extLst>
-          </p:cNvPr>
-          <p:cNvCxnSpPr/>
-          <p:nvPr/>
-        </p:nvCxnSpPr>
-        <p:spPr>
-          <a:xfrm flipH="1">
-            <a:off x="726068" y="2122415"/>
-            <a:ext cx="330944" cy="209009"/>
-          </a:xfrm>
-          <a:prstGeom prst="line">
-            <a:avLst/>
-          </a:prstGeom>
-          <a:ln>
-            <a:solidFill>
-              <a:srgbClr val="595959"/>
-            </a:solidFill>
-          </a:ln>
-        </p:spPr>
-        <p:style>
-          <a:lnRef idx="1">
-            <a:schemeClr val="dk1"/>
-          </a:lnRef>
-          <a:fillRef idx="0">
-            <a:schemeClr val="dk1"/>
-          </a:fillRef>
-          <a:effectRef idx="0">
-            <a:schemeClr val="dk1"/>
-          </a:effectRef>
-          <a:fontRef idx="minor">
-            <a:schemeClr val="tx1"/>
-          </a:fontRef>
-        </p:style>
-      </p:cxnSp>
-      <p:cxnSp>
-        <p:nvCxnSpPr>
-          <p:cNvPr id="48" name="직선 연결선 47">
-            <a:extLst>
-              <a:ext uri="{FF2B5EF4-FFF2-40B4-BE49-F238E27FC236}">
-                <a16:creationId xmlns:a16="http://schemas.microsoft.com/office/drawing/2014/main" id="{17659893-F086-4960-A39D-C7C67B42BBF1}"/>
-              </a:ext>
-            </a:extLst>
-          </p:cNvPr>
-          <p:cNvCxnSpPr>
-            <a:cxnSpLocks/>
-          </p:cNvCxnSpPr>
-          <p:nvPr/>
-        </p:nvCxnSpPr>
-        <p:spPr>
-          <a:xfrm flipV="1">
-            <a:off x="735789" y="2330204"/>
-            <a:ext cx="1" cy="886250"/>
-          </a:xfrm>
-          <a:prstGeom prst="line">
-            <a:avLst/>
-          </a:prstGeom>
-          <a:ln>
-            <a:solidFill>
-              <a:srgbClr val="595959"/>
-            </a:solidFill>
-          </a:ln>
-        </p:spPr>
-        <p:style>
-          <a:lnRef idx="1">
-            <a:schemeClr val="dk1"/>
-          </a:lnRef>
-          <a:fillRef idx="0">
-            <a:schemeClr val="dk1"/>
-          </a:fillRef>
-          <a:effectRef idx="0">
-            <a:schemeClr val="dk1"/>
-          </a:effectRef>
-          <a:fontRef idx="minor">
-            <a:schemeClr val="tx1"/>
-          </a:fontRef>
-        </p:style>
-      </p:cxnSp>
-      <p:cxnSp>
-        <p:nvCxnSpPr>
-          <p:cNvPr id="51" name="직선 연결선 50">
-            <a:extLst>
-              <a:ext uri="{FF2B5EF4-FFF2-40B4-BE49-F238E27FC236}">
-                <a16:creationId xmlns:a16="http://schemas.microsoft.com/office/drawing/2014/main" id="{90419EA7-1CB9-4169-A499-82A5D8F82B75}"/>
-              </a:ext>
-            </a:extLst>
-          </p:cNvPr>
-          <p:cNvCxnSpPr>
-            <a:cxnSpLocks/>
-          </p:cNvCxnSpPr>
-          <p:nvPr/>
-        </p:nvCxnSpPr>
-        <p:spPr>
-          <a:xfrm flipH="1" flipV="1">
-            <a:off x="745512" y="3216454"/>
-            <a:ext cx="318113" cy="199640"/>
-          </a:xfrm>
-          <a:prstGeom prst="line">
-            <a:avLst/>
-          </a:prstGeom>
-          <a:ln>
-            <a:solidFill>
-              <a:srgbClr val="595959"/>
-            </a:solidFill>
-          </a:ln>
-        </p:spPr>
-        <p:style>
-          <a:lnRef idx="1">
-            <a:schemeClr val="dk1"/>
-          </a:lnRef>
-          <a:fillRef idx="0">
-            <a:schemeClr val="dk1"/>
-          </a:fillRef>
-          <a:effectRef idx="0">
-            <a:schemeClr val="dk1"/>
-          </a:effectRef>
-          <a:fontRef idx="minor">
-            <a:schemeClr val="tx1"/>
-          </a:fontRef>
-        </p:style>
-      </p:cxnSp>
-      <p:cxnSp>
-        <p:nvCxnSpPr>
-          <p:cNvPr id="5" name="직선 화살표 연결선 4">
-            <a:extLst>
-              <a:ext uri="{FF2B5EF4-FFF2-40B4-BE49-F238E27FC236}">
-                <a16:creationId xmlns:a16="http://schemas.microsoft.com/office/drawing/2014/main" id="{E6E54E5C-88F1-45CC-991E-233A92B7A7F7}"/>
-              </a:ext>
-            </a:extLst>
-          </p:cNvPr>
-          <p:cNvCxnSpPr>
-            <a:cxnSpLocks/>
-          </p:cNvCxnSpPr>
-          <p:nvPr/>
-        </p:nvCxnSpPr>
-        <p:spPr>
-          <a:xfrm flipH="1">
-            <a:off x="1055829" y="873853"/>
-            <a:ext cx="1184" cy="4914551"/>
-          </a:xfrm>
-          <a:prstGeom prst="straightConnector1">
-            <a:avLst/>
-          </a:prstGeom>
-          <a:ln w="38100">
-            <a:tailEnd type="triangle"/>
-          </a:ln>
-        </p:spPr>
-        <p:style>
-          <a:lnRef idx="1">
-            <a:schemeClr val="accent1"/>
-          </a:lnRef>
-          <a:fillRef idx="0">
-            <a:schemeClr val="accent1"/>
-          </a:fillRef>
-          <a:effectRef idx="0">
-            <a:schemeClr val="accent1"/>
-          </a:effectRef>
-          <a:fontRef idx="minor">
-            <a:schemeClr val="tx1"/>
-          </a:fontRef>
-        </p:style>
-      </p:cxnSp>
-      <p:cxnSp>
-        <p:nvCxnSpPr>
-          <p:cNvPr id="22" name="직선 화살표 연결선 21">
-            <a:extLst>
-              <a:ext uri="{FF2B5EF4-FFF2-40B4-BE49-F238E27FC236}">
-                <a16:creationId xmlns:a16="http://schemas.microsoft.com/office/drawing/2014/main" id="{447CD51D-B5F4-4B80-A326-21F4B15C5F71}"/>
-              </a:ext>
-            </a:extLst>
-          </p:cNvPr>
-          <p:cNvCxnSpPr>
-            <a:cxnSpLocks/>
-          </p:cNvCxnSpPr>
-          <p:nvPr/>
-        </p:nvCxnSpPr>
-        <p:spPr>
-          <a:xfrm flipH="1">
-            <a:off x="2802136" y="873853"/>
-            <a:ext cx="1185" cy="5006830"/>
-          </a:xfrm>
-          <a:prstGeom prst="straightConnector1">
-            <a:avLst/>
-          </a:prstGeom>
-          <a:ln w="38100">
-            <a:tailEnd type="triangle"/>
-          </a:ln>
-        </p:spPr>
-        <p:style>
-          <a:lnRef idx="1">
-            <a:schemeClr val="accent1"/>
-          </a:lnRef>
-          <a:fillRef idx="0">
-            <a:schemeClr val="accent1"/>
-          </a:fillRef>
-          <a:effectRef idx="0">
-            <a:schemeClr val="accent1"/>
-          </a:effectRef>
-          <a:fontRef idx="minor">
-            <a:schemeClr val="tx1"/>
-          </a:fontRef>
-        </p:style>
-      </p:cxnSp>
       <p:sp>
         <p:nvSpPr>
-          <p:cNvPr id="8" name="TextBox 7">
-            <a:extLst>
-              <a:ext uri="{FF2B5EF4-FFF2-40B4-BE49-F238E27FC236}">
-                <a16:creationId xmlns:a16="http://schemas.microsoft.com/office/drawing/2014/main" id="{4CEB4378-B639-4BF8-BEA9-E152EBE8C823}"/>
-              </a:ext>
-            </a:extLst>
-          </p:cNvPr>
-          <p:cNvSpPr txBox="1"/>
-          <p:nvPr/>
-        </p:nvSpPr>
-        <p:spPr>
-          <a:xfrm>
-            <a:off x="726068" y="621119"/>
-            <a:ext cx="2000349" cy="307777"/>
-          </a:xfrm>
-          <a:prstGeom prst="rect">
-            <a:avLst/>
-          </a:prstGeom>
-          <a:noFill/>
-        </p:spPr>
-        <p:txBody>
-          <a:bodyPr wrap="square" rtlCol="0">
-            <a:spAutoFit/>
-          </a:bodyPr>
-          <a:lstStyle/>
-          <a:p>
-            <a:r>
-              <a:rPr lang="ko-KR" altLang="en-US" sz="1400" dirty="0">
-                <a:solidFill>
-                  <a:schemeClr val="bg2">
-                    <a:lumMod val="50000"/>
-                  </a:schemeClr>
-                </a:solidFill>
-              </a:rPr>
-              <a:t>송신자</a:t>
-            </a:r>
-          </a:p>
-        </p:txBody>
-      </p:sp>
-      <p:sp>
-        <p:nvSpPr>
-          <p:cNvPr id="23" name="TextBox 22">
-            <a:extLst>
-              <a:ext uri="{FF2B5EF4-FFF2-40B4-BE49-F238E27FC236}">
-                <a16:creationId xmlns:a16="http://schemas.microsoft.com/office/drawing/2014/main" id="{D65E1D9E-950E-42DE-A0FE-245791F12AAC}"/>
-              </a:ext>
-            </a:extLst>
-          </p:cNvPr>
-          <p:cNvSpPr txBox="1"/>
-          <p:nvPr/>
-        </p:nvSpPr>
-        <p:spPr>
-          <a:xfrm>
-            <a:off x="2398481" y="608355"/>
-            <a:ext cx="2000349" cy="307777"/>
-          </a:xfrm>
-          <a:prstGeom prst="rect">
-            <a:avLst/>
-          </a:prstGeom>
-          <a:noFill/>
-        </p:spPr>
-        <p:txBody>
-          <a:bodyPr wrap="square" rtlCol="0">
-            <a:spAutoFit/>
-          </a:bodyPr>
-          <a:lstStyle/>
-          <a:p>
-            <a:r>
-              <a:rPr lang="ko-KR" altLang="en-US" sz="1400" dirty="0">
-                <a:solidFill>
-                  <a:schemeClr val="bg2">
-                    <a:lumMod val="50000"/>
-                  </a:schemeClr>
-                </a:solidFill>
-              </a:rPr>
-              <a:t>수신자</a:t>
-            </a:r>
-          </a:p>
-        </p:txBody>
-      </p:sp>
-      <p:cxnSp>
-        <p:nvCxnSpPr>
-          <p:cNvPr id="16" name="직선 화살표 연결선 15">
-            <a:extLst>
-              <a:ext uri="{FF2B5EF4-FFF2-40B4-BE49-F238E27FC236}">
-                <a16:creationId xmlns:a16="http://schemas.microsoft.com/office/drawing/2014/main" id="{5B4C3007-651A-451F-A666-28765D2321FE}"/>
-              </a:ext>
-            </a:extLst>
-          </p:cNvPr>
-          <p:cNvCxnSpPr/>
-          <p:nvPr/>
-        </p:nvCxnSpPr>
-        <p:spPr>
-          <a:xfrm>
-            <a:off x="1057013" y="989901"/>
-            <a:ext cx="1746308" cy="511728"/>
-          </a:xfrm>
-          <a:prstGeom prst="straightConnector1">
-            <a:avLst/>
-          </a:prstGeom>
-          <a:ln>
-            <a:solidFill>
-              <a:schemeClr val="bg2">
-                <a:lumMod val="50000"/>
-              </a:schemeClr>
-            </a:solidFill>
-            <a:prstDash val="dash"/>
-            <a:tailEnd type="triangle"/>
-          </a:ln>
-        </p:spPr>
-        <p:style>
-          <a:lnRef idx="1">
-            <a:schemeClr val="accent1"/>
-          </a:lnRef>
-          <a:fillRef idx="0">
-            <a:schemeClr val="accent1"/>
-          </a:fillRef>
-          <a:effectRef idx="0">
-            <a:schemeClr val="accent1"/>
-          </a:effectRef>
-          <a:fontRef idx="minor">
-            <a:schemeClr val="tx1"/>
-          </a:fontRef>
-        </p:style>
-      </p:cxnSp>
-      <p:cxnSp>
-        <p:nvCxnSpPr>
-          <p:cNvPr id="24" name="직선 화살표 연결선 23">
-            <a:extLst>
-              <a:ext uri="{FF2B5EF4-FFF2-40B4-BE49-F238E27FC236}">
-                <a16:creationId xmlns:a16="http://schemas.microsoft.com/office/drawing/2014/main" id="{34C82BCD-2310-48AE-BC4A-4D2C880BE6D5}"/>
-              </a:ext>
-            </a:extLst>
-          </p:cNvPr>
-          <p:cNvCxnSpPr>
-            <a:cxnSpLocks/>
-          </p:cNvCxnSpPr>
-          <p:nvPr/>
-        </p:nvCxnSpPr>
-        <p:spPr>
-          <a:xfrm flipH="1">
-            <a:off x="1057014" y="1516310"/>
-            <a:ext cx="1746306" cy="606105"/>
-          </a:xfrm>
-          <a:prstGeom prst="straightConnector1">
-            <a:avLst/>
-          </a:prstGeom>
-          <a:ln>
-            <a:solidFill>
-              <a:schemeClr val="bg2">
-                <a:lumMod val="50000"/>
-              </a:schemeClr>
-            </a:solidFill>
-            <a:prstDash val="dash"/>
-            <a:tailEnd type="triangle"/>
-          </a:ln>
-        </p:spPr>
-        <p:style>
-          <a:lnRef idx="1">
-            <a:schemeClr val="accent1"/>
-          </a:lnRef>
-          <a:fillRef idx="0">
-            <a:schemeClr val="accent1"/>
-          </a:fillRef>
-          <a:effectRef idx="0">
-            <a:schemeClr val="accent1"/>
-          </a:effectRef>
-          <a:fontRef idx="minor">
-            <a:schemeClr val="tx1"/>
-          </a:fontRef>
-        </p:style>
-      </p:cxnSp>
-      <p:cxnSp>
-        <p:nvCxnSpPr>
-          <p:cNvPr id="27" name="직선 화살표 연결선 26">
-            <a:extLst>
-              <a:ext uri="{FF2B5EF4-FFF2-40B4-BE49-F238E27FC236}">
-                <a16:creationId xmlns:a16="http://schemas.microsoft.com/office/drawing/2014/main" id="{12BDA595-5757-4A1B-B4C1-99906F56209A}"/>
-              </a:ext>
-            </a:extLst>
-          </p:cNvPr>
-          <p:cNvCxnSpPr>
-            <a:cxnSpLocks/>
-          </p:cNvCxnSpPr>
-          <p:nvPr/>
-        </p:nvCxnSpPr>
-        <p:spPr>
-          <a:xfrm>
-            <a:off x="1057012" y="2122415"/>
-            <a:ext cx="1752921" cy="645433"/>
-          </a:xfrm>
-          <a:prstGeom prst="straightConnector1">
-            <a:avLst/>
-          </a:prstGeom>
-          <a:ln>
-            <a:solidFill>
-              <a:schemeClr val="bg2">
-                <a:lumMod val="50000"/>
-              </a:schemeClr>
-            </a:solidFill>
-            <a:prstDash val="dash"/>
-            <a:tailEnd type="triangle"/>
-          </a:ln>
-        </p:spPr>
-        <p:style>
-          <a:lnRef idx="1">
-            <a:schemeClr val="accent1"/>
-          </a:lnRef>
-          <a:fillRef idx="0">
-            <a:schemeClr val="accent1"/>
-          </a:fillRef>
-          <a:effectRef idx="0">
-            <a:schemeClr val="accent1"/>
-          </a:effectRef>
-          <a:fontRef idx="minor">
-            <a:schemeClr val="tx1"/>
-          </a:fontRef>
-        </p:style>
-      </p:cxnSp>
-      <p:cxnSp>
-        <p:nvCxnSpPr>
-          <p:cNvPr id="35" name="직선 화살표 연결선 34">
-            <a:extLst>
-              <a:ext uri="{FF2B5EF4-FFF2-40B4-BE49-F238E27FC236}">
-                <a16:creationId xmlns:a16="http://schemas.microsoft.com/office/drawing/2014/main" id="{4565620E-733A-4053-AC03-A11137A3A050}"/>
-              </a:ext>
-            </a:extLst>
-          </p:cNvPr>
-          <p:cNvCxnSpPr>
-            <a:cxnSpLocks/>
-          </p:cNvCxnSpPr>
-          <p:nvPr/>
-        </p:nvCxnSpPr>
-        <p:spPr>
-          <a:xfrm flipH="1">
-            <a:off x="1048138" y="5002806"/>
-            <a:ext cx="1746307" cy="548788"/>
-          </a:xfrm>
-          <a:prstGeom prst="straightConnector1">
-            <a:avLst/>
-          </a:prstGeom>
-          <a:ln>
-            <a:solidFill>
-              <a:schemeClr val="bg2">
-                <a:lumMod val="50000"/>
-              </a:schemeClr>
-            </a:solidFill>
-            <a:prstDash val="dash"/>
-            <a:tailEnd type="triangle"/>
-          </a:ln>
-        </p:spPr>
-        <p:style>
-          <a:lnRef idx="1">
-            <a:schemeClr val="accent1"/>
-          </a:lnRef>
-          <a:fillRef idx="0">
-            <a:schemeClr val="accent1"/>
-          </a:fillRef>
-          <a:effectRef idx="0">
-            <a:schemeClr val="accent1"/>
-          </a:effectRef>
-          <a:fontRef idx="minor">
-            <a:schemeClr val="tx1"/>
-          </a:fontRef>
-        </p:style>
-      </p:cxnSp>
-      <p:cxnSp>
-        <p:nvCxnSpPr>
-          <p:cNvPr id="40" name="직선 화살표 연결선 39">
-            <a:extLst>
-              <a:ext uri="{FF2B5EF4-FFF2-40B4-BE49-F238E27FC236}">
-                <a16:creationId xmlns:a16="http://schemas.microsoft.com/office/drawing/2014/main" id="{FFB3FB1F-FF3C-4FC2-AC8E-0B075AE3A89D}"/>
-              </a:ext>
-            </a:extLst>
-          </p:cNvPr>
-          <p:cNvCxnSpPr>
-            <a:cxnSpLocks/>
-          </p:cNvCxnSpPr>
-          <p:nvPr/>
-        </p:nvCxnSpPr>
-        <p:spPr>
-          <a:xfrm flipH="1">
-            <a:off x="1057013" y="3952501"/>
-            <a:ext cx="1746307" cy="548788"/>
-          </a:xfrm>
-          <a:prstGeom prst="straightConnector1">
-            <a:avLst/>
-          </a:prstGeom>
-          <a:ln>
-            <a:solidFill>
-              <a:schemeClr val="bg2">
-                <a:lumMod val="50000"/>
-              </a:schemeClr>
-            </a:solidFill>
-            <a:prstDash val="dash"/>
-            <a:tailEnd type="triangle"/>
-          </a:ln>
-        </p:spPr>
-        <p:style>
-          <a:lnRef idx="1">
-            <a:schemeClr val="accent1"/>
-          </a:lnRef>
-          <a:fillRef idx="0">
-            <a:schemeClr val="accent1"/>
-          </a:fillRef>
-          <a:effectRef idx="0">
-            <a:schemeClr val="accent1"/>
-          </a:effectRef>
-          <a:fontRef idx="minor">
-            <a:schemeClr val="tx1"/>
-          </a:fontRef>
-        </p:style>
-      </p:cxnSp>
-      <p:cxnSp>
-        <p:nvCxnSpPr>
-          <p:cNvPr id="41" name="직선 화살표 연결선 40">
-            <a:extLst>
-              <a:ext uri="{FF2B5EF4-FFF2-40B4-BE49-F238E27FC236}">
-                <a16:creationId xmlns:a16="http://schemas.microsoft.com/office/drawing/2014/main" id="{1321561C-1C9B-4B6A-A650-0B7C539DB2E1}"/>
-              </a:ext>
-            </a:extLst>
-          </p:cNvPr>
-          <p:cNvCxnSpPr/>
-          <p:nvPr/>
-        </p:nvCxnSpPr>
-        <p:spPr>
-          <a:xfrm>
-            <a:off x="1057012" y="3440773"/>
-            <a:ext cx="1746308" cy="511728"/>
-          </a:xfrm>
-          <a:prstGeom prst="straightConnector1">
-            <a:avLst/>
-          </a:prstGeom>
-          <a:ln>
-            <a:solidFill>
-              <a:schemeClr val="bg2">
-                <a:lumMod val="50000"/>
-              </a:schemeClr>
-            </a:solidFill>
-            <a:prstDash val="dash"/>
-            <a:tailEnd type="triangle"/>
-          </a:ln>
-        </p:spPr>
-        <p:style>
-          <a:lnRef idx="1">
-            <a:schemeClr val="accent1"/>
-          </a:lnRef>
-          <a:fillRef idx="0">
-            <a:schemeClr val="accent1"/>
-          </a:fillRef>
-          <a:effectRef idx="0">
-            <a:schemeClr val="accent1"/>
-          </a:effectRef>
-          <a:fontRef idx="minor">
-            <a:schemeClr val="tx1"/>
-          </a:fontRef>
-        </p:style>
-      </p:cxnSp>
-      <p:sp>
-        <p:nvSpPr>
-          <p:cNvPr id="42" name="TextBox 41">
-            <a:extLst>
-              <a:ext uri="{FF2B5EF4-FFF2-40B4-BE49-F238E27FC236}">
-                <a16:creationId xmlns:a16="http://schemas.microsoft.com/office/drawing/2014/main" id="{97FEA023-CB20-4437-A28E-2E3ED5D4EACC}"/>
-              </a:ext>
-            </a:extLst>
-          </p:cNvPr>
-          <p:cNvSpPr txBox="1"/>
-          <p:nvPr/>
-        </p:nvSpPr>
-        <p:spPr>
-          <a:xfrm>
-            <a:off x="320884" y="1814960"/>
-            <a:ext cx="2000349" cy="430887"/>
-          </a:xfrm>
-          <a:prstGeom prst="rect">
-            <a:avLst/>
-          </a:prstGeom>
-          <a:noFill/>
-        </p:spPr>
-        <p:txBody>
-          <a:bodyPr wrap="square" rtlCol="0">
-            <a:spAutoFit/>
-          </a:bodyPr>
-          <a:lstStyle/>
-          <a:p>
-            <a:r>
-              <a:rPr lang="en-US" altLang="ko-KR" sz="1100" dirty="0" err="1">
-                <a:solidFill>
-                  <a:schemeClr val="bg2">
-                    <a:lumMod val="50000"/>
-                  </a:schemeClr>
-                </a:solidFill>
-              </a:rPr>
-              <a:t>rcv</a:t>
-            </a:r>
-            <a:r>
-              <a:rPr lang="en-US" altLang="ko-KR" sz="1100" dirty="0">
-                <a:solidFill>
-                  <a:schemeClr val="bg2">
-                    <a:lumMod val="50000"/>
-                  </a:schemeClr>
-                </a:solidFill>
-              </a:rPr>
-              <a:t> ACK0</a:t>
-            </a:r>
-          </a:p>
-          <a:p>
-            <a:r>
-              <a:rPr lang="en-US" altLang="ko-KR" sz="1100" dirty="0">
-                <a:solidFill>
-                  <a:schemeClr val="bg2">
-                    <a:lumMod val="50000"/>
-                  </a:schemeClr>
-                </a:solidFill>
-              </a:rPr>
-              <a:t>send</a:t>
-            </a:r>
-            <a:r>
-              <a:rPr lang="ko-KR" altLang="en-US" sz="1100" dirty="0">
-                <a:solidFill>
-                  <a:schemeClr val="bg2">
-                    <a:lumMod val="50000"/>
-                  </a:schemeClr>
-                </a:solidFill>
-              </a:rPr>
-              <a:t> </a:t>
-            </a:r>
-            <a:r>
-              <a:rPr lang="en-US" altLang="ko-KR" sz="1100" dirty="0">
-                <a:solidFill>
-                  <a:schemeClr val="bg2">
-                    <a:lumMod val="50000"/>
-                  </a:schemeClr>
-                </a:solidFill>
-              </a:rPr>
-              <a:t>pkt1</a:t>
-            </a:r>
-            <a:endParaRPr lang="ko-KR" altLang="en-US" sz="1100" dirty="0">
-              <a:solidFill>
-                <a:schemeClr val="bg2">
-                  <a:lumMod val="50000"/>
-                </a:schemeClr>
-              </a:solidFill>
-            </a:endParaRPr>
-          </a:p>
-        </p:txBody>
-      </p:sp>
-      <p:sp>
-        <p:nvSpPr>
-          <p:cNvPr id="43" name="TextBox 42">
-            <a:extLst>
-              <a:ext uri="{FF2B5EF4-FFF2-40B4-BE49-F238E27FC236}">
-                <a16:creationId xmlns:a16="http://schemas.microsoft.com/office/drawing/2014/main" id="{A75E0259-1490-4A08-9CE0-599DC562982C}"/>
-              </a:ext>
-            </a:extLst>
-          </p:cNvPr>
-          <p:cNvSpPr txBox="1"/>
-          <p:nvPr/>
-        </p:nvSpPr>
-        <p:spPr>
-          <a:xfrm>
-            <a:off x="299875" y="848333"/>
-            <a:ext cx="2000349" cy="261610"/>
-          </a:xfrm>
-          <a:prstGeom prst="rect">
-            <a:avLst/>
-          </a:prstGeom>
-          <a:noFill/>
-        </p:spPr>
-        <p:txBody>
-          <a:bodyPr wrap="square" rtlCol="0">
-            <a:spAutoFit/>
-          </a:bodyPr>
-          <a:lstStyle/>
-          <a:p>
-            <a:r>
-              <a:rPr lang="en-US" altLang="ko-KR" sz="1100" dirty="0">
-                <a:solidFill>
-                  <a:schemeClr val="bg2">
-                    <a:lumMod val="50000"/>
-                  </a:schemeClr>
-                </a:solidFill>
-              </a:rPr>
-              <a:t>send</a:t>
-            </a:r>
-            <a:r>
-              <a:rPr lang="ko-KR" altLang="en-US" sz="1100" dirty="0">
-                <a:solidFill>
-                  <a:schemeClr val="bg2">
-                    <a:lumMod val="50000"/>
-                  </a:schemeClr>
-                </a:solidFill>
-              </a:rPr>
-              <a:t> </a:t>
-            </a:r>
-            <a:r>
-              <a:rPr lang="en-US" altLang="ko-KR" sz="1100" dirty="0">
-                <a:solidFill>
-                  <a:schemeClr val="bg2">
-                    <a:lumMod val="50000"/>
-                  </a:schemeClr>
-                </a:solidFill>
-              </a:rPr>
-              <a:t>pkt0</a:t>
-            </a:r>
-            <a:endParaRPr lang="ko-KR" altLang="en-US" sz="1100" dirty="0">
-              <a:solidFill>
-                <a:schemeClr val="bg2">
-                  <a:lumMod val="50000"/>
-                </a:schemeClr>
-              </a:solidFill>
-            </a:endParaRPr>
-          </a:p>
-        </p:txBody>
-      </p:sp>
-      <p:sp>
-        <p:nvSpPr>
-          <p:cNvPr id="44" name="TextBox 43">
-            <a:extLst>
-              <a:ext uri="{FF2B5EF4-FFF2-40B4-BE49-F238E27FC236}">
-                <a16:creationId xmlns:a16="http://schemas.microsoft.com/office/drawing/2014/main" id="{B4E40240-0D55-4532-B639-B3092F9C59B6}"/>
-              </a:ext>
-            </a:extLst>
-          </p:cNvPr>
-          <p:cNvSpPr txBox="1"/>
-          <p:nvPr/>
-        </p:nvSpPr>
-        <p:spPr>
-          <a:xfrm>
-            <a:off x="275508" y="3222432"/>
-            <a:ext cx="2000349" cy="430887"/>
-          </a:xfrm>
-          <a:prstGeom prst="rect">
-            <a:avLst/>
-          </a:prstGeom>
-          <a:noFill/>
-        </p:spPr>
-        <p:txBody>
-          <a:bodyPr wrap="square" rtlCol="0">
-            <a:spAutoFit/>
-          </a:bodyPr>
-          <a:lstStyle/>
-          <a:p>
-            <a:r>
-              <a:rPr lang="en-US" altLang="ko-KR" sz="1100" dirty="0">
-                <a:solidFill>
-                  <a:schemeClr val="bg2">
-                    <a:lumMod val="50000"/>
-                  </a:schemeClr>
-                </a:solidFill>
-              </a:rPr>
-              <a:t>Timeout</a:t>
-            </a:r>
-          </a:p>
-          <a:p>
-            <a:r>
-              <a:rPr lang="en-US" altLang="ko-KR" sz="1100" dirty="0">
-                <a:solidFill>
-                  <a:schemeClr val="bg2">
-                    <a:lumMod val="50000"/>
-                  </a:schemeClr>
-                </a:solidFill>
-              </a:rPr>
-              <a:t>resend</a:t>
-            </a:r>
-            <a:r>
-              <a:rPr lang="ko-KR" altLang="en-US" sz="1100" dirty="0">
-                <a:solidFill>
-                  <a:schemeClr val="bg2">
-                    <a:lumMod val="50000"/>
-                  </a:schemeClr>
-                </a:solidFill>
-              </a:rPr>
-              <a:t> </a:t>
-            </a:r>
-            <a:r>
-              <a:rPr lang="en-US" altLang="ko-KR" sz="1100" dirty="0">
-                <a:solidFill>
-                  <a:schemeClr val="bg2">
-                    <a:lumMod val="50000"/>
-                  </a:schemeClr>
-                </a:solidFill>
-              </a:rPr>
-              <a:t>pkt1</a:t>
-            </a:r>
-            <a:endParaRPr lang="ko-KR" altLang="en-US" sz="1100" dirty="0">
-              <a:solidFill>
-                <a:schemeClr val="bg2">
-                  <a:lumMod val="50000"/>
-                </a:schemeClr>
-              </a:solidFill>
-            </a:endParaRPr>
-          </a:p>
-        </p:txBody>
-      </p:sp>
-      <p:sp>
-        <p:nvSpPr>
-          <p:cNvPr id="45" name="TextBox 44">
-            <a:extLst>
-              <a:ext uri="{FF2B5EF4-FFF2-40B4-BE49-F238E27FC236}">
-                <a16:creationId xmlns:a16="http://schemas.microsoft.com/office/drawing/2014/main" id="{5DCE3AB7-1F10-41D9-AA50-5E1B3FDABBA9}"/>
-              </a:ext>
-            </a:extLst>
-          </p:cNvPr>
-          <p:cNvSpPr txBox="1"/>
-          <p:nvPr/>
-        </p:nvSpPr>
-        <p:spPr>
-          <a:xfrm>
-            <a:off x="324658" y="4294721"/>
-            <a:ext cx="2000349" cy="430887"/>
-          </a:xfrm>
-          <a:prstGeom prst="rect">
-            <a:avLst/>
-          </a:prstGeom>
-          <a:noFill/>
-        </p:spPr>
-        <p:txBody>
-          <a:bodyPr wrap="square" rtlCol="0">
-            <a:spAutoFit/>
-          </a:bodyPr>
-          <a:lstStyle/>
-          <a:p>
-            <a:r>
-              <a:rPr lang="en-US" altLang="ko-KR" sz="1100" dirty="0" err="1">
-                <a:solidFill>
-                  <a:schemeClr val="bg2">
-                    <a:lumMod val="50000"/>
-                  </a:schemeClr>
-                </a:solidFill>
-              </a:rPr>
-              <a:t>rcv</a:t>
-            </a:r>
-            <a:r>
-              <a:rPr lang="en-US" altLang="ko-KR" sz="1100" dirty="0">
-                <a:solidFill>
-                  <a:schemeClr val="bg2">
-                    <a:lumMod val="50000"/>
-                  </a:schemeClr>
-                </a:solidFill>
-              </a:rPr>
-              <a:t> ACK1</a:t>
-            </a:r>
-          </a:p>
-          <a:p>
-            <a:r>
-              <a:rPr lang="en-US" altLang="ko-KR" sz="1100" dirty="0">
-                <a:solidFill>
-                  <a:schemeClr val="bg2">
-                    <a:lumMod val="50000"/>
-                  </a:schemeClr>
-                </a:solidFill>
-              </a:rPr>
-              <a:t>send pkt0</a:t>
-            </a:r>
-            <a:endParaRPr lang="ko-KR" altLang="en-US" sz="1100" dirty="0">
-              <a:solidFill>
-                <a:schemeClr val="bg2">
-                  <a:lumMod val="50000"/>
-                </a:schemeClr>
-              </a:solidFill>
-            </a:endParaRPr>
-          </a:p>
-        </p:txBody>
-      </p:sp>
-      <p:cxnSp>
-        <p:nvCxnSpPr>
-          <p:cNvPr id="56" name="직선 화살표 연결선 55">
-            <a:extLst>
-              <a:ext uri="{FF2B5EF4-FFF2-40B4-BE49-F238E27FC236}">
-                <a16:creationId xmlns:a16="http://schemas.microsoft.com/office/drawing/2014/main" id="{E3CE98DC-7362-4E9C-A35F-5A37DD4DE6BD}"/>
-              </a:ext>
-            </a:extLst>
-          </p:cNvPr>
-          <p:cNvCxnSpPr/>
-          <p:nvPr/>
-        </p:nvCxnSpPr>
-        <p:spPr>
-          <a:xfrm>
-            <a:off x="1063625" y="4498469"/>
-            <a:ext cx="1746308" cy="511728"/>
-          </a:xfrm>
-          <a:prstGeom prst="straightConnector1">
-            <a:avLst/>
-          </a:prstGeom>
-          <a:ln>
-            <a:solidFill>
-              <a:schemeClr val="bg2">
-                <a:lumMod val="50000"/>
-              </a:schemeClr>
-            </a:solidFill>
-            <a:prstDash val="dash"/>
-            <a:tailEnd type="triangle"/>
-          </a:ln>
-        </p:spPr>
-        <p:style>
-          <a:lnRef idx="1">
-            <a:schemeClr val="accent1"/>
-          </a:lnRef>
-          <a:fillRef idx="0">
-            <a:schemeClr val="accent1"/>
-          </a:fillRef>
-          <a:effectRef idx="0">
-            <a:schemeClr val="accent1"/>
-          </a:effectRef>
-          <a:fontRef idx="minor">
-            <a:schemeClr val="tx1"/>
-          </a:fontRef>
-        </p:style>
-      </p:cxnSp>
-      <p:sp>
-        <p:nvSpPr>
-          <p:cNvPr id="57" name="TextBox 56">
-            <a:extLst>
-              <a:ext uri="{FF2B5EF4-FFF2-40B4-BE49-F238E27FC236}">
-                <a16:creationId xmlns:a16="http://schemas.microsoft.com/office/drawing/2014/main" id="{22DA01B3-6360-4AF8-9E27-AD25D2605943}"/>
-              </a:ext>
-            </a:extLst>
-          </p:cNvPr>
-          <p:cNvSpPr txBox="1"/>
-          <p:nvPr/>
-        </p:nvSpPr>
-        <p:spPr>
-          <a:xfrm>
-            <a:off x="2862004" y="1323112"/>
-            <a:ext cx="2000349" cy="430887"/>
-          </a:xfrm>
-          <a:prstGeom prst="rect">
-            <a:avLst/>
-          </a:prstGeom>
-          <a:noFill/>
-        </p:spPr>
-        <p:txBody>
-          <a:bodyPr wrap="square" rtlCol="0">
-            <a:spAutoFit/>
-          </a:bodyPr>
-          <a:lstStyle/>
-          <a:p>
-            <a:r>
-              <a:rPr lang="en-US" altLang="ko-KR" sz="1100" dirty="0" err="1">
-                <a:solidFill>
-                  <a:schemeClr val="bg2">
-                    <a:lumMod val="50000"/>
-                  </a:schemeClr>
-                </a:solidFill>
-              </a:rPr>
-              <a:t>rcv</a:t>
-            </a:r>
-            <a:r>
-              <a:rPr lang="en-US" altLang="ko-KR" sz="1100" dirty="0">
-                <a:solidFill>
-                  <a:schemeClr val="bg2">
-                    <a:lumMod val="50000"/>
-                  </a:schemeClr>
-                </a:solidFill>
-              </a:rPr>
-              <a:t> pkt0</a:t>
-            </a:r>
-          </a:p>
-          <a:p>
-            <a:r>
-              <a:rPr lang="en-US" altLang="ko-KR" sz="1100" dirty="0">
-                <a:solidFill>
-                  <a:schemeClr val="bg2">
-                    <a:lumMod val="50000"/>
-                  </a:schemeClr>
-                </a:solidFill>
-              </a:rPr>
-              <a:t>send</a:t>
-            </a:r>
-            <a:r>
-              <a:rPr lang="ko-KR" altLang="en-US" sz="1100" dirty="0">
-                <a:solidFill>
-                  <a:schemeClr val="bg2">
-                    <a:lumMod val="50000"/>
-                  </a:schemeClr>
-                </a:solidFill>
-              </a:rPr>
-              <a:t> </a:t>
-            </a:r>
-            <a:r>
-              <a:rPr lang="en-US" altLang="ko-KR" sz="1100" dirty="0">
-                <a:solidFill>
-                  <a:schemeClr val="bg2">
-                    <a:lumMod val="50000"/>
-                  </a:schemeClr>
-                </a:solidFill>
-              </a:rPr>
-              <a:t>ACK0</a:t>
-            </a:r>
-            <a:endParaRPr lang="ko-KR" altLang="en-US" sz="1100" dirty="0">
-              <a:solidFill>
-                <a:schemeClr val="bg2">
-                  <a:lumMod val="50000"/>
-                </a:schemeClr>
-              </a:solidFill>
-            </a:endParaRPr>
-          </a:p>
-        </p:txBody>
-      </p:sp>
-      <p:sp>
-        <p:nvSpPr>
-          <p:cNvPr id="58" name="TextBox 57">
-            <a:extLst>
-              <a:ext uri="{FF2B5EF4-FFF2-40B4-BE49-F238E27FC236}">
-                <a16:creationId xmlns:a16="http://schemas.microsoft.com/office/drawing/2014/main" id="{201D84F6-0FD1-4361-96FD-053604D10160}"/>
-              </a:ext>
-            </a:extLst>
-          </p:cNvPr>
-          <p:cNvSpPr txBox="1"/>
-          <p:nvPr/>
-        </p:nvSpPr>
-        <p:spPr>
-          <a:xfrm>
-            <a:off x="2842100" y="3737057"/>
-            <a:ext cx="2000349" cy="600164"/>
-          </a:xfrm>
-          <a:prstGeom prst="rect">
-            <a:avLst/>
-          </a:prstGeom>
-          <a:noFill/>
-        </p:spPr>
-        <p:txBody>
-          <a:bodyPr wrap="square" rtlCol="0">
-            <a:spAutoFit/>
-          </a:bodyPr>
-          <a:lstStyle/>
-          <a:p>
-            <a:r>
-              <a:rPr lang="en-US" altLang="ko-KR" sz="1100" dirty="0" err="1">
-                <a:solidFill>
-                  <a:schemeClr val="bg2">
-                    <a:lumMod val="50000"/>
-                  </a:schemeClr>
-                </a:solidFill>
-              </a:rPr>
-              <a:t>rcv</a:t>
-            </a:r>
-            <a:r>
-              <a:rPr lang="en-US" altLang="ko-KR" sz="1100" dirty="0">
-                <a:solidFill>
-                  <a:schemeClr val="bg2">
-                    <a:lumMod val="50000"/>
-                  </a:schemeClr>
-                </a:solidFill>
-              </a:rPr>
-              <a:t> pkt1</a:t>
-            </a:r>
-          </a:p>
-          <a:p>
-            <a:r>
-              <a:rPr lang="en-US" altLang="ko-KR" sz="1100" dirty="0">
-                <a:solidFill>
-                  <a:schemeClr val="bg2">
-                    <a:lumMod val="50000"/>
-                  </a:schemeClr>
-                </a:solidFill>
-              </a:rPr>
-              <a:t>(detect duplicate)</a:t>
-            </a:r>
-          </a:p>
-          <a:p>
-            <a:r>
-              <a:rPr lang="en-US" altLang="ko-KR" sz="1100" dirty="0">
-                <a:solidFill>
-                  <a:schemeClr val="bg2">
-                    <a:lumMod val="50000"/>
-                  </a:schemeClr>
-                </a:solidFill>
-              </a:rPr>
-              <a:t>send</a:t>
-            </a:r>
-            <a:r>
-              <a:rPr lang="ko-KR" altLang="en-US" sz="1100" dirty="0">
-                <a:solidFill>
-                  <a:schemeClr val="bg2">
-                    <a:lumMod val="50000"/>
-                  </a:schemeClr>
-                </a:solidFill>
-              </a:rPr>
-              <a:t> </a:t>
-            </a:r>
-            <a:r>
-              <a:rPr lang="en-US" altLang="ko-KR" sz="1100" dirty="0">
-                <a:solidFill>
-                  <a:schemeClr val="bg2">
-                    <a:lumMod val="50000"/>
-                  </a:schemeClr>
-                </a:solidFill>
-              </a:rPr>
-              <a:t>ACK1</a:t>
-            </a:r>
-            <a:endParaRPr lang="ko-KR" altLang="en-US" sz="1100" dirty="0">
-              <a:solidFill>
-                <a:schemeClr val="bg2">
-                  <a:lumMod val="50000"/>
-                </a:schemeClr>
-              </a:solidFill>
-            </a:endParaRPr>
-          </a:p>
-        </p:txBody>
-      </p:sp>
-      <p:sp>
-        <p:nvSpPr>
-          <p:cNvPr id="59" name="TextBox 58">
-            <a:extLst>
-              <a:ext uri="{FF2B5EF4-FFF2-40B4-BE49-F238E27FC236}">
-                <a16:creationId xmlns:a16="http://schemas.microsoft.com/office/drawing/2014/main" id="{85407EC8-9C2F-4C75-8A54-69CDC52AA226}"/>
-              </a:ext>
-            </a:extLst>
-          </p:cNvPr>
-          <p:cNvSpPr txBox="1"/>
-          <p:nvPr/>
-        </p:nvSpPr>
-        <p:spPr>
-          <a:xfrm>
-            <a:off x="2844506" y="4725608"/>
-            <a:ext cx="2000349" cy="430887"/>
-          </a:xfrm>
-          <a:prstGeom prst="rect">
-            <a:avLst/>
-          </a:prstGeom>
-          <a:noFill/>
-        </p:spPr>
-        <p:txBody>
-          <a:bodyPr wrap="square" rtlCol="0">
-            <a:spAutoFit/>
-          </a:bodyPr>
-          <a:lstStyle/>
-          <a:p>
-            <a:r>
-              <a:rPr lang="en-US" altLang="ko-KR" sz="1100" dirty="0" err="1">
-                <a:solidFill>
-                  <a:schemeClr val="bg2">
-                    <a:lumMod val="50000"/>
-                  </a:schemeClr>
-                </a:solidFill>
-              </a:rPr>
-              <a:t>rcv</a:t>
-            </a:r>
-            <a:r>
-              <a:rPr lang="en-US" altLang="ko-KR" sz="1100" dirty="0">
-                <a:solidFill>
-                  <a:schemeClr val="bg2">
-                    <a:lumMod val="50000"/>
-                  </a:schemeClr>
-                </a:solidFill>
-              </a:rPr>
-              <a:t> pkt0</a:t>
-            </a:r>
-          </a:p>
-          <a:p>
-            <a:r>
-              <a:rPr lang="en-US" altLang="ko-KR" sz="1100" dirty="0">
-                <a:solidFill>
-                  <a:schemeClr val="bg2">
-                    <a:lumMod val="50000"/>
-                  </a:schemeClr>
-                </a:solidFill>
-              </a:rPr>
-              <a:t>send</a:t>
-            </a:r>
-            <a:r>
-              <a:rPr lang="ko-KR" altLang="en-US" sz="1100" dirty="0">
-                <a:solidFill>
-                  <a:schemeClr val="bg2">
-                    <a:lumMod val="50000"/>
-                  </a:schemeClr>
-                </a:solidFill>
-              </a:rPr>
-              <a:t> </a:t>
-            </a:r>
-            <a:r>
-              <a:rPr lang="en-US" altLang="ko-KR" sz="1100" dirty="0">
-                <a:solidFill>
-                  <a:schemeClr val="bg2">
-                    <a:lumMod val="50000"/>
-                  </a:schemeClr>
-                </a:solidFill>
-              </a:rPr>
-              <a:t>ACK0</a:t>
-            </a:r>
-            <a:endParaRPr lang="ko-KR" altLang="en-US" sz="1100" dirty="0">
-              <a:solidFill>
-                <a:schemeClr val="bg2">
-                  <a:lumMod val="50000"/>
-                </a:schemeClr>
-              </a:solidFill>
-            </a:endParaRPr>
-          </a:p>
-        </p:txBody>
-      </p:sp>
-      <p:sp>
-        <p:nvSpPr>
-          <p:cNvPr id="60" name="TextBox 59">
-            <a:extLst>
-              <a:ext uri="{FF2B5EF4-FFF2-40B4-BE49-F238E27FC236}">
-                <a16:creationId xmlns:a16="http://schemas.microsoft.com/office/drawing/2014/main" id="{446EBAE9-978D-4336-85F3-443EF45EBC8D}"/>
-              </a:ext>
-            </a:extLst>
-          </p:cNvPr>
-          <p:cNvSpPr txBox="1"/>
-          <p:nvPr/>
-        </p:nvSpPr>
-        <p:spPr>
-          <a:xfrm rot="975871">
-            <a:off x="2295765" y="756113"/>
-            <a:ext cx="2000349" cy="261610"/>
-          </a:xfrm>
-          <a:prstGeom prst="rect">
-            <a:avLst/>
-          </a:prstGeom>
-          <a:noFill/>
-        </p:spPr>
-        <p:txBody>
-          <a:bodyPr wrap="square" rtlCol="0">
-            <a:spAutoFit/>
-          </a:bodyPr>
-          <a:lstStyle/>
-          <a:p>
-            <a:r>
-              <a:rPr lang="en-US" altLang="ko-KR" sz="1100" dirty="0">
-                <a:solidFill>
-                  <a:schemeClr val="bg2">
-                    <a:lumMod val="50000"/>
-                  </a:schemeClr>
-                </a:solidFill>
-              </a:rPr>
-              <a:t>pkt0</a:t>
-            </a:r>
-            <a:endParaRPr lang="ko-KR" altLang="en-US" sz="1100" dirty="0">
-              <a:solidFill>
-                <a:schemeClr val="bg2">
-                  <a:lumMod val="50000"/>
-                </a:schemeClr>
-              </a:solidFill>
-            </a:endParaRPr>
-          </a:p>
-        </p:txBody>
-      </p:sp>
-      <p:sp>
-        <p:nvSpPr>
-          <p:cNvPr id="61" name="TextBox 60">
-            <a:extLst>
-              <a:ext uri="{FF2B5EF4-FFF2-40B4-BE49-F238E27FC236}">
-                <a16:creationId xmlns:a16="http://schemas.microsoft.com/office/drawing/2014/main" id="{D4D3B7FE-2C0A-4934-9849-21C3A7F5FE5F}"/>
-              </a:ext>
-            </a:extLst>
-          </p:cNvPr>
-          <p:cNvSpPr txBox="1"/>
-          <p:nvPr/>
-        </p:nvSpPr>
-        <p:spPr>
-          <a:xfrm rot="1034504">
-            <a:off x="1770795" y="3453497"/>
-            <a:ext cx="500844" cy="261610"/>
-          </a:xfrm>
-          <a:prstGeom prst="rect">
-            <a:avLst/>
-          </a:prstGeom>
-          <a:noFill/>
-        </p:spPr>
-        <p:txBody>
-          <a:bodyPr wrap="square" rtlCol="0">
-            <a:spAutoFit/>
-          </a:bodyPr>
-          <a:lstStyle/>
-          <a:p>
-            <a:r>
-              <a:rPr lang="en-US" altLang="ko-KR" sz="1100" dirty="0">
-                <a:solidFill>
-                  <a:schemeClr val="bg2">
-                    <a:lumMod val="50000"/>
-                  </a:schemeClr>
-                </a:solidFill>
-              </a:rPr>
-              <a:t>pkt1</a:t>
-            </a:r>
-            <a:endParaRPr lang="ko-KR" altLang="en-US" sz="1100" dirty="0">
-              <a:solidFill>
-                <a:schemeClr val="bg2">
-                  <a:lumMod val="50000"/>
-                </a:schemeClr>
-              </a:solidFill>
-            </a:endParaRPr>
-          </a:p>
-        </p:txBody>
-      </p:sp>
-      <p:sp>
-        <p:nvSpPr>
-          <p:cNvPr id="62" name="TextBox 61">
-            <a:extLst>
-              <a:ext uri="{FF2B5EF4-FFF2-40B4-BE49-F238E27FC236}">
-                <a16:creationId xmlns:a16="http://schemas.microsoft.com/office/drawing/2014/main" id="{8372DDD3-3526-4FAA-9E8E-99B80DAFE81E}"/>
-              </a:ext>
-            </a:extLst>
-          </p:cNvPr>
-          <p:cNvSpPr txBox="1"/>
-          <p:nvPr/>
-        </p:nvSpPr>
-        <p:spPr>
-          <a:xfrm rot="975871">
-            <a:off x="1680133" y="4695624"/>
-            <a:ext cx="2000349" cy="261610"/>
-          </a:xfrm>
-          <a:prstGeom prst="rect">
-            <a:avLst/>
-          </a:prstGeom>
-          <a:noFill/>
-        </p:spPr>
-        <p:txBody>
-          <a:bodyPr wrap="square" rtlCol="0">
-            <a:spAutoFit/>
-          </a:bodyPr>
-          <a:lstStyle/>
-          <a:p>
-            <a:r>
-              <a:rPr lang="en-US" altLang="ko-KR" sz="1100" dirty="0">
-                <a:solidFill>
-                  <a:schemeClr val="bg2">
-                    <a:lumMod val="50000"/>
-                  </a:schemeClr>
-                </a:solidFill>
-              </a:rPr>
-              <a:t>pkt0</a:t>
-            </a:r>
-            <a:endParaRPr lang="ko-KR" altLang="en-US" sz="1100" dirty="0">
-              <a:solidFill>
-                <a:schemeClr val="bg2">
-                  <a:lumMod val="50000"/>
-                </a:schemeClr>
-              </a:solidFill>
-            </a:endParaRPr>
-          </a:p>
-        </p:txBody>
-      </p:sp>
-      <p:sp>
-        <p:nvSpPr>
-          <p:cNvPr id="63" name="TextBox 62">
-            <a:extLst>
-              <a:ext uri="{FF2B5EF4-FFF2-40B4-BE49-F238E27FC236}">
-                <a16:creationId xmlns:a16="http://schemas.microsoft.com/office/drawing/2014/main" id="{1092E6C4-3968-458A-9FAA-62853F10784C}"/>
-              </a:ext>
-            </a:extLst>
-          </p:cNvPr>
-          <p:cNvSpPr txBox="1"/>
-          <p:nvPr/>
-        </p:nvSpPr>
-        <p:spPr>
-          <a:xfrm rot="20501994">
-            <a:off x="1559031" y="1312991"/>
-            <a:ext cx="2000349" cy="261610"/>
-          </a:xfrm>
-          <a:prstGeom prst="rect">
-            <a:avLst/>
-          </a:prstGeom>
-          <a:noFill/>
-        </p:spPr>
-        <p:txBody>
-          <a:bodyPr wrap="square" rtlCol="0">
-            <a:spAutoFit/>
-          </a:bodyPr>
-          <a:lstStyle/>
-          <a:p>
-            <a:r>
-              <a:rPr lang="en-US" altLang="ko-KR" sz="1100" dirty="0">
-                <a:solidFill>
-                  <a:schemeClr val="bg2">
-                    <a:lumMod val="50000"/>
-                  </a:schemeClr>
-                </a:solidFill>
-              </a:rPr>
-              <a:t>ACK0</a:t>
-            </a:r>
-            <a:endParaRPr lang="ko-KR" altLang="en-US" sz="1100" dirty="0">
-              <a:solidFill>
-                <a:schemeClr val="bg2">
-                  <a:lumMod val="50000"/>
-                </a:schemeClr>
-              </a:solidFill>
-            </a:endParaRPr>
-          </a:p>
-        </p:txBody>
-      </p:sp>
-      <p:sp>
-        <p:nvSpPr>
-          <p:cNvPr id="64" name="TextBox 63">
-            <a:extLst>
-              <a:ext uri="{FF2B5EF4-FFF2-40B4-BE49-F238E27FC236}">
-                <a16:creationId xmlns:a16="http://schemas.microsoft.com/office/drawing/2014/main" id="{6577DFD1-1210-4B82-8EA7-2C7C9F12B54E}"/>
-              </a:ext>
-            </a:extLst>
-          </p:cNvPr>
-          <p:cNvSpPr txBox="1"/>
-          <p:nvPr/>
-        </p:nvSpPr>
-        <p:spPr>
-          <a:xfrm rot="20501994">
-            <a:off x="1653813" y="3937068"/>
-            <a:ext cx="485605" cy="261610"/>
-          </a:xfrm>
-          <a:prstGeom prst="rect">
-            <a:avLst/>
-          </a:prstGeom>
-          <a:noFill/>
-        </p:spPr>
-        <p:txBody>
-          <a:bodyPr wrap="square" rtlCol="0">
-            <a:spAutoFit/>
-          </a:bodyPr>
-          <a:lstStyle/>
-          <a:p>
-            <a:r>
-              <a:rPr lang="en-US" altLang="ko-KR" sz="1100" dirty="0">
-                <a:solidFill>
-                  <a:schemeClr val="bg2">
-                    <a:lumMod val="50000"/>
-                  </a:schemeClr>
-                </a:solidFill>
-              </a:rPr>
-              <a:t>ACK1</a:t>
-            </a:r>
-            <a:endParaRPr lang="ko-KR" altLang="en-US" sz="1100" dirty="0">
-              <a:solidFill>
-                <a:schemeClr val="bg2">
-                  <a:lumMod val="50000"/>
-                </a:schemeClr>
-              </a:solidFill>
-            </a:endParaRPr>
-          </a:p>
-        </p:txBody>
-      </p:sp>
-      <p:sp>
-        <p:nvSpPr>
-          <p:cNvPr id="65" name="TextBox 64">
-            <a:extLst>
-              <a:ext uri="{FF2B5EF4-FFF2-40B4-BE49-F238E27FC236}">
-                <a16:creationId xmlns:a16="http://schemas.microsoft.com/office/drawing/2014/main" id="{F6410AED-641C-4E0F-911C-FD9E1D9FBA0F}"/>
-              </a:ext>
-            </a:extLst>
-          </p:cNvPr>
-          <p:cNvSpPr txBox="1"/>
-          <p:nvPr/>
-        </p:nvSpPr>
-        <p:spPr>
-          <a:xfrm rot="20501994">
-            <a:off x="1608836" y="4789093"/>
-            <a:ext cx="2000349" cy="261610"/>
-          </a:xfrm>
-          <a:prstGeom prst="rect">
-            <a:avLst/>
-          </a:prstGeom>
-          <a:noFill/>
-        </p:spPr>
-        <p:txBody>
-          <a:bodyPr wrap="square" rtlCol="0">
-            <a:spAutoFit/>
-          </a:bodyPr>
-          <a:lstStyle/>
-          <a:p>
-            <a:r>
-              <a:rPr lang="en-US" altLang="ko-KR" sz="1100" dirty="0">
-                <a:solidFill>
-                  <a:schemeClr val="bg2">
-                    <a:lumMod val="50000"/>
-                  </a:schemeClr>
-                </a:solidFill>
-              </a:rPr>
-              <a:t>ACK0</a:t>
-            </a:r>
-            <a:endParaRPr lang="ko-KR" altLang="en-US" sz="1100" dirty="0">
-              <a:solidFill>
-                <a:schemeClr val="bg2">
-                  <a:lumMod val="50000"/>
-                </a:schemeClr>
-              </a:solidFill>
-            </a:endParaRPr>
-          </a:p>
-        </p:txBody>
-      </p:sp>
-      <p:sp>
-        <p:nvSpPr>
-          <p:cNvPr id="75" name="TextBox 74">
-            <a:extLst>
-              <a:ext uri="{FF2B5EF4-FFF2-40B4-BE49-F238E27FC236}">
-                <a16:creationId xmlns:a16="http://schemas.microsoft.com/office/drawing/2014/main" id="{6D2DA32A-7FA6-42E7-A476-22860D9E88A8}"/>
-              </a:ext>
-            </a:extLst>
-          </p:cNvPr>
-          <p:cNvSpPr txBox="1"/>
-          <p:nvPr/>
-        </p:nvSpPr>
-        <p:spPr>
-          <a:xfrm>
-            <a:off x="4446989" y="991999"/>
-            <a:ext cx="4791294" cy="4893647"/>
-          </a:xfrm>
-          <a:prstGeom prst="rect">
-            <a:avLst/>
-          </a:prstGeom>
-          <a:noFill/>
-        </p:spPr>
-        <p:txBody>
-          <a:bodyPr wrap="square" rtlCol="0">
-            <a:spAutoFit/>
-          </a:bodyPr>
-          <a:lstStyle/>
-          <a:p>
-            <a:pPr marL="342900" indent="-342900">
-              <a:buFont typeface="+mj-lt"/>
-              <a:buAutoNum type="arabicPeriod"/>
-            </a:pPr>
-            <a:r>
-              <a:rPr lang="ko-KR" altLang="en-US" sz="1400" dirty="0">
-                <a:latin typeface="+mj-ea"/>
-                <a:ea typeface="+mj-ea"/>
-              </a:rPr>
-              <a:t>송신 측에서 패킷</a:t>
-            </a:r>
-            <a:r>
-              <a:rPr lang="en-US" altLang="ko-KR" sz="1400" dirty="0">
-                <a:latin typeface="+mj-ea"/>
-                <a:ea typeface="+mj-ea"/>
-              </a:rPr>
-              <a:t>0 </a:t>
-            </a:r>
-            <a:r>
-              <a:rPr lang="ko-KR" altLang="en-US" sz="1400" dirty="0">
-                <a:latin typeface="+mj-ea"/>
-                <a:ea typeface="+mj-ea"/>
-              </a:rPr>
-              <a:t>을 송신한다</a:t>
-            </a:r>
-            <a:r>
-              <a:rPr lang="en-US" altLang="ko-KR" sz="1400" dirty="0">
-                <a:latin typeface="+mj-ea"/>
-                <a:ea typeface="+mj-ea"/>
-              </a:rPr>
-              <a:t>.</a:t>
-            </a:r>
-          </a:p>
-          <a:p>
-            <a:pPr marL="342900" indent="-342900">
-              <a:buFont typeface="+mj-lt"/>
-              <a:buAutoNum type="arabicPeriod"/>
-            </a:pPr>
-            <a:endParaRPr lang="en-US" altLang="ko-KR" sz="1400" dirty="0">
-              <a:latin typeface="+mj-ea"/>
-              <a:ea typeface="+mj-ea"/>
-            </a:endParaRPr>
-          </a:p>
-          <a:p>
-            <a:pPr marL="342900" indent="-342900">
-              <a:buFont typeface="+mj-lt"/>
-              <a:buAutoNum type="arabicPeriod"/>
-            </a:pPr>
-            <a:r>
-              <a:rPr lang="ko-KR" altLang="en-US" sz="1400" dirty="0">
-                <a:latin typeface="+mj-ea"/>
-                <a:ea typeface="+mj-ea"/>
-              </a:rPr>
-              <a:t>수신 측에서 패킷을 수신 후 이에 대한 </a:t>
-            </a:r>
-            <a:r>
-              <a:rPr lang="en-US" altLang="ko-KR" sz="1400" dirty="0">
-                <a:latin typeface="+mj-ea"/>
-                <a:ea typeface="+mj-ea"/>
-              </a:rPr>
-              <a:t>ACK</a:t>
-            </a:r>
-            <a:r>
-              <a:rPr lang="ko-KR" altLang="en-US" sz="1400" dirty="0">
-                <a:latin typeface="+mj-ea"/>
-                <a:ea typeface="+mj-ea"/>
-              </a:rPr>
-              <a:t>를 송신</a:t>
-            </a:r>
-            <a:endParaRPr lang="en-US" altLang="ko-KR" sz="1400" dirty="0">
-              <a:latin typeface="+mj-ea"/>
-              <a:ea typeface="+mj-ea"/>
-            </a:endParaRPr>
-          </a:p>
-          <a:p>
-            <a:pPr marL="342900" indent="-342900">
-              <a:buFont typeface="+mj-lt"/>
-              <a:buAutoNum type="arabicPeriod"/>
-            </a:pPr>
-            <a:endParaRPr lang="en-US" altLang="ko-KR" sz="1400" dirty="0">
-              <a:latin typeface="+mj-ea"/>
-              <a:ea typeface="+mj-ea"/>
-            </a:endParaRPr>
-          </a:p>
-          <a:p>
-            <a:pPr marL="342900" indent="-342900">
-              <a:buFont typeface="+mj-lt"/>
-              <a:buAutoNum type="arabicPeriod"/>
-            </a:pPr>
-            <a:r>
-              <a:rPr lang="ko-KR" altLang="en-US" sz="1400" dirty="0">
-                <a:latin typeface="+mj-ea"/>
-                <a:ea typeface="+mj-ea"/>
-              </a:rPr>
-              <a:t>송신 측에서 </a:t>
-            </a:r>
-            <a:r>
-              <a:rPr lang="en-US" altLang="ko-KR" sz="1400" dirty="0">
-                <a:latin typeface="+mj-ea"/>
-                <a:ea typeface="+mj-ea"/>
-              </a:rPr>
-              <a:t>0</a:t>
-            </a:r>
-            <a:r>
-              <a:rPr lang="ko-KR" altLang="en-US" sz="1400" dirty="0">
-                <a:latin typeface="+mj-ea"/>
-                <a:ea typeface="+mj-ea"/>
-              </a:rPr>
-              <a:t>번 </a:t>
-            </a:r>
-            <a:r>
-              <a:rPr lang="en-US" altLang="ko-KR" sz="1400" dirty="0">
-                <a:latin typeface="+mj-ea"/>
-                <a:ea typeface="+mj-ea"/>
-              </a:rPr>
-              <a:t>ACK</a:t>
-            </a:r>
-            <a:r>
-              <a:rPr lang="ko-KR" altLang="en-US" sz="1400" dirty="0">
-                <a:latin typeface="+mj-ea"/>
-                <a:ea typeface="+mj-ea"/>
-              </a:rPr>
-              <a:t>를 수신 후 문제없음을 확인 후</a:t>
-            </a:r>
-            <a:r>
-              <a:rPr lang="en-US" altLang="ko-KR" sz="1400" dirty="0">
-                <a:latin typeface="+mj-ea"/>
-                <a:ea typeface="+mj-ea"/>
-              </a:rPr>
-              <a:t>, </a:t>
-            </a:r>
-            <a:br>
-              <a:rPr lang="en-US" altLang="ko-KR" sz="1400" dirty="0">
-                <a:latin typeface="+mj-ea"/>
-                <a:ea typeface="+mj-ea"/>
-              </a:rPr>
-            </a:br>
-            <a:r>
-              <a:rPr lang="ko-KR" altLang="en-US" sz="1400" dirty="0">
-                <a:latin typeface="+mj-ea"/>
-                <a:ea typeface="+mj-ea"/>
-              </a:rPr>
-              <a:t>패킷 </a:t>
-            </a:r>
-            <a:r>
-              <a:rPr lang="en-US" altLang="ko-KR" sz="1400" dirty="0">
-                <a:latin typeface="+mj-ea"/>
-                <a:ea typeface="+mj-ea"/>
-              </a:rPr>
-              <a:t>1</a:t>
-            </a:r>
-            <a:r>
-              <a:rPr lang="ko-KR" altLang="en-US" sz="1400" dirty="0">
-                <a:latin typeface="+mj-ea"/>
-                <a:ea typeface="+mj-ea"/>
-              </a:rPr>
-              <a:t>을 송신한다</a:t>
-            </a:r>
-            <a:r>
-              <a:rPr lang="en-US" altLang="ko-KR" sz="1400" dirty="0">
-                <a:latin typeface="+mj-ea"/>
-                <a:ea typeface="+mj-ea"/>
-              </a:rPr>
-              <a:t>.</a:t>
-            </a:r>
-          </a:p>
-          <a:p>
-            <a:pPr marL="342900" indent="-342900">
-              <a:buFont typeface="+mj-lt"/>
-              <a:buAutoNum type="arabicPeriod"/>
-            </a:pPr>
-            <a:endParaRPr lang="en-US" altLang="ko-KR" sz="1400" dirty="0">
-              <a:latin typeface="+mj-ea"/>
-              <a:ea typeface="+mj-ea"/>
-            </a:endParaRPr>
-          </a:p>
-          <a:p>
-            <a:pPr marL="342900" indent="-342900">
-              <a:buFont typeface="+mj-lt"/>
-              <a:buAutoNum type="arabicPeriod"/>
-            </a:pPr>
-            <a:r>
-              <a:rPr lang="ko-KR" altLang="en-US" sz="1400" dirty="0">
-                <a:latin typeface="+mj-ea"/>
-                <a:ea typeface="+mj-ea"/>
-              </a:rPr>
-              <a:t>패킷 정상 수신 후 이에 대한 </a:t>
-            </a:r>
-            <a:r>
-              <a:rPr lang="en-US" altLang="ko-KR" sz="1400" dirty="0">
-                <a:latin typeface="+mj-ea"/>
-                <a:ea typeface="+mj-ea"/>
-              </a:rPr>
-              <a:t>ACK1 </a:t>
-            </a:r>
-            <a:r>
-              <a:rPr lang="ko-KR" altLang="en-US" sz="1400" dirty="0">
-                <a:latin typeface="+mj-ea"/>
-                <a:ea typeface="+mj-ea"/>
-              </a:rPr>
-              <a:t>전송</a:t>
-            </a:r>
-            <a:endParaRPr lang="en-US" altLang="ko-KR" sz="1400" dirty="0">
-              <a:latin typeface="+mj-ea"/>
-              <a:ea typeface="+mj-ea"/>
-            </a:endParaRPr>
-          </a:p>
-          <a:p>
-            <a:pPr marL="342900" indent="-342900">
-              <a:buFont typeface="+mj-lt"/>
-              <a:buAutoNum type="arabicPeriod"/>
-            </a:pPr>
-            <a:endParaRPr lang="en-US" altLang="ko-KR" sz="1400" dirty="0">
-              <a:latin typeface="+mj-ea"/>
-              <a:ea typeface="+mj-ea"/>
-            </a:endParaRPr>
-          </a:p>
-          <a:p>
-            <a:pPr marL="342900" indent="-342900">
-              <a:buFont typeface="+mj-lt"/>
-              <a:buAutoNum type="arabicPeriod"/>
-            </a:pPr>
-            <a:r>
-              <a:rPr lang="en-US" altLang="ko-KR" sz="1400" dirty="0">
-                <a:latin typeface="+mj-ea"/>
-                <a:ea typeface="+mj-ea"/>
-              </a:rPr>
-              <a:t>ACK </a:t>
-            </a:r>
-            <a:r>
-              <a:rPr lang="ko-KR" altLang="en-US" sz="1400" dirty="0">
-                <a:latin typeface="+mj-ea"/>
-                <a:ea typeface="+mj-ea"/>
-              </a:rPr>
-              <a:t>송신과정에서 손실발생</a:t>
-            </a:r>
-            <a:endParaRPr lang="en-US" altLang="ko-KR" sz="1400" dirty="0">
-              <a:latin typeface="+mj-ea"/>
-              <a:ea typeface="+mj-ea"/>
-            </a:endParaRPr>
-          </a:p>
-          <a:p>
-            <a:pPr marL="342900" indent="-342900">
-              <a:buFont typeface="+mj-lt"/>
-              <a:buAutoNum type="arabicPeriod"/>
-            </a:pPr>
-            <a:endParaRPr lang="en-US" altLang="ko-KR" sz="1400" dirty="0">
-              <a:latin typeface="+mj-ea"/>
-              <a:ea typeface="+mj-ea"/>
-            </a:endParaRPr>
-          </a:p>
-          <a:p>
-            <a:pPr marL="342900" indent="-342900">
-              <a:buFont typeface="+mj-lt"/>
-              <a:buAutoNum type="arabicPeriod"/>
-            </a:pPr>
-            <a:r>
-              <a:rPr lang="ko-KR" altLang="en-US" sz="1400" dirty="0">
-                <a:latin typeface="+mj-ea"/>
-                <a:ea typeface="+mj-ea"/>
-              </a:rPr>
-              <a:t>시간초과를 감지한 송신 측에서 패킷을 재전송</a:t>
-            </a:r>
-            <a:r>
-              <a:rPr lang="en-US" altLang="ko-KR" sz="1400" dirty="0">
-                <a:latin typeface="+mj-ea"/>
-                <a:ea typeface="+mj-ea"/>
-              </a:rPr>
-              <a:t>, </a:t>
-            </a:r>
-            <a:r>
-              <a:rPr lang="ko-KR" altLang="en-US" sz="1400" dirty="0">
-                <a:latin typeface="+mj-ea"/>
-                <a:ea typeface="+mj-ea"/>
-              </a:rPr>
-              <a:t>수신측은 </a:t>
-            </a:r>
-            <a:r>
-              <a:rPr lang="ko-KR" altLang="en-US" sz="1400" dirty="0" err="1">
-                <a:latin typeface="+mj-ea"/>
-                <a:ea typeface="+mj-ea"/>
-              </a:rPr>
-              <a:t>보호처리된</a:t>
-            </a:r>
-            <a:r>
-              <a:rPr lang="ko-KR" altLang="en-US" sz="1400" dirty="0">
-                <a:latin typeface="+mj-ea"/>
-                <a:ea typeface="+mj-ea"/>
-              </a:rPr>
-              <a:t> 사본을 받고 이에 대한 </a:t>
-            </a:r>
-            <a:r>
-              <a:rPr lang="en-US" altLang="ko-KR" sz="1400" dirty="0">
-                <a:latin typeface="+mj-ea"/>
-                <a:ea typeface="+mj-ea"/>
-              </a:rPr>
-              <a:t>ACK</a:t>
-            </a:r>
-            <a:r>
-              <a:rPr lang="ko-KR" altLang="en-US" sz="1400" dirty="0">
-                <a:latin typeface="+mj-ea"/>
-                <a:ea typeface="+mj-ea"/>
-              </a:rPr>
-              <a:t>를 송신한다</a:t>
-            </a:r>
-            <a:r>
-              <a:rPr lang="en-US" altLang="ko-KR" sz="1400" dirty="0">
-                <a:latin typeface="+mj-ea"/>
-                <a:ea typeface="+mj-ea"/>
-              </a:rPr>
-              <a:t>.</a:t>
-            </a:r>
-          </a:p>
-          <a:p>
-            <a:pPr marL="342900" indent="-342900">
-              <a:buFont typeface="+mj-lt"/>
-              <a:buAutoNum type="arabicPeriod"/>
-            </a:pPr>
-            <a:endParaRPr lang="en-US" altLang="ko-KR" sz="1400" dirty="0">
-              <a:latin typeface="+mj-ea"/>
-              <a:ea typeface="+mj-ea"/>
-            </a:endParaRPr>
-          </a:p>
-          <a:p>
-            <a:pPr marL="342900" indent="-342900">
-              <a:buFont typeface="+mj-lt"/>
-              <a:buAutoNum type="arabicPeriod"/>
-            </a:pPr>
-            <a:r>
-              <a:rPr lang="ko-KR" altLang="en-US" sz="1400" dirty="0">
-                <a:latin typeface="+mj-ea"/>
-                <a:ea typeface="+mj-ea"/>
-              </a:rPr>
-              <a:t>송신측은 </a:t>
-            </a:r>
-            <a:r>
-              <a:rPr lang="en-US" altLang="ko-KR" sz="1400" dirty="0">
-                <a:latin typeface="+mj-ea"/>
-                <a:ea typeface="+mj-ea"/>
-              </a:rPr>
-              <a:t>ACK</a:t>
-            </a:r>
-            <a:r>
-              <a:rPr lang="ko-KR" altLang="en-US" sz="1400" dirty="0">
-                <a:latin typeface="+mj-ea"/>
-                <a:ea typeface="+mj-ea"/>
-              </a:rPr>
-              <a:t>를 </a:t>
-            </a:r>
-            <a:r>
-              <a:rPr lang="ko-KR" altLang="en-US" sz="1400" dirty="0" err="1">
-                <a:latin typeface="+mj-ea"/>
-                <a:ea typeface="+mj-ea"/>
-              </a:rPr>
-              <a:t>수신받아</a:t>
-            </a:r>
-            <a:r>
-              <a:rPr lang="ko-KR" altLang="en-US" sz="1400" dirty="0">
-                <a:latin typeface="+mj-ea"/>
-                <a:ea typeface="+mj-ea"/>
-              </a:rPr>
-              <a:t> 문제없음을 확인 후</a:t>
-            </a:r>
-            <a:r>
-              <a:rPr lang="en-US" altLang="ko-KR" sz="1400" dirty="0">
-                <a:latin typeface="+mj-ea"/>
-                <a:ea typeface="+mj-ea"/>
-              </a:rPr>
-              <a:t>, </a:t>
-            </a:r>
-            <a:r>
-              <a:rPr lang="ko-KR" altLang="en-US" sz="1400" dirty="0">
-                <a:latin typeface="+mj-ea"/>
-                <a:ea typeface="+mj-ea"/>
-              </a:rPr>
-              <a:t>패킷 </a:t>
-            </a:r>
-            <a:r>
-              <a:rPr lang="en-US" altLang="ko-KR" sz="1400" dirty="0">
-                <a:latin typeface="+mj-ea"/>
-                <a:ea typeface="+mj-ea"/>
-              </a:rPr>
-              <a:t>0</a:t>
-            </a:r>
-            <a:r>
-              <a:rPr lang="ko-KR" altLang="en-US" sz="1400" dirty="0">
-                <a:latin typeface="+mj-ea"/>
-                <a:ea typeface="+mj-ea"/>
-              </a:rPr>
-              <a:t>을 송신한다</a:t>
-            </a:r>
-            <a:r>
-              <a:rPr lang="en-US" altLang="ko-KR" sz="1400" dirty="0">
-                <a:latin typeface="+mj-ea"/>
-                <a:ea typeface="+mj-ea"/>
-              </a:rPr>
-              <a:t>.</a:t>
-            </a:r>
-          </a:p>
-          <a:p>
-            <a:pPr marL="342900" indent="-342900">
-              <a:buFont typeface="+mj-lt"/>
-              <a:buAutoNum type="arabicPeriod"/>
-            </a:pPr>
-            <a:endParaRPr lang="en-US" altLang="ko-KR" sz="1400" dirty="0">
-              <a:latin typeface="+mj-ea"/>
-              <a:ea typeface="+mj-ea"/>
-            </a:endParaRPr>
-          </a:p>
-          <a:p>
-            <a:pPr marL="342900" indent="-342900">
-              <a:buFont typeface="+mj-lt"/>
-              <a:buAutoNum type="arabicPeriod"/>
-            </a:pPr>
-            <a:r>
-              <a:rPr lang="ko-KR" altLang="en-US" sz="1400" dirty="0">
-                <a:latin typeface="+mj-ea"/>
-                <a:ea typeface="+mj-ea"/>
-              </a:rPr>
-              <a:t>수신 측에서 패킷</a:t>
-            </a:r>
-            <a:r>
-              <a:rPr lang="en-US" altLang="ko-KR" sz="1400" dirty="0">
-                <a:latin typeface="+mj-ea"/>
-                <a:ea typeface="+mj-ea"/>
-              </a:rPr>
-              <a:t>0</a:t>
-            </a:r>
-            <a:r>
-              <a:rPr lang="ko-KR" altLang="en-US" sz="1400" dirty="0">
-                <a:latin typeface="+mj-ea"/>
-                <a:ea typeface="+mj-ea"/>
-              </a:rPr>
-              <a:t>을 </a:t>
-            </a:r>
-            <a:r>
-              <a:rPr lang="ko-KR" altLang="en-US" sz="1400" dirty="0" err="1">
-                <a:latin typeface="+mj-ea"/>
-                <a:ea typeface="+mj-ea"/>
-              </a:rPr>
-              <a:t>수신받아</a:t>
-            </a:r>
-            <a:r>
-              <a:rPr lang="ko-KR" altLang="en-US" sz="1400" dirty="0">
-                <a:latin typeface="+mj-ea"/>
-                <a:ea typeface="+mj-ea"/>
-              </a:rPr>
-              <a:t> </a:t>
-            </a:r>
-            <a:r>
-              <a:rPr lang="ko-KR" altLang="en-US" sz="1400" dirty="0" err="1">
-                <a:latin typeface="+mj-ea"/>
-                <a:ea typeface="+mj-ea"/>
-              </a:rPr>
-              <a:t>이에대하여</a:t>
-            </a:r>
-            <a:r>
-              <a:rPr lang="ko-KR" altLang="en-US" sz="1400" dirty="0">
-                <a:latin typeface="+mj-ea"/>
-                <a:ea typeface="+mj-ea"/>
-              </a:rPr>
-              <a:t> </a:t>
-            </a:r>
-            <a:r>
-              <a:rPr lang="en-US" altLang="ko-KR" sz="1400" dirty="0">
-                <a:latin typeface="+mj-ea"/>
-                <a:ea typeface="+mj-ea"/>
-              </a:rPr>
-              <a:t>ACK0</a:t>
-            </a:r>
-            <a:r>
-              <a:rPr lang="ko-KR" altLang="en-US" sz="1400" dirty="0">
-                <a:latin typeface="+mj-ea"/>
-                <a:ea typeface="+mj-ea"/>
-              </a:rPr>
-              <a:t>을 보낸다</a:t>
-            </a:r>
-            <a:r>
-              <a:rPr lang="en-US" altLang="ko-KR" sz="1400" dirty="0">
-                <a:latin typeface="+mj-ea"/>
-                <a:ea typeface="+mj-ea"/>
-              </a:rPr>
-              <a:t>.</a:t>
-            </a:r>
-          </a:p>
-          <a:p>
-            <a:pPr marL="342900" indent="-342900">
-              <a:buFont typeface="+mj-lt"/>
-              <a:buAutoNum type="arabicPeriod"/>
-            </a:pPr>
-            <a:endParaRPr lang="en-US" altLang="ko-KR" sz="1400" dirty="0">
-              <a:latin typeface="+mj-ea"/>
-              <a:ea typeface="+mj-ea"/>
-            </a:endParaRPr>
-          </a:p>
-          <a:p>
-            <a:endParaRPr lang="en-US" altLang="ko-KR" dirty="0"/>
-          </a:p>
-        </p:txBody>
-      </p:sp>
-      <p:sp>
-        <p:nvSpPr>
-          <p:cNvPr id="33" name="TextBox 32">
-            <a:extLst>
-              <a:ext uri="{FF2B5EF4-FFF2-40B4-BE49-F238E27FC236}">
-                <a16:creationId xmlns:a16="http://schemas.microsoft.com/office/drawing/2014/main" id="{6BA4B79B-7A58-428A-82A6-0FED92B07031}"/>
-              </a:ext>
-            </a:extLst>
-          </p:cNvPr>
-          <p:cNvSpPr txBox="1"/>
-          <p:nvPr/>
-        </p:nvSpPr>
-        <p:spPr>
-          <a:xfrm rot="1034504">
-            <a:off x="1745936" y="2419409"/>
-            <a:ext cx="2000349" cy="261610"/>
-          </a:xfrm>
-          <a:prstGeom prst="rect">
-            <a:avLst/>
-          </a:prstGeom>
-          <a:noFill/>
-        </p:spPr>
-        <p:txBody>
-          <a:bodyPr wrap="square" rtlCol="0">
-            <a:spAutoFit/>
-          </a:bodyPr>
-          <a:lstStyle/>
-          <a:p>
-            <a:r>
-              <a:rPr lang="en-US" altLang="ko-KR" sz="1100" dirty="0">
-                <a:solidFill>
-                  <a:schemeClr val="bg2">
-                    <a:lumMod val="50000"/>
-                  </a:schemeClr>
-                </a:solidFill>
-              </a:rPr>
-              <a:t>pkt1</a:t>
-            </a:r>
-            <a:endParaRPr lang="ko-KR" altLang="en-US" sz="1100" dirty="0">
-              <a:solidFill>
-                <a:schemeClr val="bg2">
-                  <a:lumMod val="50000"/>
-                </a:schemeClr>
-              </a:solidFill>
-            </a:endParaRPr>
-          </a:p>
-        </p:txBody>
-      </p:sp>
-      <p:cxnSp>
-        <p:nvCxnSpPr>
-          <p:cNvPr id="34" name="직선 화살표 연결선 33">
-            <a:extLst>
-              <a:ext uri="{FF2B5EF4-FFF2-40B4-BE49-F238E27FC236}">
-                <a16:creationId xmlns:a16="http://schemas.microsoft.com/office/drawing/2014/main" id="{9E51968C-01FE-4740-91AA-45FDD58AC5A1}"/>
-              </a:ext>
-            </a:extLst>
-          </p:cNvPr>
-          <p:cNvCxnSpPr>
-            <a:cxnSpLocks/>
-          </p:cNvCxnSpPr>
-          <p:nvPr/>
-        </p:nvCxnSpPr>
-        <p:spPr>
-          <a:xfrm flipH="1">
-            <a:off x="1837334" y="2769994"/>
-            <a:ext cx="997094" cy="285937"/>
-          </a:xfrm>
-          <a:prstGeom prst="straightConnector1">
-            <a:avLst/>
-          </a:prstGeom>
-          <a:ln>
-            <a:solidFill>
-              <a:schemeClr val="bg2">
-                <a:lumMod val="50000"/>
-              </a:schemeClr>
-            </a:solidFill>
-            <a:prstDash val="dash"/>
-            <a:tailEnd type="triangle"/>
-          </a:ln>
-        </p:spPr>
-        <p:style>
-          <a:lnRef idx="1">
-            <a:schemeClr val="accent1"/>
-          </a:lnRef>
-          <a:fillRef idx="0">
-            <a:schemeClr val="accent1"/>
-          </a:fillRef>
-          <a:effectRef idx="0">
-            <a:schemeClr val="accent1"/>
-          </a:effectRef>
-          <a:fontRef idx="minor">
-            <a:schemeClr val="tx1"/>
-          </a:fontRef>
-        </p:style>
-      </p:cxnSp>
-      <p:sp>
-        <p:nvSpPr>
-          <p:cNvPr id="37" name="TextBox 36">
-            <a:extLst>
-              <a:ext uri="{FF2B5EF4-FFF2-40B4-BE49-F238E27FC236}">
-                <a16:creationId xmlns:a16="http://schemas.microsoft.com/office/drawing/2014/main" id="{AA0B29D4-B5E4-4AF9-BF5D-E554B2D0393D}"/>
-              </a:ext>
-            </a:extLst>
-          </p:cNvPr>
-          <p:cNvSpPr txBox="1"/>
-          <p:nvPr/>
-        </p:nvSpPr>
-        <p:spPr>
-          <a:xfrm>
-            <a:off x="1632910" y="3010261"/>
-            <a:ext cx="2000349" cy="261610"/>
-          </a:xfrm>
-          <a:prstGeom prst="rect">
-            <a:avLst/>
-          </a:prstGeom>
-          <a:noFill/>
-        </p:spPr>
-        <p:txBody>
-          <a:bodyPr wrap="square" rtlCol="0">
-            <a:spAutoFit/>
-          </a:bodyPr>
-          <a:lstStyle/>
-          <a:p>
-            <a:r>
-              <a:rPr lang="en-US" altLang="ko-KR" sz="1100" dirty="0">
-                <a:solidFill>
-                  <a:schemeClr val="bg2">
-                    <a:lumMod val="50000"/>
-                  </a:schemeClr>
-                </a:solidFill>
-              </a:rPr>
-              <a:t>loss</a:t>
-            </a:r>
-            <a:endParaRPr lang="ko-KR" altLang="en-US" sz="1100" dirty="0">
-              <a:solidFill>
-                <a:schemeClr val="bg2">
-                  <a:lumMod val="50000"/>
-                </a:schemeClr>
-              </a:solidFill>
-            </a:endParaRPr>
-          </a:p>
-        </p:txBody>
-      </p:sp>
-      <p:sp>
-        <p:nvSpPr>
-          <p:cNvPr id="38" name="TextBox 37">
-            <a:extLst>
-              <a:ext uri="{FF2B5EF4-FFF2-40B4-BE49-F238E27FC236}">
-                <a16:creationId xmlns:a16="http://schemas.microsoft.com/office/drawing/2014/main" id="{96C14950-F5D2-4C48-8B40-49EC64C31ADB}"/>
-              </a:ext>
-            </a:extLst>
-          </p:cNvPr>
-          <p:cNvSpPr txBox="1"/>
-          <p:nvPr/>
-        </p:nvSpPr>
-        <p:spPr>
-          <a:xfrm rot="20501994">
-            <a:off x="1927267" y="2400830"/>
-            <a:ext cx="2000349" cy="261610"/>
-          </a:xfrm>
-          <a:prstGeom prst="rect">
-            <a:avLst/>
-          </a:prstGeom>
-          <a:noFill/>
-        </p:spPr>
-        <p:txBody>
-          <a:bodyPr wrap="square" rtlCol="0">
-            <a:spAutoFit/>
-          </a:bodyPr>
-          <a:lstStyle/>
-          <a:p>
-            <a:r>
-              <a:rPr lang="en-US" altLang="ko-KR" sz="1100" dirty="0">
-                <a:solidFill>
-                  <a:schemeClr val="bg2">
-                    <a:lumMod val="50000"/>
-                  </a:schemeClr>
-                </a:solidFill>
-              </a:rPr>
-              <a:t>ACK1</a:t>
-            </a:r>
-            <a:endParaRPr lang="ko-KR" altLang="en-US" sz="1100" dirty="0">
-              <a:solidFill>
-                <a:schemeClr val="bg2">
-                  <a:lumMod val="50000"/>
-                </a:schemeClr>
-              </a:solidFill>
-            </a:endParaRPr>
-          </a:p>
-        </p:txBody>
-      </p:sp>
-      <p:sp>
-        <p:nvSpPr>
-          <p:cNvPr id="39" name="TextBox 38">
-            <a:extLst>
-              <a:ext uri="{FF2B5EF4-FFF2-40B4-BE49-F238E27FC236}">
-                <a16:creationId xmlns:a16="http://schemas.microsoft.com/office/drawing/2014/main" id="{0E16FD32-B87E-4B8C-8732-E63A649866D1}"/>
-              </a:ext>
-            </a:extLst>
-          </p:cNvPr>
-          <p:cNvSpPr txBox="1"/>
-          <p:nvPr/>
-        </p:nvSpPr>
-        <p:spPr>
-          <a:xfrm>
-            <a:off x="2858372" y="2557885"/>
-            <a:ext cx="2000349" cy="430887"/>
-          </a:xfrm>
-          <a:prstGeom prst="rect">
-            <a:avLst/>
-          </a:prstGeom>
-          <a:noFill/>
-        </p:spPr>
-        <p:txBody>
-          <a:bodyPr wrap="square" rtlCol="0">
-            <a:spAutoFit/>
-          </a:bodyPr>
-          <a:lstStyle/>
-          <a:p>
-            <a:r>
-              <a:rPr lang="en-US" altLang="ko-KR" sz="1100" dirty="0" err="1">
-                <a:solidFill>
-                  <a:schemeClr val="bg2">
-                    <a:lumMod val="50000"/>
-                  </a:schemeClr>
-                </a:solidFill>
-              </a:rPr>
-              <a:t>rcv</a:t>
-            </a:r>
-            <a:r>
-              <a:rPr lang="en-US" altLang="ko-KR" sz="1100" dirty="0">
-                <a:solidFill>
-                  <a:schemeClr val="bg2">
-                    <a:lumMod val="50000"/>
-                  </a:schemeClr>
-                </a:solidFill>
-              </a:rPr>
-              <a:t> pkt1</a:t>
-            </a:r>
-          </a:p>
-          <a:p>
-            <a:r>
-              <a:rPr lang="en-US" altLang="ko-KR" sz="1100" dirty="0">
-                <a:solidFill>
-                  <a:schemeClr val="bg2">
-                    <a:lumMod val="50000"/>
-                  </a:schemeClr>
-                </a:solidFill>
-              </a:rPr>
-              <a:t>send</a:t>
-            </a:r>
-            <a:r>
-              <a:rPr lang="ko-KR" altLang="en-US" sz="1100" dirty="0">
-                <a:solidFill>
-                  <a:schemeClr val="bg2">
-                    <a:lumMod val="50000"/>
-                  </a:schemeClr>
-                </a:solidFill>
-              </a:rPr>
-              <a:t> </a:t>
-            </a:r>
-            <a:r>
-              <a:rPr lang="en-US" altLang="ko-KR" sz="1100" dirty="0">
-                <a:solidFill>
-                  <a:schemeClr val="bg2">
-                    <a:lumMod val="50000"/>
-                  </a:schemeClr>
-                </a:solidFill>
-              </a:rPr>
-              <a:t>ACK1</a:t>
-            </a:r>
-            <a:endParaRPr lang="ko-KR" altLang="en-US" sz="1100" dirty="0">
-              <a:solidFill>
-                <a:schemeClr val="bg2">
-                  <a:lumMod val="50000"/>
-                </a:schemeClr>
-              </a:solidFill>
-            </a:endParaRPr>
-          </a:p>
-        </p:txBody>
-      </p:sp>
-      <p:sp>
-        <p:nvSpPr>
-          <p:cNvPr id="46" name="직사각형 45">
-            <a:extLst>
-              <a:ext uri="{FF2B5EF4-FFF2-40B4-BE49-F238E27FC236}">
-                <a16:creationId xmlns:a16="http://schemas.microsoft.com/office/drawing/2014/main" id="{05EA7F1B-6DB7-4197-8F72-0BEA334198D5}"/>
-              </a:ext>
-            </a:extLst>
-          </p:cNvPr>
+          <p:cNvPr id="13" name="직사각형 12"/>
           <p:cNvSpPr/>
           <p:nvPr/>
         </p:nvSpPr>
@@ -12541,14 +10235,21 @@
               <a:defRPr/>
             </a:pPr>
             <a:r>
-              <a:rPr lang="ko-KR" altLang="en-US" sz="2000" dirty="0">
+              <a:rPr kumimoji="0" lang="en-US" altLang="ko-KR" sz="2000" b="0" i="0" u="none" strike="noStrike" kern="1200" cap="none" spc="0" normalizeH="0" baseline="0" noProof="0" dirty="0">
+                <a:ln>
+                  <a:noFill/>
+                </a:ln>
                 <a:solidFill>
                   <a:prstClr val="black"/>
                 </a:solidFill>
+                <a:effectLst/>
+                <a:uLnTx/>
+                <a:uFillTx/>
                 <a:latin typeface="맑은 고딕" panose="020B0503020000020004" pitchFamily="50" charset="-127"/>
                 <a:ea typeface="맑은 고딕" panose="020B0503020000020004" pitchFamily="50" charset="-127"/>
-              </a:rPr>
-              <a:t>수신 측의 확인 응답이 오류 발생한 경우</a:t>
+                <a:cs typeface="+mn-cs"/>
+              </a:rPr>
+              <a:t>Question 3</a:t>
             </a:r>
             <a:endParaRPr kumimoji="0" lang="ko-KR" altLang="en-US" sz="2000" b="0" i="0" u="none" strike="noStrike" kern="1200" cap="none" spc="0" normalizeH="0" baseline="0" noProof="0" dirty="0">
               <a:ln>
@@ -12567,10 +10268,111 @@
           </a:p>
         </p:txBody>
       </p:sp>
+      <p:sp>
+        <p:nvSpPr>
+          <p:cNvPr id="75" name="TextBox 74">
+            <a:extLst>
+              <a:ext uri="{FF2B5EF4-FFF2-40B4-BE49-F238E27FC236}">
+                <a16:creationId xmlns:a16="http://schemas.microsoft.com/office/drawing/2014/main" id="{6D2DA32A-7FA6-42E7-A476-22860D9E88A8}"/>
+              </a:ext>
+            </a:extLst>
+          </p:cNvPr>
+          <p:cNvSpPr txBox="1"/>
+          <p:nvPr/>
+        </p:nvSpPr>
+        <p:spPr>
+          <a:xfrm>
+            <a:off x="566606" y="2044005"/>
+            <a:ext cx="8772788" cy="861774"/>
+          </a:xfrm>
+          <a:prstGeom prst="rect">
+            <a:avLst/>
+          </a:prstGeom>
+          <a:noFill/>
+        </p:spPr>
+        <p:txBody>
+          <a:bodyPr wrap="square" rtlCol="0">
+            <a:spAutoFit/>
+          </a:bodyPr>
+          <a:lstStyle/>
+          <a:p>
+            <a:pPr algn="ctr"/>
+            <a:r>
+              <a:rPr lang="en-US" altLang="ko-KR" dirty="0"/>
+              <a:t>TCP</a:t>
+            </a:r>
+            <a:r>
+              <a:rPr lang="ko-KR" altLang="en-US" dirty="0"/>
+              <a:t>와 </a:t>
+            </a:r>
+            <a:r>
+              <a:rPr lang="en-US" altLang="ko-KR" dirty="0"/>
+              <a:t>GBN (Go-Back-N) </a:t>
+            </a:r>
+            <a:r>
+              <a:rPr lang="ko-KR" altLang="en-US" dirty="0"/>
+              <a:t>및 </a:t>
+            </a:r>
+            <a:r>
+              <a:rPr lang="en-US" altLang="ko-KR" dirty="0"/>
+              <a:t>SR (Selective Repeat) </a:t>
+            </a:r>
+            <a:br>
+              <a:rPr lang="en-US" altLang="ko-KR" dirty="0"/>
+            </a:br>
+            <a:r>
+              <a:rPr lang="ko-KR" altLang="en-US" dirty="0"/>
+              <a:t>프로토콜 간의 차이를 각각 설명</a:t>
+            </a:r>
+          </a:p>
+          <a:p>
+            <a:pPr algn="ctr"/>
+            <a:endParaRPr lang="en-US" altLang="ko-KR" sz="1400" dirty="0">
+              <a:latin typeface="+mj-ea"/>
+              <a:ea typeface="+mj-ea"/>
+            </a:endParaRPr>
+          </a:p>
+        </p:txBody>
+      </p:sp>
+      <p:sp>
+        <p:nvSpPr>
+          <p:cNvPr id="33" name="TextBox 32">
+            <a:extLst>
+              <a:ext uri="{FF2B5EF4-FFF2-40B4-BE49-F238E27FC236}">
+                <a16:creationId xmlns:a16="http://schemas.microsoft.com/office/drawing/2014/main" id="{425843C9-ACA6-46E3-8EC7-C7636E27EA27}"/>
+              </a:ext>
+            </a:extLst>
+          </p:cNvPr>
+          <p:cNvSpPr txBox="1"/>
+          <p:nvPr/>
+        </p:nvSpPr>
+        <p:spPr>
+          <a:xfrm>
+            <a:off x="4317569" y="1175417"/>
+            <a:ext cx="3414839" cy="369332"/>
+          </a:xfrm>
+          <a:prstGeom prst="rect">
+            <a:avLst/>
+          </a:prstGeom>
+          <a:noFill/>
+        </p:spPr>
+        <p:txBody>
+          <a:bodyPr wrap="square" rtlCol="0">
+            <a:spAutoFit/>
+          </a:bodyPr>
+          <a:lstStyle/>
+          <a:p>
+            <a:r>
+              <a:rPr lang="en-US" altLang="ko-KR" dirty="0"/>
+              <a:t>Question</a:t>
+            </a:r>
+          </a:p>
+        </p:txBody>
+      </p:sp>
     </p:spTree>
     <p:extLst>
       <p:ext uri="{BB962C8B-B14F-4D97-AF65-F5344CB8AC3E}">
-        <p14:creationId xmlns:p14="http://schemas.microsoft.com/office/powerpoint/2010/main" val="2368892096"/>
+        <p14:creationId xmlns:p14="http://schemas.microsoft.com/office/powerpoint/2010/main" val="2541307647"/>
       </p:ext>
     </p:extLst>
   </p:cSld>
@@ -12619,8 +10421,8 @@
         </p:nvSpPr>
         <p:spPr>
           <a:xfrm>
-            <a:off x="500352" y="276052"/>
-            <a:ext cx="4350322" cy="400110"/>
+            <a:off x="500351" y="276052"/>
+            <a:ext cx="4860201" cy="400110"/>
           </a:xfrm>
           <a:prstGeom prst="rect">
             <a:avLst/>
@@ -12650,14 +10452,21 @@
               <a:defRPr/>
             </a:pPr>
             <a:r>
-              <a:rPr lang="en-US" altLang="ko-KR" sz="2000" dirty="0">
+              <a:rPr kumimoji="0" lang="en-US" altLang="ko-KR" sz="2000" b="0" i="0" u="none" strike="noStrike" kern="1200" cap="none" spc="0" normalizeH="0" baseline="0" noProof="0" dirty="0">
+                <a:ln>
+                  <a:noFill/>
+                </a:ln>
                 <a:solidFill>
                   <a:prstClr val="black"/>
                 </a:solidFill>
+                <a:effectLst/>
+                <a:uLnTx/>
+                <a:uFillTx/>
                 <a:latin typeface="맑은 고딕" panose="020B0503020000020004" pitchFamily="50" charset="-127"/>
                 <a:ea typeface="맑은 고딕" panose="020B0503020000020004" pitchFamily="50" charset="-127"/>
-              </a:rPr>
-              <a:t>index</a:t>
+                <a:cs typeface="+mn-cs"/>
+              </a:rPr>
+              <a:t>Question 3</a:t>
             </a:r>
             <a:endParaRPr kumimoji="0" lang="ko-KR" altLang="en-US" sz="2000" b="0" i="0" u="none" strike="noStrike" kern="1200" cap="none" spc="0" normalizeH="0" baseline="0" noProof="0" dirty="0">
               <a:ln>
@@ -12678,20 +10487,20 @@
       </p:sp>
       <p:sp>
         <p:nvSpPr>
-          <p:cNvPr id="14" name="직사각형 13">
+          <p:cNvPr id="33" name="TextBox 32">
             <a:extLst>
               <a:ext uri="{FF2B5EF4-FFF2-40B4-BE49-F238E27FC236}">
-                <a16:creationId xmlns:a16="http://schemas.microsoft.com/office/drawing/2014/main" id="{F2614B04-C87B-42D4-91D5-B0023591A5AB}"/>
+                <a16:creationId xmlns:a16="http://schemas.microsoft.com/office/drawing/2014/main" id="{425843C9-ACA6-46E3-8EC7-C7636E27EA27}"/>
               </a:ext>
             </a:extLst>
           </p:cNvPr>
-          <p:cNvSpPr/>
+          <p:cNvSpPr txBox="1"/>
           <p:nvPr/>
         </p:nvSpPr>
         <p:spPr>
           <a:xfrm>
-            <a:off x="4653459" y="1295511"/>
-            <a:ext cx="599081" cy="323165"/>
+            <a:off x="3995275" y="1058768"/>
+            <a:ext cx="1915451" cy="646331"/>
           </a:xfrm>
           <a:prstGeom prst="rect">
             <a:avLst/>
@@ -12699,278 +10508,363 @@
           <a:noFill/>
         </p:spPr>
         <p:txBody>
-          <a:bodyPr wrap="square">
+          <a:bodyPr wrap="square" rtlCol="0">
             <a:spAutoFit/>
           </a:bodyPr>
           <a:lstStyle/>
           <a:p>
-            <a:pPr lvl="0">
-              <a:defRPr/>
-            </a:pPr>
-            <a:r>
-              <a:rPr lang="ko-KR" altLang="en-US" sz="1500">
-                <a:solidFill>
-                  <a:prstClr val="black"/>
-                </a:solidFill>
-                <a:latin typeface="+mn-ea"/>
-              </a:rPr>
-              <a:t>결과</a:t>
-            </a:r>
-            <a:endParaRPr lang="ko-KR" altLang="en-US" sz="1500" dirty="0">
-              <a:solidFill>
-                <a:prstClr val="black"/>
-              </a:solidFill>
-              <a:latin typeface="+mn-ea"/>
-            </a:endParaRPr>
+            <a:pPr algn="ctr"/>
+            <a:r>
+              <a:rPr lang="en-US" altLang="ko-KR" dirty="0" err="1"/>
+              <a:t>GBn</a:t>
+            </a:r>
+            <a:r>
+              <a:rPr lang="en-US" altLang="ko-KR" dirty="0"/>
+              <a:t> vs SR vs TCP </a:t>
+            </a:r>
+          </a:p>
+          <a:p>
+            <a:pPr algn="ctr"/>
+            <a:endParaRPr lang="en-US" altLang="ko-KR" dirty="0"/>
           </a:p>
         </p:txBody>
       </p:sp>
-      <p:sp>
-        <p:nvSpPr>
-          <p:cNvPr id="18" name="직사각형 17">
+      <p:graphicFrame>
+        <p:nvGraphicFramePr>
+          <p:cNvPr id="2" name="표 2">
             <a:extLst>
               <a:ext uri="{FF2B5EF4-FFF2-40B4-BE49-F238E27FC236}">
-                <a16:creationId xmlns:a16="http://schemas.microsoft.com/office/drawing/2014/main" id="{3C53428D-138A-42DA-872B-F1EF888F2FD5}"/>
+                <a16:creationId xmlns:a16="http://schemas.microsoft.com/office/drawing/2014/main" id="{165589DA-2452-48C9-A2C9-522BF8DE8C8F}"/>
               </a:ext>
             </a:extLst>
           </p:cNvPr>
-          <p:cNvSpPr/>
-          <p:nvPr/>
-        </p:nvSpPr>
-        <p:spPr>
-          <a:xfrm>
-            <a:off x="2405208" y="1852510"/>
-            <a:ext cx="5095581" cy="1292662"/>
-          </a:xfrm>
-          <a:prstGeom prst="rect">
-            <a:avLst/>
-          </a:prstGeom>
-          <a:noFill/>
-        </p:spPr>
-        <p:txBody>
-          <a:bodyPr wrap="square">
-            <a:spAutoFit/>
-          </a:bodyPr>
-          <a:lstStyle/>
-          <a:p>
-            <a:pPr lvl="0" algn="ctr">
-              <a:defRPr/>
-            </a:pPr>
-            <a:r>
-              <a:rPr lang="ko-KR" altLang="en-US" sz="1300" dirty="0">
-                <a:solidFill>
-                  <a:prstClr val="black"/>
-                </a:solidFill>
-                <a:latin typeface="맑은 고딕" panose="020B0503020000020004" pitchFamily="50" charset="-127"/>
-              </a:rPr>
-              <a:t>기존의 </a:t>
-            </a:r>
-            <a:r>
-              <a:rPr lang="en-US" altLang="ko-KR" sz="1300" dirty="0">
-                <a:solidFill>
-                  <a:prstClr val="black"/>
-                </a:solidFill>
-                <a:latin typeface="맑은 고딕" panose="020B0503020000020004" pitchFamily="50" charset="-127"/>
-              </a:rPr>
-              <a:t>rdt2.2</a:t>
-            </a:r>
-            <a:r>
-              <a:rPr lang="ko-KR" altLang="en-US" sz="1300" dirty="0">
-                <a:solidFill>
-                  <a:prstClr val="black"/>
-                </a:solidFill>
-                <a:latin typeface="맑은 고딕" panose="020B0503020000020004" pitchFamily="50" charset="-127"/>
-              </a:rPr>
-              <a:t>와는 </a:t>
-            </a:r>
-            <a:r>
-              <a:rPr lang="en-US" altLang="ko-KR" sz="1300" dirty="0">
-                <a:solidFill>
-                  <a:prstClr val="black"/>
-                </a:solidFill>
-                <a:latin typeface="맑은 고딕" panose="020B0503020000020004" pitchFamily="50" charset="-127"/>
-              </a:rPr>
-              <a:t>timer</a:t>
-            </a:r>
-            <a:r>
-              <a:rPr lang="ko-KR" altLang="en-US" sz="1300" dirty="0">
-                <a:solidFill>
-                  <a:prstClr val="black"/>
-                </a:solidFill>
-                <a:latin typeface="맑은 고딕" panose="020B0503020000020004" pitchFamily="50" charset="-127"/>
-              </a:rPr>
-              <a:t>라는 큰 차이점을 두고 </a:t>
-            </a:r>
-            <a:endParaRPr lang="en-US" altLang="ko-KR" sz="1300" dirty="0">
-              <a:solidFill>
-                <a:prstClr val="black"/>
-              </a:solidFill>
-              <a:latin typeface="맑은 고딕" panose="020B0503020000020004" pitchFamily="50" charset="-127"/>
-            </a:endParaRPr>
-          </a:p>
-          <a:p>
-            <a:pPr lvl="0" algn="ctr">
-              <a:defRPr/>
-            </a:pPr>
-            <a:r>
-              <a:rPr lang="ko-KR" altLang="en-US" sz="1300" dirty="0">
-                <a:solidFill>
-                  <a:prstClr val="black"/>
-                </a:solidFill>
-                <a:latin typeface="맑은 고딕" panose="020B0503020000020004" pitchFamily="50" charset="-127"/>
-              </a:rPr>
-              <a:t>비트손실 및 패킷 손실에 대한 대응책으로 </a:t>
-            </a:r>
-            <a:r>
-              <a:rPr lang="en-US" altLang="ko-KR" sz="1300" dirty="0">
-                <a:solidFill>
-                  <a:prstClr val="black"/>
-                </a:solidFill>
-                <a:latin typeface="맑은 고딕" panose="020B0503020000020004" pitchFamily="50" charset="-127"/>
-              </a:rPr>
-              <a:t>Timer</a:t>
-            </a:r>
-            <a:r>
-              <a:rPr lang="ko-KR" altLang="en-US" sz="1300" dirty="0">
-                <a:solidFill>
-                  <a:prstClr val="black"/>
-                </a:solidFill>
-                <a:latin typeface="맑은 고딕" panose="020B0503020000020004" pitchFamily="50" charset="-127"/>
-              </a:rPr>
-              <a:t>를 도입하였다</a:t>
-            </a:r>
-            <a:r>
-              <a:rPr lang="en-US" altLang="ko-KR" sz="1300" dirty="0">
-                <a:solidFill>
-                  <a:prstClr val="black"/>
-                </a:solidFill>
-                <a:latin typeface="맑은 고딕" panose="020B0503020000020004" pitchFamily="50" charset="-127"/>
-              </a:rPr>
-              <a:t>. </a:t>
-            </a:r>
-          </a:p>
-          <a:p>
-            <a:pPr lvl="0" algn="ctr">
-              <a:defRPr/>
-            </a:pPr>
-            <a:r>
-              <a:rPr lang="ko-KR" altLang="en-US" sz="1300" dirty="0">
-                <a:solidFill>
-                  <a:prstClr val="black"/>
-                </a:solidFill>
-                <a:latin typeface="맑은 고딕" panose="020B0503020000020004" pitchFamily="50" charset="-127"/>
-              </a:rPr>
-              <a:t>따라서 오류에 의한 손실에 대한 탐지 및 대응에 </a:t>
-            </a:r>
-            <a:endParaRPr lang="en-US" altLang="ko-KR" sz="1300" dirty="0">
-              <a:solidFill>
-                <a:prstClr val="black"/>
-              </a:solidFill>
-              <a:latin typeface="맑은 고딕" panose="020B0503020000020004" pitchFamily="50" charset="-127"/>
-            </a:endParaRPr>
-          </a:p>
-          <a:p>
-            <a:pPr lvl="0" algn="ctr">
-              <a:defRPr/>
-            </a:pPr>
-            <a:r>
-              <a:rPr lang="ko-KR" altLang="en-US" sz="1300" dirty="0">
-                <a:solidFill>
-                  <a:prstClr val="black"/>
-                </a:solidFill>
-                <a:latin typeface="맑은 고딕" panose="020B0503020000020004" pitchFamily="50" charset="-127"/>
-              </a:rPr>
-              <a:t>있어서 자유로워졌으나 </a:t>
-            </a:r>
-            <a:endParaRPr lang="en-US" altLang="ko-KR" sz="1300" dirty="0">
-              <a:solidFill>
-                <a:prstClr val="black"/>
-              </a:solidFill>
-              <a:latin typeface="맑은 고딕" panose="020B0503020000020004" pitchFamily="50" charset="-127"/>
-            </a:endParaRPr>
-          </a:p>
-          <a:p>
-            <a:pPr lvl="0" algn="ctr">
-              <a:defRPr/>
-            </a:pPr>
-            <a:r>
-              <a:rPr lang="en-US" altLang="ko-KR" sz="1300" dirty="0">
-                <a:solidFill>
-                  <a:prstClr val="black"/>
-                </a:solidFill>
-                <a:latin typeface="맑은 고딕" panose="020B0503020000020004" pitchFamily="50" charset="-127"/>
-              </a:rPr>
-              <a:t>Timer</a:t>
-            </a:r>
-            <a:r>
-              <a:rPr lang="ko-KR" altLang="en-US" sz="1300" dirty="0">
-                <a:solidFill>
-                  <a:prstClr val="black"/>
-                </a:solidFill>
-                <a:latin typeface="맑은 고딕" panose="020B0503020000020004" pitchFamily="50" charset="-127"/>
-              </a:rPr>
-              <a:t>에 의한 전송 후 대기 </a:t>
-            </a:r>
-            <a:r>
-              <a:rPr lang="en-US" altLang="ko-KR" sz="1300" dirty="0">
-                <a:solidFill>
-                  <a:prstClr val="black"/>
-                </a:solidFill>
-                <a:latin typeface="맑은 고딕" panose="020B0503020000020004" pitchFamily="50" charset="-127"/>
-              </a:rPr>
-              <a:t>(stop-and-wait)</a:t>
-            </a:r>
-            <a:r>
-              <a:rPr lang="ko-KR" altLang="en-US" sz="1300" dirty="0">
-                <a:solidFill>
-                  <a:prstClr val="black"/>
-                </a:solidFill>
-                <a:latin typeface="맑은 고딕" panose="020B0503020000020004" pitchFamily="50" charset="-127"/>
-              </a:rPr>
-              <a:t>의 방식에 의하여 </a:t>
-            </a:r>
-            <a:endParaRPr lang="en-US" altLang="ko-KR" sz="1300" dirty="0">
-              <a:solidFill>
-                <a:prstClr val="black"/>
-              </a:solidFill>
-              <a:latin typeface="맑은 고딕" panose="020B0503020000020004" pitchFamily="50" charset="-127"/>
-            </a:endParaRPr>
-          </a:p>
-          <a:p>
-            <a:pPr lvl="0" algn="ctr">
-              <a:defRPr/>
-            </a:pPr>
-            <a:r>
-              <a:rPr lang="ko-KR" altLang="en-US" sz="1300" dirty="0">
-                <a:solidFill>
-                  <a:prstClr val="black"/>
-                </a:solidFill>
-                <a:latin typeface="맑은 고딕" panose="020B0503020000020004" pitchFamily="50" charset="-127"/>
-              </a:rPr>
-              <a:t>성능적인 면에서 뒤쳐짐을 알 수 있다</a:t>
-            </a:r>
-            <a:r>
-              <a:rPr lang="en-US" altLang="ko-KR" sz="1300" dirty="0">
-                <a:solidFill>
-                  <a:prstClr val="black"/>
-                </a:solidFill>
-                <a:latin typeface="맑은 고딕" panose="020B0503020000020004" pitchFamily="50" charset="-127"/>
-              </a:rPr>
-              <a:t>.</a:t>
-            </a:r>
-            <a:endParaRPr lang="ko-KR" altLang="en-US" sz="1300" dirty="0">
-              <a:solidFill>
-                <a:prstClr val="black"/>
-              </a:solidFill>
-              <a:latin typeface="맑은 고딕" panose="020B0503020000020004" pitchFamily="50" charset="-127"/>
-            </a:endParaRPr>
-          </a:p>
-        </p:txBody>
-      </p:sp>
+          <p:cNvGraphicFramePr>
+            <a:graphicFrameLocks noGrp="1"/>
+          </p:cNvGraphicFramePr>
+          <p:nvPr>
+            <p:extLst>
+              <p:ext uri="{D42A27DB-BD31-4B8C-83A1-F6EECF244321}">
+                <p14:modId xmlns:p14="http://schemas.microsoft.com/office/powerpoint/2010/main" val="2814483693"/>
+              </p:ext>
+            </p:extLst>
+          </p:nvPr>
+        </p:nvGraphicFramePr>
+        <p:xfrm>
+          <a:off x="1651000" y="1705099"/>
+          <a:ext cx="6603999" cy="1559560"/>
+        </p:xfrm>
+        <a:graphic>
+          <a:graphicData uri="http://schemas.openxmlformats.org/drawingml/2006/table">
+            <a:tbl>
+              <a:tblPr firstRow="1" bandRow="1">
+                <a:tableStyleId>{5C22544A-7EE6-4342-B048-85BDC9FD1C3A}</a:tableStyleId>
+              </a:tblPr>
+              <a:tblGrid>
+                <a:gridCol w="2201333">
+                  <a:extLst>
+                    <a:ext uri="{9D8B030D-6E8A-4147-A177-3AD203B41FA5}">
+                      <a16:colId xmlns:a16="http://schemas.microsoft.com/office/drawing/2014/main" val="1890807157"/>
+                    </a:ext>
+                  </a:extLst>
+                </a:gridCol>
+                <a:gridCol w="2201333">
+                  <a:extLst>
+                    <a:ext uri="{9D8B030D-6E8A-4147-A177-3AD203B41FA5}">
+                      <a16:colId xmlns:a16="http://schemas.microsoft.com/office/drawing/2014/main" val="205287871"/>
+                    </a:ext>
+                  </a:extLst>
+                </a:gridCol>
+                <a:gridCol w="2201333">
+                  <a:extLst>
+                    <a:ext uri="{9D8B030D-6E8A-4147-A177-3AD203B41FA5}">
+                      <a16:colId xmlns:a16="http://schemas.microsoft.com/office/drawing/2014/main" val="1433758128"/>
+                    </a:ext>
+                  </a:extLst>
+                </a:gridCol>
+              </a:tblGrid>
+              <a:tr h="370840">
+                <a:tc>
+                  <a:txBody>
+                    <a:bodyPr/>
+                    <a:lstStyle/>
+                    <a:p>
+                      <a:pPr algn="ctr" latinLnBrk="1"/>
+                      <a:r>
+                        <a:rPr lang="en-US" altLang="ko-KR" dirty="0" err="1"/>
+                        <a:t>GBn</a:t>
+                      </a:r>
+                      <a:endParaRPr lang="ko-KR" altLang="en-US" dirty="0"/>
+                    </a:p>
+                  </a:txBody>
+                  <a:tcPr/>
+                </a:tc>
+                <a:tc>
+                  <a:txBody>
+                    <a:bodyPr/>
+                    <a:lstStyle/>
+                    <a:p>
+                      <a:pPr algn="ctr" latinLnBrk="1"/>
+                      <a:r>
+                        <a:rPr lang="en-US" altLang="ko-KR" dirty="0"/>
+                        <a:t>SR</a:t>
+                      </a:r>
+                      <a:endParaRPr lang="ko-KR" altLang="en-US" dirty="0"/>
+                    </a:p>
+                  </a:txBody>
+                  <a:tcPr/>
+                </a:tc>
+                <a:tc>
+                  <a:txBody>
+                    <a:bodyPr/>
+                    <a:lstStyle/>
+                    <a:p>
+                      <a:pPr algn="ctr" latinLnBrk="1"/>
+                      <a:r>
+                        <a:rPr lang="en-US" altLang="ko-KR" dirty="0"/>
+                        <a:t>TCP</a:t>
+                      </a:r>
+                      <a:endParaRPr lang="ko-KR" altLang="en-US" dirty="0"/>
+                    </a:p>
+                  </a:txBody>
+                  <a:tcPr/>
+                </a:tc>
+                <a:extLst>
+                  <a:ext uri="{0D108BD9-81ED-4DB2-BD59-A6C34878D82A}">
+                    <a16:rowId xmlns:a16="http://schemas.microsoft.com/office/drawing/2014/main" val="2979928181"/>
+                  </a:ext>
+                </a:extLst>
+              </a:tr>
+              <a:tr h="370840">
+                <a:tc>
+                  <a:txBody>
+                    <a:bodyPr/>
+                    <a:lstStyle/>
+                    <a:p>
+                      <a:pPr latinLnBrk="1"/>
+                      <a:r>
+                        <a:rPr lang="en-US" altLang="ko-KR" sz="1100" dirty="0"/>
+                        <a:t>N</a:t>
+                      </a:r>
+                      <a:r>
+                        <a:rPr lang="ko-KR" altLang="en-US" sz="1100" dirty="0"/>
+                        <a:t>개의 </a:t>
+                      </a:r>
+                      <a:r>
+                        <a:rPr lang="en-US" altLang="ko-KR" sz="1100" dirty="0"/>
+                        <a:t>ACK </a:t>
+                      </a:r>
+                      <a:r>
+                        <a:rPr lang="ko-KR" altLang="en-US" sz="1100" dirty="0"/>
+                        <a:t>없이 패킷 전송 허용</a:t>
+                      </a:r>
+                      <a:endParaRPr lang="en-US" altLang="ko-KR" sz="1100" dirty="0"/>
+                    </a:p>
+                    <a:p>
+                      <a:pPr latinLnBrk="1"/>
+                      <a:endParaRPr lang="en-US" altLang="ko-KR" sz="1100" dirty="0"/>
+                    </a:p>
+                    <a:p>
+                      <a:pPr latinLnBrk="1"/>
+                      <a:r>
+                        <a:rPr lang="ko-KR" altLang="en-US" sz="1100" dirty="0"/>
+                        <a:t>손상 및 분실된 패킷 이후의 </a:t>
+                      </a:r>
+                      <a:endParaRPr lang="en-US" altLang="ko-KR" sz="1100" dirty="0"/>
+                    </a:p>
+                    <a:p>
+                      <a:pPr latinLnBrk="1"/>
+                      <a:r>
+                        <a:rPr lang="ko-KR" altLang="en-US" sz="1100" dirty="0"/>
+                        <a:t>패킷 전부 재전송</a:t>
+                      </a:r>
+                      <a:endParaRPr lang="en-US" altLang="ko-KR" sz="1100" dirty="0"/>
+                    </a:p>
+                  </a:txBody>
+                  <a:tcPr/>
+                </a:tc>
+                <a:tc>
+                  <a:txBody>
+                    <a:bodyPr/>
+                    <a:lstStyle/>
+                    <a:p>
+                      <a:pPr marL="0" marR="0" lvl="0" indent="0" algn="l" defTabSz="914400" rtl="0" eaLnBrk="1" fontAlgn="auto" latinLnBrk="1" hangingPunct="1">
+                        <a:lnSpc>
+                          <a:spcPct val="100000"/>
+                        </a:lnSpc>
+                        <a:spcBef>
+                          <a:spcPts val="0"/>
+                        </a:spcBef>
+                        <a:spcAft>
+                          <a:spcPts val="0"/>
+                        </a:spcAft>
+                        <a:buClrTx/>
+                        <a:buSzTx/>
+                        <a:buFontTx/>
+                        <a:buNone/>
+                        <a:tabLst/>
+                        <a:defRPr/>
+                      </a:pPr>
+                      <a:r>
+                        <a:rPr lang="en-US" altLang="ko-KR" sz="1100" dirty="0"/>
+                        <a:t>N</a:t>
+                      </a:r>
+                      <a:r>
+                        <a:rPr lang="ko-KR" altLang="en-US" sz="1100" dirty="0"/>
+                        <a:t>개의 </a:t>
+                      </a:r>
+                      <a:r>
+                        <a:rPr lang="en-US" altLang="ko-KR" sz="1100" dirty="0"/>
+                        <a:t>ACK </a:t>
+                      </a:r>
+                      <a:r>
+                        <a:rPr lang="ko-KR" altLang="en-US" sz="1100" dirty="0"/>
+                        <a:t>없이 패킷 전송 허용</a:t>
+                      </a:r>
+                      <a:endParaRPr lang="en-US" altLang="ko-KR" sz="1100" dirty="0"/>
+                    </a:p>
+                    <a:p>
+                      <a:pPr latinLnBrk="1"/>
+                      <a:endParaRPr lang="en-US" altLang="ko-KR" sz="1200" dirty="0"/>
+                    </a:p>
+                    <a:p>
+                      <a:pPr latinLnBrk="1"/>
+                      <a:r>
+                        <a:rPr lang="ko-KR" altLang="en-US" sz="1100" dirty="0"/>
+                        <a:t>손상 및 분실된 패킷만 재전송</a:t>
+                      </a:r>
+                    </a:p>
+                  </a:txBody>
+                  <a:tcPr/>
+                </a:tc>
+                <a:tc>
+                  <a:txBody>
+                    <a:bodyPr/>
+                    <a:lstStyle/>
+                    <a:p>
+                      <a:pPr latinLnBrk="1"/>
+                      <a:r>
+                        <a:rPr lang="ko-KR" altLang="en-US" sz="1200" dirty="0"/>
+                        <a:t>중복</a:t>
+                      </a:r>
+                      <a:r>
+                        <a:rPr lang="en-US" altLang="ko-KR" sz="1200" dirty="0"/>
+                        <a:t>ACK</a:t>
+                      </a:r>
+                      <a:r>
+                        <a:rPr lang="ko-KR" altLang="en-US" sz="1200" dirty="0"/>
+                        <a:t>를 수신할 경우 단일 패킷 재전송</a:t>
+                      </a:r>
+                    </a:p>
+                  </a:txBody>
+                  <a:tcPr/>
+                </a:tc>
+                <a:extLst>
+                  <a:ext uri="{0D108BD9-81ED-4DB2-BD59-A6C34878D82A}">
+                    <a16:rowId xmlns:a16="http://schemas.microsoft.com/office/drawing/2014/main" val="3646520722"/>
+                  </a:ext>
+                </a:extLst>
+              </a:tr>
+              <a:tr h="370840">
+                <a:tc>
+                  <a:txBody>
+                    <a:bodyPr/>
+                    <a:lstStyle/>
+                    <a:p>
+                      <a:pPr latinLnBrk="1"/>
+                      <a:r>
+                        <a:rPr lang="ko-KR" altLang="en-US" sz="1100" dirty="0"/>
+                        <a:t>누적된 </a:t>
+                      </a:r>
+                      <a:r>
+                        <a:rPr lang="en-US" altLang="ko-KR" sz="1100" dirty="0"/>
+                        <a:t>ACK</a:t>
+                      </a:r>
+                      <a:r>
+                        <a:rPr lang="ko-KR" altLang="en-US" sz="1100" dirty="0"/>
+                        <a:t>만 전송</a:t>
+                      </a:r>
+                    </a:p>
+                  </a:txBody>
+                  <a:tcPr/>
+                </a:tc>
+                <a:tc>
+                  <a:txBody>
+                    <a:bodyPr/>
+                    <a:lstStyle/>
+                    <a:p>
+                      <a:pPr latinLnBrk="1"/>
+                      <a:r>
+                        <a:rPr lang="ko-KR" altLang="en-US" sz="1100" dirty="0"/>
+                        <a:t>개별 패킷에 대한 </a:t>
+                      </a:r>
+                      <a:r>
+                        <a:rPr lang="en-US" altLang="ko-KR" sz="1100" dirty="0"/>
+                        <a:t>ACK </a:t>
+                      </a:r>
+                      <a:r>
+                        <a:rPr lang="ko-KR" altLang="en-US" sz="1100" dirty="0"/>
+                        <a:t>전송</a:t>
+                      </a:r>
+                    </a:p>
+                  </a:txBody>
+                  <a:tcPr/>
+                </a:tc>
+                <a:tc>
+                  <a:txBody>
+                    <a:bodyPr/>
+                    <a:lstStyle/>
+                    <a:p>
+                      <a:pPr marL="0" marR="0" lvl="0" indent="0" algn="l" defTabSz="914400" rtl="0" eaLnBrk="1" fontAlgn="auto" latinLnBrk="1" hangingPunct="1">
+                        <a:lnSpc>
+                          <a:spcPct val="100000"/>
+                        </a:lnSpc>
+                        <a:spcBef>
+                          <a:spcPts val="0"/>
+                        </a:spcBef>
+                        <a:spcAft>
+                          <a:spcPts val="0"/>
+                        </a:spcAft>
+                        <a:buClrTx/>
+                        <a:buSzTx/>
+                        <a:buFontTx/>
+                        <a:buNone/>
+                        <a:tabLst/>
+                        <a:defRPr/>
+                      </a:pPr>
+                      <a:r>
+                        <a:rPr lang="ko-KR" altLang="en-US" sz="1100" dirty="0"/>
+                        <a:t>누적된 </a:t>
+                      </a:r>
+                      <a:r>
+                        <a:rPr lang="en-US" altLang="ko-KR" sz="1100" dirty="0"/>
+                        <a:t>ACK</a:t>
+                      </a:r>
+                      <a:r>
+                        <a:rPr lang="ko-KR" altLang="en-US" sz="1100" dirty="0"/>
+                        <a:t> 전송</a:t>
+                      </a:r>
+                    </a:p>
+                    <a:p>
+                      <a:pPr latinLnBrk="1"/>
+                      <a:endParaRPr lang="ko-KR" altLang="en-US" sz="1100" dirty="0"/>
+                    </a:p>
+                  </a:txBody>
+                  <a:tcPr/>
+                </a:tc>
+                <a:extLst>
+                  <a:ext uri="{0D108BD9-81ED-4DB2-BD59-A6C34878D82A}">
+                    <a16:rowId xmlns:a16="http://schemas.microsoft.com/office/drawing/2014/main" val="612348974"/>
+                  </a:ext>
+                </a:extLst>
+              </a:tr>
+            </a:tbl>
+          </a:graphicData>
+        </a:graphic>
+      </p:graphicFrame>
     </p:spTree>
     <p:extLst>
       <p:ext uri="{BB962C8B-B14F-4D97-AF65-F5344CB8AC3E}">
-        <p14:creationId xmlns:p14="http://schemas.microsoft.com/office/powerpoint/2010/main" val="3477361000"/>
+        <p14:creationId xmlns:p14="http://schemas.microsoft.com/office/powerpoint/2010/main" val="2999191400"/>
       </p:ext>
     </p:extLst>
   </p:cSld>
@@ -12981,6 +10875,4116 @@
 </file>
 
 <file path=ppt/slides/slide17.xml><?xml version="1.0" encoding="utf-8"?>
+<p:sld xmlns:a="http://schemas.openxmlformats.org/drawingml/2006/main" xmlns:r="http://schemas.openxmlformats.org/officeDocument/2006/relationships" xmlns:p="http://schemas.openxmlformats.org/presentationml/2006/main">
+  <p:cSld>
+    <p:bg>
+      <p:bgPr>
+        <a:blipFill dpi="0" rotWithShape="1">
+          <a:blip r:embed="rId2">
+            <a:lum/>
+          </a:blip>
+          <a:srcRect/>
+          <a:stretch>
+            <a:fillRect/>
+          </a:stretch>
+        </a:blipFill>
+        <a:effectLst/>
+      </p:bgPr>
+    </p:bg>
+    <p:spTree>
+      <p:nvGrpSpPr>
+        <p:cNvPr id="1" name=""/>
+        <p:cNvGrpSpPr/>
+        <p:nvPr/>
+      </p:nvGrpSpPr>
+      <p:grpSpPr>
+        <a:xfrm>
+          <a:off x="0" y="0"/>
+          <a:ext cx="0" cy="0"/>
+          <a:chOff x="0" y="0"/>
+          <a:chExt cx="0" cy="0"/>
+        </a:xfrm>
+      </p:grpSpPr>
+      <p:cxnSp>
+        <p:nvCxnSpPr>
+          <p:cNvPr id="5" name="직선 화살표 연결선 4">
+            <a:extLst>
+              <a:ext uri="{FF2B5EF4-FFF2-40B4-BE49-F238E27FC236}">
+                <a16:creationId xmlns:a16="http://schemas.microsoft.com/office/drawing/2014/main" id="{E6E54E5C-88F1-45CC-991E-233A92B7A7F7}"/>
+              </a:ext>
+            </a:extLst>
+          </p:cNvPr>
+          <p:cNvCxnSpPr>
+            <a:cxnSpLocks/>
+          </p:cNvCxnSpPr>
+          <p:nvPr/>
+        </p:nvCxnSpPr>
+        <p:spPr>
+          <a:xfrm>
+            <a:off x="1057013" y="873853"/>
+            <a:ext cx="24082" cy="4369266"/>
+          </a:xfrm>
+          <a:prstGeom prst="straightConnector1">
+            <a:avLst/>
+          </a:prstGeom>
+          <a:ln w="38100">
+            <a:tailEnd type="triangle"/>
+          </a:ln>
+        </p:spPr>
+        <p:style>
+          <a:lnRef idx="1">
+            <a:schemeClr val="accent1"/>
+          </a:lnRef>
+          <a:fillRef idx="0">
+            <a:schemeClr val="accent1"/>
+          </a:fillRef>
+          <a:effectRef idx="0">
+            <a:schemeClr val="accent1"/>
+          </a:effectRef>
+          <a:fontRef idx="minor">
+            <a:schemeClr val="tx1"/>
+          </a:fontRef>
+        </p:style>
+      </p:cxnSp>
+      <p:cxnSp>
+        <p:nvCxnSpPr>
+          <p:cNvPr id="22" name="직선 화살표 연결선 21">
+            <a:extLst>
+              <a:ext uri="{FF2B5EF4-FFF2-40B4-BE49-F238E27FC236}">
+                <a16:creationId xmlns:a16="http://schemas.microsoft.com/office/drawing/2014/main" id="{447CD51D-B5F4-4B80-A326-21F4B15C5F71}"/>
+              </a:ext>
+            </a:extLst>
+          </p:cNvPr>
+          <p:cNvCxnSpPr>
+            <a:cxnSpLocks/>
+          </p:cNvCxnSpPr>
+          <p:nvPr/>
+        </p:nvCxnSpPr>
+        <p:spPr>
+          <a:xfrm flipH="1">
+            <a:off x="2801576" y="873853"/>
+            <a:ext cx="1746" cy="4478323"/>
+          </a:xfrm>
+          <a:prstGeom prst="straightConnector1">
+            <a:avLst/>
+          </a:prstGeom>
+          <a:ln w="38100">
+            <a:tailEnd type="triangle"/>
+          </a:ln>
+        </p:spPr>
+        <p:style>
+          <a:lnRef idx="1">
+            <a:schemeClr val="accent1"/>
+          </a:lnRef>
+          <a:fillRef idx="0">
+            <a:schemeClr val="accent1"/>
+          </a:fillRef>
+          <a:effectRef idx="0">
+            <a:schemeClr val="accent1"/>
+          </a:effectRef>
+          <a:fontRef idx="minor">
+            <a:schemeClr val="tx1"/>
+          </a:fontRef>
+        </p:style>
+      </p:cxnSp>
+      <p:sp>
+        <p:nvSpPr>
+          <p:cNvPr id="8" name="TextBox 7">
+            <a:extLst>
+              <a:ext uri="{FF2B5EF4-FFF2-40B4-BE49-F238E27FC236}">
+                <a16:creationId xmlns:a16="http://schemas.microsoft.com/office/drawing/2014/main" id="{4CEB4378-B639-4BF8-BEA9-E152EBE8C823}"/>
+              </a:ext>
+            </a:extLst>
+          </p:cNvPr>
+          <p:cNvSpPr txBox="1"/>
+          <p:nvPr/>
+        </p:nvSpPr>
+        <p:spPr>
+          <a:xfrm>
+            <a:off x="726068" y="621119"/>
+            <a:ext cx="2000349" cy="261610"/>
+          </a:xfrm>
+          <a:prstGeom prst="rect">
+            <a:avLst/>
+          </a:prstGeom>
+          <a:noFill/>
+        </p:spPr>
+        <p:txBody>
+          <a:bodyPr wrap="square" rtlCol="0">
+            <a:spAutoFit/>
+          </a:bodyPr>
+          <a:lstStyle/>
+          <a:p>
+            <a:r>
+              <a:rPr lang="ko-KR" altLang="en-US" sz="1100" dirty="0">
+                <a:solidFill>
+                  <a:schemeClr val="bg2">
+                    <a:lumMod val="50000"/>
+                  </a:schemeClr>
+                </a:solidFill>
+              </a:rPr>
+              <a:t>송신자</a:t>
+            </a:r>
+          </a:p>
+        </p:txBody>
+      </p:sp>
+      <p:sp>
+        <p:nvSpPr>
+          <p:cNvPr id="23" name="TextBox 22">
+            <a:extLst>
+              <a:ext uri="{FF2B5EF4-FFF2-40B4-BE49-F238E27FC236}">
+                <a16:creationId xmlns:a16="http://schemas.microsoft.com/office/drawing/2014/main" id="{D65E1D9E-950E-42DE-A0FE-245791F12AAC}"/>
+              </a:ext>
+            </a:extLst>
+          </p:cNvPr>
+          <p:cNvSpPr txBox="1"/>
+          <p:nvPr/>
+        </p:nvSpPr>
+        <p:spPr>
+          <a:xfrm>
+            <a:off x="2398481" y="608355"/>
+            <a:ext cx="2000349" cy="261610"/>
+          </a:xfrm>
+          <a:prstGeom prst="rect">
+            <a:avLst/>
+          </a:prstGeom>
+          <a:noFill/>
+        </p:spPr>
+        <p:txBody>
+          <a:bodyPr wrap="square" rtlCol="0">
+            <a:spAutoFit/>
+          </a:bodyPr>
+          <a:lstStyle/>
+          <a:p>
+            <a:r>
+              <a:rPr lang="ko-KR" altLang="en-US" sz="1100" dirty="0">
+                <a:solidFill>
+                  <a:schemeClr val="bg2">
+                    <a:lumMod val="50000"/>
+                  </a:schemeClr>
+                </a:solidFill>
+              </a:rPr>
+              <a:t>수신자</a:t>
+            </a:r>
+          </a:p>
+        </p:txBody>
+      </p:sp>
+      <p:cxnSp>
+        <p:nvCxnSpPr>
+          <p:cNvPr id="16" name="직선 화살표 연결선 15">
+            <a:extLst>
+              <a:ext uri="{FF2B5EF4-FFF2-40B4-BE49-F238E27FC236}">
+                <a16:creationId xmlns:a16="http://schemas.microsoft.com/office/drawing/2014/main" id="{5B4C3007-651A-451F-A666-28765D2321FE}"/>
+              </a:ext>
+            </a:extLst>
+          </p:cNvPr>
+          <p:cNvCxnSpPr/>
+          <p:nvPr/>
+        </p:nvCxnSpPr>
+        <p:spPr>
+          <a:xfrm>
+            <a:off x="1057013" y="989901"/>
+            <a:ext cx="1746308" cy="511728"/>
+          </a:xfrm>
+          <a:prstGeom prst="straightConnector1">
+            <a:avLst/>
+          </a:prstGeom>
+          <a:ln>
+            <a:solidFill>
+              <a:schemeClr val="bg2">
+                <a:lumMod val="50000"/>
+              </a:schemeClr>
+            </a:solidFill>
+            <a:prstDash val="dash"/>
+            <a:tailEnd type="triangle"/>
+          </a:ln>
+        </p:spPr>
+        <p:style>
+          <a:lnRef idx="1">
+            <a:schemeClr val="accent1"/>
+          </a:lnRef>
+          <a:fillRef idx="0">
+            <a:schemeClr val="accent1"/>
+          </a:fillRef>
+          <a:effectRef idx="0">
+            <a:schemeClr val="accent1"/>
+          </a:effectRef>
+          <a:fontRef idx="minor">
+            <a:schemeClr val="tx1"/>
+          </a:fontRef>
+        </p:style>
+      </p:cxnSp>
+      <p:cxnSp>
+        <p:nvCxnSpPr>
+          <p:cNvPr id="24" name="직선 화살표 연결선 23">
+            <a:extLst>
+              <a:ext uri="{FF2B5EF4-FFF2-40B4-BE49-F238E27FC236}">
+                <a16:creationId xmlns:a16="http://schemas.microsoft.com/office/drawing/2014/main" id="{34C82BCD-2310-48AE-BC4A-4D2C880BE6D5}"/>
+              </a:ext>
+            </a:extLst>
+          </p:cNvPr>
+          <p:cNvCxnSpPr>
+            <a:cxnSpLocks/>
+          </p:cNvCxnSpPr>
+          <p:nvPr/>
+        </p:nvCxnSpPr>
+        <p:spPr>
+          <a:xfrm flipH="1">
+            <a:off x="1057014" y="1516310"/>
+            <a:ext cx="1746306" cy="606105"/>
+          </a:xfrm>
+          <a:prstGeom prst="straightConnector1">
+            <a:avLst/>
+          </a:prstGeom>
+          <a:ln>
+            <a:solidFill>
+              <a:schemeClr val="bg2">
+                <a:lumMod val="50000"/>
+              </a:schemeClr>
+            </a:solidFill>
+            <a:prstDash val="dash"/>
+            <a:tailEnd type="triangle"/>
+          </a:ln>
+        </p:spPr>
+        <p:style>
+          <a:lnRef idx="1">
+            <a:schemeClr val="accent1"/>
+          </a:lnRef>
+          <a:fillRef idx="0">
+            <a:schemeClr val="accent1"/>
+          </a:fillRef>
+          <a:effectRef idx="0">
+            <a:schemeClr val="accent1"/>
+          </a:effectRef>
+          <a:fontRef idx="minor">
+            <a:schemeClr val="tx1"/>
+          </a:fontRef>
+        </p:style>
+      </p:cxnSp>
+      <p:cxnSp>
+        <p:nvCxnSpPr>
+          <p:cNvPr id="27" name="직선 화살표 연결선 26">
+            <a:extLst>
+              <a:ext uri="{FF2B5EF4-FFF2-40B4-BE49-F238E27FC236}">
+                <a16:creationId xmlns:a16="http://schemas.microsoft.com/office/drawing/2014/main" id="{12BDA595-5757-4A1B-B4C1-99906F56209A}"/>
+              </a:ext>
+            </a:extLst>
+          </p:cNvPr>
+          <p:cNvCxnSpPr>
+            <a:cxnSpLocks/>
+          </p:cNvCxnSpPr>
+          <p:nvPr/>
+        </p:nvCxnSpPr>
+        <p:spPr>
+          <a:xfrm>
+            <a:off x="1057012" y="2122415"/>
+            <a:ext cx="1752921" cy="645433"/>
+          </a:xfrm>
+          <a:prstGeom prst="straightConnector1">
+            <a:avLst/>
+          </a:prstGeom>
+          <a:ln>
+            <a:solidFill>
+              <a:schemeClr val="bg2">
+                <a:lumMod val="50000"/>
+              </a:schemeClr>
+            </a:solidFill>
+            <a:prstDash val="dash"/>
+            <a:tailEnd type="triangle"/>
+          </a:ln>
+        </p:spPr>
+        <p:style>
+          <a:lnRef idx="1">
+            <a:schemeClr val="accent1"/>
+          </a:lnRef>
+          <a:fillRef idx="0">
+            <a:schemeClr val="accent1"/>
+          </a:fillRef>
+          <a:effectRef idx="0">
+            <a:schemeClr val="accent1"/>
+          </a:effectRef>
+          <a:fontRef idx="minor">
+            <a:schemeClr val="tx1"/>
+          </a:fontRef>
+        </p:style>
+      </p:cxnSp>
+      <p:cxnSp>
+        <p:nvCxnSpPr>
+          <p:cNvPr id="40" name="직선 화살표 연결선 39">
+            <a:extLst>
+              <a:ext uri="{FF2B5EF4-FFF2-40B4-BE49-F238E27FC236}">
+                <a16:creationId xmlns:a16="http://schemas.microsoft.com/office/drawing/2014/main" id="{FFB3FB1F-FF3C-4FC2-AC8E-0B075AE3A89D}"/>
+              </a:ext>
+            </a:extLst>
+          </p:cNvPr>
+          <p:cNvCxnSpPr>
+            <a:cxnSpLocks/>
+          </p:cNvCxnSpPr>
+          <p:nvPr/>
+        </p:nvCxnSpPr>
+        <p:spPr>
+          <a:xfrm flipH="1">
+            <a:off x="1081936" y="3935424"/>
+            <a:ext cx="1746307" cy="548788"/>
+          </a:xfrm>
+          <a:prstGeom prst="straightConnector1">
+            <a:avLst/>
+          </a:prstGeom>
+          <a:ln>
+            <a:solidFill>
+              <a:schemeClr val="bg2">
+                <a:lumMod val="50000"/>
+              </a:schemeClr>
+            </a:solidFill>
+            <a:prstDash val="dash"/>
+            <a:tailEnd type="triangle"/>
+          </a:ln>
+        </p:spPr>
+        <p:style>
+          <a:lnRef idx="1">
+            <a:schemeClr val="accent1"/>
+          </a:lnRef>
+          <a:fillRef idx="0">
+            <a:schemeClr val="accent1"/>
+          </a:fillRef>
+          <a:effectRef idx="0">
+            <a:schemeClr val="accent1"/>
+          </a:effectRef>
+          <a:fontRef idx="minor">
+            <a:schemeClr val="tx1"/>
+          </a:fontRef>
+        </p:style>
+      </p:cxnSp>
+      <p:cxnSp>
+        <p:nvCxnSpPr>
+          <p:cNvPr id="41" name="직선 화살표 연결선 40">
+            <a:extLst>
+              <a:ext uri="{FF2B5EF4-FFF2-40B4-BE49-F238E27FC236}">
+                <a16:creationId xmlns:a16="http://schemas.microsoft.com/office/drawing/2014/main" id="{1321561C-1C9B-4B6A-A650-0B7C539DB2E1}"/>
+              </a:ext>
+            </a:extLst>
+          </p:cNvPr>
+          <p:cNvCxnSpPr/>
+          <p:nvPr/>
+        </p:nvCxnSpPr>
+        <p:spPr>
+          <a:xfrm>
+            <a:off x="1057012" y="3440773"/>
+            <a:ext cx="1746308" cy="511728"/>
+          </a:xfrm>
+          <a:prstGeom prst="straightConnector1">
+            <a:avLst/>
+          </a:prstGeom>
+          <a:ln>
+            <a:solidFill>
+              <a:schemeClr val="bg2">
+                <a:lumMod val="50000"/>
+              </a:schemeClr>
+            </a:solidFill>
+            <a:prstDash val="dash"/>
+            <a:tailEnd type="triangle"/>
+          </a:ln>
+        </p:spPr>
+        <p:style>
+          <a:lnRef idx="1">
+            <a:schemeClr val="accent1"/>
+          </a:lnRef>
+          <a:fillRef idx="0">
+            <a:schemeClr val="accent1"/>
+          </a:fillRef>
+          <a:effectRef idx="0">
+            <a:schemeClr val="accent1"/>
+          </a:effectRef>
+          <a:fontRef idx="minor">
+            <a:schemeClr val="tx1"/>
+          </a:fontRef>
+        </p:style>
+      </p:cxnSp>
+      <p:sp>
+        <p:nvSpPr>
+          <p:cNvPr id="44" name="TextBox 43">
+            <a:extLst>
+              <a:ext uri="{FF2B5EF4-FFF2-40B4-BE49-F238E27FC236}">
+                <a16:creationId xmlns:a16="http://schemas.microsoft.com/office/drawing/2014/main" id="{B4E40240-0D55-4532-B639-B3092F9C59B6}"/>
+              </a:ext>
+            </a:extLst>
+          </p:cNvPr>
+          <p:cNvSpPr txBox="1"/>
+          <p:nvPr/>
+        </p:nvSpPr>
+        <p:spPr>
+          <a:xfrm>
+            <a:off x="412594" y="3258224"/>
+            <a:ext cx="845308" cy="246221"/>
+          </a:xfrm>
+          <a:prstGeom prst="rect">
+            <a:avLst/>
+          </a:prstGeom>
+          <a:noFill/>
+        </p:spPr>
+        <p:txBody>
+          <a:bodyPr wrap="square" rtlCol="0">
+            <a:spAutoFit/>
+          </a:bodyPr>
+          <a:lstStyle/>
+          <a:p>
+            <a:r>
+              <a:rPr lang="en-US" altLang="ko-KR" sz="1000" dirty="0">
+                <a:solidFill>
+                  <a:schemeClr val="bg2">
+                    <a:lumMod val="50000"/>
+                  </a:schemeClr>
+                </a:solidFill>
+              </a:rPr>
+              <a:t>Timeout</a:t>
+            </a:r>
+          </a:p>
+        </p:txBody>
+      </p:sp>
+      <p:sp>
+        <p:nvSpPr>
+          <p:cNvPr id="60" name="TextBox 59">
+            <a:extLst>
+              <a:ext uri="{FF2B5EF4-FFF2-40B4-BE49-F238E27FC236}">
+                <a16:creationId xmlns:a16="http://schemas.microsoft.com/office/drawing/2014/main" id="{446EBAE9-978D-4336-85F3-443EF45EBC8D}"/>
+              </a:ext>
+            </a:extLst>
+          </p:cNvPr>
+          <p:cNvSpPr txBox="1"/>
+          <p:nvPr/>
+        </p:nvSpPr>
+        <p:spPr>
+          <a:xfrm rot="975871">
+            <a:off x="1490841" y="904592"/>
+            <a:ext cx="490767" cy="246221"/>
+          </a:xfrm>
+          <a:prstGeom prst="rect">
+            <a:avLst/>
+          </a:prstGeom>
+          <a:noFill/>
+        </p:spPr>
+        <p:txBody>
+          <a:bodyPr wrap="square" rtlCol="0">
+            <a:spAutoFit/>
+          </a:bodyPr>
+          <a:lstStyle/>
+          <a:p>
+            <a:r>
+              <a:rPr lang="en-US" altLang="ko-KR" sz="1000" dirty="0">
+                <a:solidFill>
+                  <a:schemeClr val="bg2">
+                    <a:lumMod val="50000"/>
+                  </a:schemeClr>
+                </a:solidFill>
+              </a:rPr>
+              <a:t>pkt0</a:t>
+            </a:r>
+            <a:endParaRPr lang="ko-KR" altLang="en-US" sz="1000" dirty="0">
+              <a:solidFill>
+                <a:schemeClr val="bg2">
+                  <a:lumMod val="50000"/>
+                </a:schemeClr>
+              </a:solidFill>
+            </a:endParaRPr>
+          </a:p>
+        </p:txBody>
+      </p:sp>
+      <p:sp>
+        <p:nvSpPr>
+          <p:cNvPr id="61" name="TextBox 60">
+            <a:extLst>
+              <a:ext uri="{FF2B5EF4-FFF2-40B4-BE49-F238E27FC236}">
+                <a16:creationId xmlns:a16="http://schemas.microsoft.com/office/drawing/2014/main" id="{D4D3B7FE-2C0A-4934-9849-21C3A7F5FE5F}"/>
+              </a:ext>
+            </a:extLst>
+          </p:cNvPr>
+          <p:cNvSpPr txBox="1"/>
+          <p:nvPr/>
+        </p:nvSpPr>
+        <p:spPr>
+          <a:xfrm rot="1034504">
+            <a:off x="1770795" y="3461191"/>
+            <a:ext cx="500844" cy="246221"/>
+          </a:xfrm>
+          <a:prstGeom prst="rect">
+            <a:avLst/>
+          </a:prstGeom>
+          <a:noFill/>
+        </p:spPr>
+        <p:txBody>
+          <a:bodyPr wrap="square" rtlCol="0">
+            <a:spAutoFit/>
+          </a:bodyPr>
+          <a:lstStyle/>
+          <a:p>
+            <a:r>
+              <a:rPr lang="en-US" altLang="ko-KR" sz="1000" dirty="0">
+                <a:solidFill>
+                  <a:schemeClr val="bg2">
+                    <a:lumMod val="50000"/>
+                  </a:schemeClr>
+                </a:solidFill>
+              </a:rPr>
+              <a:t>pkt2</a:t>
+            </a:r>
+            <a:endParaRPr lang="ko-KR" altLang="en-US" sz="1000" dirty="0">
+              <a:solidFill>
+                <a:schemeClr val="bg2">
+                  <a:lumMod val="50000"/>
+                </a:schemeClr>
+              </a:solidFill>
+            </a:endParaRPr>
+          </a:p>
+        </p:txBody>
+      </p:sp>
+      <p:sp>
+        <p:nvSpPr>
+          <p:cNvPr id="63" name="TextBox 62">
+            <a:extLst>
+              <a:ext uri="{FF2B5EF4-FFF2-40B4-BE49-F238E27FC236}">
+                <a16:creationId xmlns:a16="http://schemas.microsoft.com/office/drawing/2014/main" id="{1092E6C4-3968-458A-9FAA-62853F10784C}"/>
+              </a:ext>
+            </a:extLst>
+          </p:cNvPr>
+          <p:cNvSpPr txBox="1"/>
+          <p:nvPr/>
+        </p:nvSpPr>
+        <p:spPr>
+          <a:xfrm rot="20501994">
+            <a:off x="1263777" y="1720897"/>
+            <a:ext cx="516726" cy="246221"/>
+          </a:xfrm>
+          <a:prstGeom prst="rect">
+            <a:avLst/>
+          </a:prstGeom>
+          <a:noFill/>
+        </p:spPr>
+        <p:txBody>
+          <a:bodyPr wrap="square" rtlCol="0">
+            <a:spAutoFit/>
+          </a:bodyPr>
+          <a:lstStyle/>
+          <a:p>
+            <a:r>
+              <a:rPr lang="en-US" altLang="ko-KR" sz="1000" dirty="0">
+                <a:solidFill>
+                  <a:schemeClr val="bg2">
+                    <a:lumMod val="50000"/>
+                  </a:schemeClr>
+                </a:solidFill>
+              </a:rPr>
+              <a:t>ACK0</a:t>
+            </a:r>
+            <a:endParaRPr lang="ko-KR" altLang="en-US" sz="1000" dirty="0">
+              <a:solidFill>
+                <a:schemeClr val="bg2">
+                  <a:lumMod val="50000"/>
+                </a:schemeClr>
+              </a:solidFill>
+            </a:endParaRPr>
+          </a:p>
+        </p:txBody>
+      </p:sp>
+      <p:sp>
+        <p:nvSpPr>
+          <p:cNvPr id="64" name="TextBox 63">
+            <a:extLst>
+              <a:ext uri="{FF2B5EF4-FFF2-40B4-BE49-F238E27FC236}">
+                <a16:creationId xmlns:a16="http://schemas.microsoft.com/office/drawing/2014/main" id="{6577DFD1-1210-4B82-8EA7-2C7C9F12B54E}"/>
+              </a:ext>
+            </a:extLst>
+          </p:cNvPr>
+          <p:cNvSpPr txBox="1"/>
+          <p:nvPr/>
+        </p:nvSpPr>
+        <p:spPr>
+          <a:xfrm rot="20501994">
+            <a:off x="1653813" y="3944762"/>
+            <a:ext cx="485605" cy="246221"/>
+          </a:xfrm>
+          <a:prstGeom prst="rect">
+            <a:avLst/>
+          </a:prstGeom>
+          <a:noFill/>
+        </p:spPr>
+        <p:txBody>
+          <a:bodyPr wrap="square" rtlCol="0">
+            <a:spAutoFit/>
+          </a:bodyPr>
+          <a:lstStyle/>
+          <a:p>
+            <a:r>
+              <a:rPr lang="en-US" altLang="ko-KR" sz="1000" dirty="0">
+                <a:solidFill>
+                  <a:schemeClr val="bg2">
+                    <a:lumMod val="50000"/>
+                  </a:schemeClr>
+                </a:solidFill>
+              </a:rPr>
+              <a:t>ACK2</a:t>
+            </a:r>
+            <a:endParaRPr lang="ko-KR" altLang="en-US" sz="1000" dirty="0">
+              <a:solidFill>
+                <a:schemeClr val="bg2">
+                  <a:lumMod val="50000"/>
+                </a:schemeClr>
+              </a:solidFill>
+            </a:endParaRPr>
+          </a:p>
+        </p:txBody>
+      </p:sp>
+      <p:sp>
+        <p:nvSpPr>
+          <p:cNvPr id="33" name="TextBox 32">
+            <a:extLst>
+              <a:ext uri="{FF2B5EF4-FFF2-40B4-BE49-F238E27FC236}">
+                <a16:creationId xmlns:a16="http://schemas.microsoft.com/office/drawing/2014/main" id="{6BA4B79B-7A58-428A-82A6-0FED92B07031}"/>
+              </a:ext>
+            </a:extLst>
+          </p:cNvPr>
+          <p:cNvSpPr txBox="1"/>
+          <p:nvPr/>
+        </p:nvSpPr>
+        <p:spPr>
+          <a:xfrm rot="1034504">
+            <a:off x="1745936" y="2427103"/>
+            <a:ext cx="2000349" cy="246221"/>
+          </a:xfrm>
+          <a:prstGeom prst="rect">
+            <a:avLst/>
+          </a:prstGeom>
+          <a:noFill/>
+        </p:spPr>
+        <p:txBody>
+          <a:bodyPr wrap="square" rtlCol="0">
+            <a:spAutoFit/>
+          </a:bodyPr>
+          <a:lstStyle/>
+          <a:p>
+            <a:r>
+              <a:rPr lang="en-US" altLang="ko-KR" sz="1000" dirty="0">
+                <a:solidFill>
+                  <a:schemeClr val="bg2">
+                    <a:lumMod val="50000"/>
+                  </a:schemeClr>
+                </a:solidFill>
+              </a:rPr>
+              <a:t>pkt3</a:t>
+            </a:r>
+            <a:endParaRPr lang="ko-KR" altLang="en-US" sz="1000" dirty="0">
+              <a:solidFill>
+                <a:schemeClr val="bg2">
+                  <a:lumMod val="50000"/>
+                </a:schemeClr>
+              </a:solidFill>
+            </a:endParaRPr>
+          </a:p>
+        </p:txBody>
+      </p:sp>
+      <p:cxnSp>
+        <p:nvCxnSpPr>
+          <p:cNvPr id="34" name="직선 화살표 연결선 33">
+            <a:extLst>
+              <a:ext uri="{FF2B5EF4-FFF2-40B4-BE49-F238E27FC236}">
+                <a16:creationId xmlns:a16="http://schemas.microsoft.com/office/drawing/2014/main" id="{9E51968C-01FE-4740-91AA-45FDD58AC5A1}"/>
+              </a:ext>
+            </a:extLst>
+          </p:cNvPr>
+          <p:cNvCxnSpPr>
+            <a:cxnSpLocks/>
+          </p:cNvCxnSpPr>
+          <p:nvPr/>
+        </p:nvCxnSpPr>
+        <p:spPr>
+          <a:xfrm flipH="1">
+            <a:off x="1604596" y="2794791"/>
+            <a:ext cx="1177484" cy="419326"/>
+          </a:xfrm>
+          <a:prstGeom prst="straightConnector1">
+            <a:avLst/>
+          </a:prstGeom>
+          <a:ln>
+            <a:solidFill>
+              <a:schemeClr val="bg2">
+                <a:lumMod val="50000"/>
+              </a:schemeClr>
+            </a:solidFill>
+            <a:prstDash val="dash"/>
+            <a:tailEnd type="triangle"/>
+          </a:ln>
+        </p:spPr>
+        <p:style>
+          <a:lnRef idx="1">
+            <a:schemeClr val="accent1"/>
+          </a:lnRef>
+          <a:fillRef idx="0">
+            <a:schemeClr val="accent1"/>
+          </a:fillRef>
+          <a:effectRef idx="0">
+            <a:schemeClr val="accent1"/>
+          </a:effectRef>
+          <a:fontRef idx="minor">
+            <a:schemeClr val="tx1"/>
+          </a:fontRef>
+        </p:style>
+      </p:cxnSp>
+      <p:sp>
+        <p:nvSpPr>
+          <p:cNvPr id="37" name="TextBox 36">
+            <a:extLst>
+              <a:ext uri="{FF2B5EF4-FFF2-40B4-BE49-F238E27FC236}">
+                <a16:creationId xmlns:a16="http://schemas.microsoft.com/office/drawing/2014/main" id="{AA0B29D4-B5E4-4AF9-BF5D-E554B2D0393D}"/>
+              </a:ext>
+            </a:extLst>
+          </p:cNvPr>
+          <p:cNvSpPr txBox="1"/>
+          <p:nvPr/>
+        </p:nvSpPr>
+        <p:spPr>
+          <a:xfrm>
+            <a:off x="1882702" y="1751016"/>
+            <a:ext cx="549325" cy="246221"/>
+          </a:xfrm>
+          <a:prstGeom prst="rect">
+            <a:avLst/>
+          </a:prstGeom>
+          <a:noFill/>
+        </p:spPr>
+        <p:txBody>
+          <a:bodyPr wrap="square" rtlCol="0">
+            <a:spAutoFit/>
+          </a:bodyPr>
+          <a:lstStyle/>
+          <a:p>
+            <a:r>
+              <a:rPr lang="en-US" altLang="ko-KR" sz="1000" dirty="0">
+                <a:solidFill>
+                  <a:schemeClr val="bg2">
+                    <a:lumMod val="50000"/>
+                  </a:schemeClr>
+                </a:solidFill>
+              </a:rPr>
+              <a:t>loss</a:t>
+            </a:r>
+            <a:endParaRPr lang="ko-KR" altLang="en-US" sz="1000" dirty="0">
+              <a:solidFill>
+                <a:schemeClr val="bg2">
+                  <a:lumMod val="50000"/>
+                </a:schemeClr>
+              </a:solidFill>
+            </a:endParaRPr>
+          </a:p>
+        </p:txBody>
+      </p:sp>
+      <p:sp>
+        <p:nvSpPr>
+          <p:cNvPr id="46" name="직사각형 45">
+            <a:extLst>
+              <a:ext uri="{FF2B5EF4-FFF2-40B4-BE49-F238E27FC236}">
+                <a16:creationId xmlns:a16="http://schemas.microsoft.com/office/drawing/2014/main" id="{05EA7F1B-6DB7-4197-8F72-0BEA334198D5}"/>
+              </a:ext>
+            </a:extLst>
+          </p:cNvPr>
+          <p:cNvSpPr/>
+          <p:nvPr/>
+        </p:nvSpPr>
+        <p:spPr>
+          <a:xfrm>
+            <a:off x="500351" y="276052"/>
+            <a:ext cx="4860201" cy="400110"/>
+          </a:xfrm>
+          <a:prstGeom prst="rect">
+            <a:avLst/>
+          </a:prstGeom>
+        </p:spPr>
+        <p:txBody>
+          <a:bodyPr wrap="square">
+            <a:spAutoFit/>
+          </a:bodyPr>
+          <a:lstStyle/>
+          <a:p>
+            <a:pPr marL="0" marR="0" lvl="0" indent="0" algn="l" defTabSz="914400" rtl="0" eaLnBrk="1" fontAlgn="auto" latinLnBrk="1" hangingPunct="1">
+              <a:lnSpc>
+                <a:spcPct val="100000"/>
+              </a:lnSpc>
+              <a:spcBef>
+                <a:spcPts val="0"/>
+              </a:spcBef>
+              <a:spcAft>
+                <a:spcPts val="0"/>
+              </a:spcAft>
+              <a:buClrTx/>
+              <a:buSzTx/>
+              <a:buFontTx/>
+              <a:buNone/>
+              <a:tabLst/>
+              <a:defRPr/>
+            </a:pPr>
+            <a:r>
+              <a:rPr lang="ko-KR" altLang="en-US" sz="2000" dirty="0">
+                <a:solidFill>
+                  <a:prstClr val="black"/>
+                </a:solidFill>
+                <a:latin typeface="맑은 고딕" panose="020B0503020000020004" pitchFamily="50" charset="-127"/>
+                <a:ea typeface="맑은 고딕" panose="020B0503020000020004" pitchFamily="50" charset="-127"/>
+              </a:rPr>
+              <a:t>수신 측의 확인 응답이 오류 발생한 경우</a:t>
+            </a:r>
+            <a:endParaRPr kumimoji="0" lang="ko-KR" altLang="en-US" sz="2000" b="0" i="0" u="none" strike="noStrike" kern="1200" cap="none" spc="0" normalizeH="0" baseline="0" noProof="0" dirty="0">
+              <a:ln>
+                <a:noFill/>
+              </a:ln>
+              <a:solidFill>
+                <a:prstClr val="black"/>
+              </a:solidFill>
+              <a:effectLst/>
+              <a:uLnTx/>
+              <a:uFillTx/>
+              <a:latin typeface="맑은 고딕" panose="020B0503020000020004" pitchFamily="50" charset="-127"/>
+              <a:ea typeface="맑은 고딕" panose="020B0503020000020004" pitchFamily="50" charset="-127"/>
+              <a:cs typeface="+mn-cs"/>
+            </a:endParaRPr>
+          </a:p>
+        </p:txBody>
+      </p:sp>
+      <p:cxnSp>
+        <p:nvCxnSpPr>
+          <p:cNvPr id="36" name="직선 화살표 연결선 35">
+            <a:extLst>
+              <a:ext uri="{FF2B5EF4-FFF2-40B4-BE49-F238E27FC236}">
+                <a16:creationId xmlns:a16="http://schemas.microsoft.com/office/drawing/2014/main" id="{6DD9D62E-EC2F-42CE-98FA-22896DC0FD09}"/>
+              </a:ext>
+            </a:extLst>
+          </p:cNvPr>
+          <p:cNvCxnSpPr>
+            <a:cxnSpLocks/>
+          </p:cNvCxnSpPr>
+          <p:nvPr/>
+        </p:nvCxnSpPr>
+        <p:spPr>
+          <a:xfrm>
+            <a:off x="1063625" y="1281168"/>
+            <a:ext cx="1760372" cy="495638"/>
+          </a:xfrm>
+          <a:prstGeom prst="straightConnector1">
+            <a:avLst/>
+          </a:prstGeom>
+          <a:ln>
+            <a:solidFill>
+              <a:schemeClr val="bg2">
+                <a:lumMod val="50000"/>
+              </a:schemeClr>
+            </a:solidFill>
+            <a:prstDash val="dash"/>
+            <a:tailEnd type="triangle"/>
+          </a:ln>
+        </p:spPr>
+        <p:style>
+          <a:lnRef idx="1">
+            <a:schemeClr val="accent1"/>
+          </a:lnRef>
+          <a:fillRef idx="0">
+            <a:schemeClr val="accent1"/>
+          </a:fillRef>
+          <a:effectRef idx="0">
+            <a:schemeClr val="accent1"/>
+          </a:effectRef>
+          <a:fontRef idx="minor">
+            <a:schemeClr val="tx1"/>
+          </a:fontRef>
+        </p:style>
+      </p:cxnSp>
+      <p:sp>
+        <p:nvSpPr>
+          <p:cNvPr id="49" name="TextBox 48">
+            <a:extLst>
+              <a:ext uri="{FF2B5EF4-FFF2-40B4-BE49-F238E27FC236}">
+                <a16:creationId xmlns:a16="http://schemas.microsoft.com/office/drawing/2014/main" id="{E2B2ABEC-44E9-42C1-A467-2BC67B5046AE}"/>
+              </a:ext>
+            </a:extLst>
+          </p:cNvPr>
+          <p:cNvSpPr txBox="1"/>
+          <p:nvPr/>
+        </p:nvSpPr>
+        <p:spPr>
+          <a:xfrm rot="975871">
+            <a:off x="1451333" y="1175343"/>
+            <a:ext cx="490767" cy="246221"/>
+          </a:xfrm>
+          <a:prstGeom prst="rect">
+            <a:avLst/>
+          </a:prstGeom>
+          <a:noFill/>
+        </p:spPr>
+        <p:txBody>
+          <a:bodyPr wrap="square" rtlCol="0">
+            <a:spAutoFit/>
+          </a:bodyPr>
+          <a:lstStyle/>
+          <a:p>
+            <a:r>
+              <a:rPr lang="en-US" altLang="ko-KR" sz="1000" dirty="0">
+                <a:solidFill>
+                  <a:schemeClr val="bg2">
+                    <a:lumMod val="50000"/>
+                  </a:schemeClr>
+                </a:solidFill>
+              </a:rPr>
+              <a:t>pkt1</a:t>
+            </a:r>
+            <a:endParaRPr lang="ko-KR" altLang="en-US" sz="1000" dirty="0">
+              <a:solidFill>
+                <a:schemeClr val="bg2">
+                  <a:lumMod val="50000"/>
+                </a:schemeClr>
+              </a:solidFill>
+            </a:endParaRPr>
+          </a:p>
+        </p:txBody>
+      </p:sp>
+      <p:cxnSp>
+        <p:nvCxnSpPr>
+          <p:cNvPr id="50" name="직선 화살표 연결선 49">
+            <a:extLst>
+              <a:ext uri="{FF2B5EF4-FFF2-40B4-BE49-F238E27FC236}">
+                <a16:creationId xmlns:a16="http://schemas.microsoft.com/office/drawing/2014/main" id="{172A4DED-F42F-4FA1-9E9C-AA16793082A9}"/>
+              </a:ext>
+            </a:extLst>
+          </p:cNvPr>
+          <p:cNvCxnSpPr>
+            <a:cxnSpLocks/>
+          </p:cNvCxnSpPr>
+          <p:nvPr/>
+        </p:nvCxnSpPr>
+        <p:spPr>
+          <a:xfrm>
+            <a:off x="1030906" y="1486966"/>
+            <a:ext cx="860217" cy="267033"/>
+          </a:xfrm>
+          <a:prstGeom prst="straightConnector1">
+            <a:avLst/>
+          </a:prstGeom>
+          <a:ln>
+            <a:solidFill>
+              <a:schemeClr val="bg2">
+                <a:lumMod val="50000"/>
+              </a:schemeClr>
+            </a:solidFill>
+            <a:prstDash val="dash"/>
+            <a:tailEnd type="triangle"/>
+          </a:ln>
+        </p:spPr>
+        <p:style>
+          <a:lnRef idx="1">
+            <a:schemeClr val="accent1"/>
+          </a:lnRef>
+          <a:fillRef idx="0">
+            <a:schemeClr val="accent1"/>
+          </a:fillRef>
+          <a:effectRef idx="0">
+            <a:schemeClr val="accent1"/>
+          </a:effectRef>
+          <a:fontRef idx="minor">
+            <a:schemeClr val="tx1"/>
+          </a:fontRef>
+        </p:style>
+      </p:cxnSp>
+      <p:sp>
+        <p:nvSpPr>
+          <p:cNvPr id="52" name="TextBox 51">
+            <a:extLst>
+              <a:ext uri="{FF2B5EF4-FFF2-40B4-BE49-F238E27FC236}">
+                <a16:creationId xmlns:a16="http://schemas.microsoft.com/office/drawing/2014/main" id="{6D9F4D4F-7B2B-4BFB-A991-4C828AABCC4B}"/>
+              </a:ext>
+            </a:extLst>
+          </p:cNvPr>
+          <p:cNvSpPr txBox="1"/>
+          <p:nvPr/>
+        </p:nvSpPr>
+        <p:spPr>
+          <a:xfrm rot="975871">
+            <a:off x="1393416" y="1439440"/>
+            <a:ext cx="490767" cy="246221"/>
+          </a:xfrm>
+          <a:prstGeom prst="rect">
+            <a:avLst/>
+          </a:prstGeom>
+          <a:noFill/>
+        </p:spPr>
+        <p:txBody>
+          <a:bodyPr wrap="square" rtlCol="0">
+            <a:spAutoFit/>
+          </a:bodyPr>
+          <a:lstStyle/>
+          <a:p>
+            <a:r>
+              <a:rPr lang="en-US" altLang="ko-KR" sz="1000" dirty="0">
+                <a:solidFill>
+                  <a:schemeClr val="bg2">
+                    <a:lumMod val="50000"/>
+                  </a:schemeClr>
+                </a:solidFill>
+              </a:rPr>
+              <a:t>pkt2</a:t>
+            </a:r>
+            <a:endParaRPr lang="ko-KR" altLang="en-US" sz="1000" dirty="0">
+              <a:solidFill>
+                <a:schemeClr val="bg2">
+                  <a:lumMod val="50000"/>
+                </a:schemeClr>
+              </a:solidFill>
+            </a:endParaRPr>
+          </a:p>
+        </p:txBody>
+      </p:sp>
+      <p:cxnSp>
+        <p:nvCxnSpPr>
+          <p:cNvPr id="54" name="직선 화살표 연결선 53">
+            <a:extLst>
+              <a:ext uri="{FF2B5EF4-FFF2-40B4-BE49-F238E27FC236}">
+                <a16:creationId xmlns:a16="http://schemas.microsoft.com/office/drawing/2014/main" id="{2D0CEDB9-55B8-49FF-99E2-84708E657840}"/>
+              </a:ext>
+            </a:extLst>
+          </p:cNvPr>
+          <p:cNvCxnSpPr>
+            <a:cxnSpLocks/>
+          </p:cNvCxnSpPr>
+          <p:nvPr/>
+        </p:nvCxnSpPr>
+        <p:spPr>
+          <a:xfrm flipH="1">
+            <a:off x="1024723" y="1777719"/>
+            <a:ext cx="1746306" cy="606105"/>
+          </a:xfrm>
+          <a:prstGeom prst="straightConnector1">
+            <a:avLst/>
+          </a:prstGeom>
+          <a:ln>
+            <a:solidFill>
+              <a:schemeClr val="bg2">
+                <a:lumMod val="50000"/>
+              </a:schemeClr>
+            </a:solidFill>
+            <a:prstDash val="dash"/>
+            <a:tailEnd type="triangle"/>
+          </a:ln>
+        </p:spPr>
+        <p:style>
+          <a:lnRef idx="1">
+            <a:schemeClr val="accent1"/>
+          </a:lnRef>
+          <a:fillRef idx="0">
+            <a:schemeClr val="accent1"/>
+          </a:fillRef>
+          <a:effectRef idx="0">
+            <a:schemeClr val="accent1"/>
+          </a:effectRef>
+          <a:fontRef idx="minor">
+            <a:schemeClr val="tx1"/>
+          </a:fontRef>
+        </p:style>
+      </p:cxnSp>
+      <p:sp>
+        <p:nvSpPr>
+          <p:cNvPr id="55" name="TextBox 54">
+            <a:extLst>
+              <a:ext uri="{FF2B5EF4-FFF2-40B4-BE49-F238E27FC236}">
+                <a16:creationId xmlns:a16="http://schemas.microsoft.com/office/drawing/2014/main" id="{B9648306-7E1D-4C9A-A97A-1057C9389F38}"/>
+              </a:ext>
+            </a:extLst>
+          </p:cNvPr>
+          <p:cNvSpPr txBox="1"/>
+          <p:nvPr/>
+        </p:nvSpPr>
+        <p:spPr>
+          <a:xfrm rot="20501994">
+            <a:off x="1263779" y="1965797"/>
+            <a:ext cx="516726" cy="246221"/>
+          </a:xfrm>
+          <a:prstGeom prst="rect">
+            <a:avLst/>
+          </a:prstGeom>
+          <a:noFill/>
+        </p:spPr>
+        <p:txBody>
+          <a:bodyPr wrap="square" rtlCol="0">
+            <a:spAutoFit/>
+          </a:bodyPr>
+          <a:lstStyle/>
+          <a:p>
+            <a:r>
+              <a:rPr lang="en-US" altLang="ko-KR" sz="1000" dirty="0">
+                <a:solidFill>
+                  <a:schemeClr val="bg2">
+                    <a:lumMod val="50000"/>
+                  </a:schemeClr>
+                </a:solidFill>
+              </a:rPr>
+              <a:t>ACK1</a:t>
+            </a:r>
+            <a:endParaRPr lang="ko-KR" altLang="en-US" sz="1000" dirty="0">
+              <a:solidFill>
+                <a:schemeClr val="bg2">
+                  <a:lumMod val="50000"/>
+                </a:schemeClr>
+              </a:solidFill>
+            </a:endParaRPr>
+          </a:p>
+        </p:txBody>
+      </p:sp>
+      <p:cxnSp>
+        <p:nvCxnSpPr>
+          <p:cNvPr id="70" name="직선 화살표 연결선 69">
+            <a:extLst>
+              <a:ext uri="{FF2B5EF4-FFF2-40B4-BE49-F238E27FC236}">
+                <a16:creationId xmlns:a16="http://schemas.microsoft.com/office/drawing/2014/main" id="{B21C2C62-9E36-4A0A-AF89-4CEB892C2532}"/>
+              </a:ext>
+            </a:extLst>
+          </p:cNvPr>
+          <p:cNvCxnSpPr>
+            <a:cxnSpLocks/>
+          </p:cNvCxnSpPr>
+          <p:nvPr/>
+        </p:nvCxnSpPr>
+        <p:spPr>
+          <a:xfrm>
+            <a:off x="1083379" y="2401557"/>
+            <a:ext cx="1752921" cy="645433"/>
+          </a:xfrm>
+          <a:prstGeom prst="straightConnector1">
+            <a:avLst/>
+          </a:prstGeom>
+          <a:ln>
+            <a:solidFill>
+              <a:schemeClr val="bg2">
+                <a:lumMod val="50000"/>
+              </a:schemeClr>
+            </a:solidFill>
+            <a:prstDash val="dash"/>
+            <a:tailEnd type="triangle"/>
+          </a:ln>
+        </p:spPr>
+        <p:style>
+          <a:lnRef idx="1">
+            <a:schemeClr val="accent1"/>
+          </a:lnRef>
+          <a:fillRef idx="0">
+            <a:schemeClr val="accent1"/>
+          </a:fillRef>
+          <a:effectRef idx="0">
+            <a:schemeClr val="accent1"/>
+          </a:effectRef>
+          <a:fontRef idx="minor">
+            <a:schemeClr val="tx1"/>
+          </a:fontRef>
+        </p:style>
+      </p:cxnSp>
+      <p:sp>
+        <p:nvSpPr>
+          <p:cNvPr id="72" name="TextBox 71">
+            <a:extLst>
+              <a:ext uri="{FF2B5EF4-FFF2-40B4-BE49-F238E27FC236}">
+                <a16:creationId xmlns:a16="http://schemas.microsoft.com/office/drawing/2014/main" id="{F2020671-265B-4157-8929-1FA2C0582ED9}"/>
+              </a:ext>
+            </a:extLst>
+          </p:cNvPr>
+          <p:cNvSpPr txBox="1"/>
+          <p:nvPr/>
+        </p:nvSpPr>
+        <p:spPr>
+          <a:xfrm rot="1034504">
+            <a:off x="1637953" y="2713762"/>
+            <a:ext cx="2000349" cy="246221"/>
+          </a:xfrm>
+          <a:prstGeom prst="rect">
+            <a:avLst/>
+          </a:prstGeom>
+          <a:noFill/>
+        </p:spPr>
+        <p:txBody>
+          <a:bodyPr wrap="square" rtlCol="0">
+            <a:spAutoFit/>
+          </a:bodyPr>
+          <a:lstStyle/>
+          <a:p>
+            <a:r>
+              <a:rPr lang="en-US" altLang="ko-KR" sz="1000" dirty="0">
+                <a:solidFill>
+                  <a:schemeClr val="bg2">
+                    <a:lumMod val="50000"/>
+                  </a:schemeClr>
+                </a:solidFill>
+              </a:rPr>
+              <a:t>pkt4</a:t>
+            </a:r>
+            <a:endParaRPr lang="ko-KR" altLang="en-US" sz="1000" dirty="0">
+              <a:solidFill>
+                <a:schemeClr val="bg2">
+                  <a:lumMod val="50000"/>
+                </a:schemeClr>
+              </a:solidFill>
+            </a:endParaRPr>
+          </a:p>
+        </p:txBody>
+      </p:sp>
+      <p:cxnSp>
+        <p:nvCxnSpPr>
+          <p:cNvPr id="73" name="직선 화살표 연결선 72">
+            <a:extLst>
+              <a:ext uri="{FF2B5EF4-FFF2-40B4-BE49-F238E27FC236}">
+                <a16:creationId xmlns:a16="http://schemas.microsoft.com/office/drawing/2014/main" id="{59AB8CEF-BEB8-4A3B-BDB2-B73C4D8DF09F}"/>
+              </a:ext>
+            </a:extLst>
+          </p:cNvPr>
+          <p:cNvCxnSpPr>
+            <a:cxnSpLocks/>
+          </p:cNvCxnSpPr>
+          <p:nvPr/>
+        </p:nvCxnSpPr>
+        <p:spPr>
+          <a:xfrm flipH="1">
+            <a:off x="1638570" y="3063022"/>
+            <a:ext cx="1177484" cy="419326"/>
+          </a:xfrm>
+          <a:prstGeom prst="straightConnector1">
+            <a:avLst/>
+          </a:prstGeom>
+          <a:ln>
+            <a:solidFill>
+              <a:schemeClr val="bg2">
+                <a:lumMod val="50000"/>
+              </a:schemeClr>
+            </a:solidFill>
+            <a:prstDash val="dash"/>
+            <a:tailEnd type="triangle"/>
+          </a:ln>
+        </p:spPr>
+        <p:style>
+          <a:lnRef idx="1">
+            <a:schemeClr val="accent1"/>
+          </a:lnRef>
+          <a:fillRef idx="0">
+            <a:schemeClr val="accent1"/>
+          </a:fillRef>
+          <a:effectRef idx="0">
+            <a:schemeClr val="accent1"/>
+          </a:effectRef>
+          <a:fontRef idx="minor">
+            <a:schemeClr val="tx1"/>
+          </a:fontRef>
+        </p:style>
+      </p:cxnSp>
+      <p:cxnSp>
+        <p:nvCxnSpPr>
+          <p:cNvPr id="74" name="직선 화살표 연결선 73">
+            <a:extLst>
+              <a:ext uri="{FF2B5EF4-FFF2-40B4-BE49-F238E27FC236}">
+                <a16:creationId xmlns:a16="http://schemas.microsoft.com/office/drawing/2014/main" id="{7EC21C2B-E8E7-440F-B877-BF464923C30E}"/>
+              </a:ext>
+            </a:extLst>
+          </p:cNvPr>
+          <p:cNvCxnSpPr/>
+          <p:nvPr/>
+        </p:nvCxnSpPr>
+        <p:spPr>
+          <a:xfrm>
+            <a:off x="1049217" y="3684883"/>
+            <a:ext cx="1746308" cy="511728"/>
+          </a:xfrm>
+          <a:prstGeom prst="straightConnector1">
+            <a:avLst/>
+          </a:prstGeom>
+          <a:ln>
+            <a:solidFill>
+              <a:schemeClr val="bg2">
+                <a:lumMod val="50000"/>
+              </a:schemeClr>
+            </a:solidFill>
+            <a:prstDash val="dash"/>
+            <a:tailEnd type="triangle"/>
+          </a:ln>
+        </p:spPr>
+        <p:style>
+          <a:lnRef idx="1">
+            <a:schemeClr val="accent1"/>
+          </a:lnRef>
+          <a:fillRef idx="0">
+            <a:schemeClr val="accent1"/>
+          </a:fillRef>
+          <a:effectRef idx="0">
+            <a:schemeClr val="accent1"/>
+          </a:effectRef>
+          <a:fontRef idx="minor">
+            <a:schemeClr val="tx1"/>
+          </a:fontRef>
+        </p:style>
+      </p:cxnSp>
+      <p:sp>
+        <p:nvSpPr>
+          <p:cNvPr id="76" name="TextBox 75">
+            <a:extLst>
+              <a:ext uri="{FF2B5EF4-FFF2-40B4-BE49-F238E27FC236}">
+                <a16:creationId xmlns:a16="http://schemas.microsoft.com/office/drawing/2014/main" id="{30BE0880-BFF2-4BBE-8305-1E18D517F3C8}"/>
+              </a:ext>
+            </a:extLst>
+          </p:cNvPr>
+          <p:cNvSpPr txBox="1"/>
+          <p:nvPr/>
+        </p:nvSpPr>
+        <p:spPr>
+          <a:xfrm rot="1034504">
+            <a:off x="1718590" y="3721468"/>
+            <a:ext cx="500844" cy="246221"/>
+          </a:xfrm>
+          <a:prstGeom prst="rect">
+            <a:avLst/>
+          </a:prstGeom>
+          <a:noFill/>
+        </p:spPr>
+        <p:txBody>
+          <a:bodyPr wrap="square" rtlCol="0">
+            <a:spAutoFit/>
+          </a:bodyPr>
+          <a:lstStyle/>
+          <a:p>
+            <a:r>
+              <a:rPr lang="en-US" altLang="ko-KR" sz="1000" dirty="0">
+                <a:solidFill>
+                  <a:schemeClr val="bg2">
+                    <a:lumMod val="50000"/>
+                  </a:schemeClr>
+                </a:solidFill>
+              </a:rPr>
+              <a:t>pkt3</a:t>
+            </a:r>
+            <a:endParaRPr lang="ko-KR" altLang="en-US" sz="1000" dirty="0">
+              <a:solidFill>
+                <a:schemeClr val="bg2">
+                  <a:lumMod val="50000"/>
+                </a:schemeClr>
+              </a:solidFill>
+            </a:endParaRPr>
+          </a:p>
+        </p:txBody>
+      </p:sp>
+      <p:cxnSp>
+        <p:nvCxnSpPr>
+          <p:cNvPr id="77" name="직선 화살표 연결선 76">
+            <a:extLst>
+              <a:ext uri="{FF2B5EF4-FFF2-40B4-BE49-F238E27FC236}">
+                <a16:creationId xmlns:a16="http://schemas.microsoft.com/office/drawing/2014/main" id="{3DDB3970-D791-4B29-89C4-7AB7FF0FFE66}"/>
+              </a:ext>
+            </a:extLst>
+          </p:cNvPr>
+          <p:cNvCxnSpPr>
+            <a:cxnSpLocks/>
+          </p:cNvCxnSpPr>
+          <p:nvPr/>
+        </p:nvCxnSpPr>
+        <p:spPr>
+          <a:xfrm flipH="1">
+            <a:off x="1057012" y="4213715"/>
+            <a:ext cx="1746307" cy="548788"/>
+          </a:xfrm>
+          <a:prstGeom prst="straightConnector1">
+            <a:avLst/>
+          </a:prstGeom>
+          <a:ln>
+            <a:solidFill>
+              <a:schemeClr val="bg2">
+                <a:lumMod val="50000"/>
+              </a:schemeClr>
+            </a:solidFill>
+            <a:prstDash val="dash"/>
+            <a:tailEnd type="triangle"/>
+          </a:ln>
+        </p:spPr>
+        <p:style>
+          <a:lnRef idx="1">
+            <a:schemeClr val="accent1"/>
+          </a:lnRef>
+          <a:fillRef idx="0">
+            <a:schemeClr val="accent1"/>
+          </a:fillRef>
+          <a:effectRef idx="0">
+            <a:schemeClr val="accent1"/>
+          </a:effectRef>
+          <a:fontRef idx="minor">
+            <a:schemeClr val="tx1"/>
+          </a:fontRef>
+        </p:style>
+      </p:cxnSp>
+      <p:sp>
+        <p:nvSpPr>
+          <p:cNvPr id="78" name="TextBox 77">
+            <a:extLst>
+              <a:ext uri="{FF2B5EF4-FFF2-40B4-BE49-F238E27FC236}">
+                <a16:creationId xmlns:a16="http://schemas.microsoft.com/office/drawing/2014/main" id="{FA0147AF-38F3-4986-9BA8-0825A0ACC2DD}"/>
+              </a:ext>
+            </a:extLst>
+          </p:cNvPr>
+          <p:cNvSpPr txBox="1"/>
+          <p:nvPr/>
+        </p:nvSpPr>
+        <p:spPr>
+          <a:xfrm rot="20501994">
+            <a:off x="1695897" y="4212849"/>
+            <a:ext cx="485605" cy="246221"/>
+          </a:xfrm>
+          <a:prstGeom prst="rect">
+            <a:avLst/>
+          </a:prstGeom>
+          <a:noFill/>
+        </p:spPr>
+        <p:txBody>
+          <a:bodyPr wrap="square" rtlCol="0">
+            <a:spAutoFit/>
+          </a:bodyPr>
+          <a:lstStyle/>
+          <a:p>
+            <a:r>
+              <a:rPr lang="en-US" altLang="ko-KR" sz="1000" dirty="0">
+                <a:solidFill>
+                  <a:schemeClr val="bg2">
+                    <a:lumMod val="50000"/>
+                  </a:schemeClr>
+                </a:solidFill>
+              </a:rPr>
+              <a:t>ACK3</a:t>
+            </a:r>
+            <a:endParaRPr lang="ko-KR" altLang="en-US" sz="1000" dirty="0">
+              <a:solidFill>
+                <a:schemeClr val="bg2">
+                  <a:lumMod val="50000"/>
+                </a:schemeClr>
+              </a:solidFill>
+            </a:endParaRPr>
+          </a:p>
+        </p:txBody>
+      </p:sp>
+      <p:cxnSp>
+        <p:nvCxnSpPr>
+          <p:cNvPr id="81" name="직선 화살표 연결선 80">
+            <a:extLst>
+              <a:ext uri="{FF2B5EF4-FFF2-40B4-BE49-F238E27FC236}">
+                <a16:creationId xmlns:a16="http://schemas.microsoft.com/office/drawing/2014/main" id="{BE13443C-D25F-4990-8EEE-6F8377C9CBDA}"/>
+              </a:ext>
+            </a:extLst>
+          </p:cNvPr>
+          <p:cNvCxnSpPr>
+            <a:cxnSpLocks/>
+          </p:cNvCxnSpPr>
+          <p:nvPr/>
+        </p:nvCxnSpPr>
+        <p:spPr>
+          <a:xfrm>
+            <a:off x="3926612" y="878389"/>
+            <a:ext cx="24082" cy="4369266"/>
+          </a:xfrm>
+          <a:prstGeom prst="straightConnector1">
+            <a:avLst/>
+          </a:prstGeom>
+          <a:ln w="38100">
+            <a:tailEnd type="triangle"/>
+          </a:ln>
+        </p:spPr>
+        <p:style>
+          <a:lnRef idx="1">
+            <a:schemeClr val="accent1"/>
+          </a:lnRef>
+          <a:fillRef idx="0">
+            <a:schemeClr val="accent1"/>
+          </a:fillRef>
+          <a:effectRef idx="0">
+            <a:schemeClr val="accent1"/>
+          </a:effectRef>
+          <a:fontRef idx="minor">
+            <a:schemeClr val="tx1"/>
+          </a:fontRef>
+        </p:style>
+      </p:cxnSp>
+      <p:cxnSp>
+        <p:nvCxnSpPr>
+          <p:cNvPr id="82" name="직선 화살표 연결선 81">
+            <a:extLst>
+              <a:ext uri="{FF2B5EF4-FFF2-40B4-BE49-F238E27FC236}">
+                <a16:creationId xmlns:a16="http://schemas.microsoft.com/office/drawing/2014/main" id="{DE0052AD-0ECA-4762-BF7C-9A07686271CB}"/>
+              </a:ext>
+            </a:extLst>
+          </p:cNvPr>
+          <p:cNvCxnSpPr>
+            <a:cxnSpLocks/>
+          </p:cNvCxnSpPr>
+          <p:nvPr/>
+        </p:nvCxnSpPr>
+        <p:spPr>
+          <a:xfrm flipH="1">
+            <a:off x="5671175" y="878389"/>
+            <a:ext cx="1746" cy="4478323"/>
+          </a:xfrm>
+          <a:prstGeom prst="straightConnector1">
+            <a:avLst/>
+          </a:prstGeom>
+          <a:ln w="38100">
+            <a:tailEnd type="triangle"/>
+          </a:ln>
+        </p:spPr>
+        <p:style>
+          <a:lnRef idx="1">
+            <a:schemeClr val="accent1"/>
+          </a:lnRef>
+          <a:fillRef idx="0">
+            <a:schemeClr val="accent1"/>
+          </a:fillRef>
+          <a:effectRef idx="0">
+            <a:schemeClr val="accent1"/>
+          </a:effectRef>
+          <a:fontRef idx="minor">
+            <a:schemeClr val="tx1"/>
+          </a:fontRef>
+        </p:style>
+      </p:cxnSp>
+      <p:sp>
+        <p:nvSpPr>
+          <p:cNvPr id="83" name="TextBox 82">
+            <a:extLst>
+              <a:ext uri="{FF2B5EF4-FFF2-40B4-BE49-F238E27FC236}">
+                <a16:creationId xmlns:a16="http://schemas.microsoft.com/office/drawing/2014/main" id="{017C2266-1D2F-418B-821F-ED3FF03A2194}"/>
+              </a:ext>
+            </a:extLst>
+          </p:cNvPr>
+          <p:cNvSpPr txBox="1"/>
+          <p:nvPr/>
+        </p:nvSpPr>
+        <p:spPr>
+          <a:xfrm>
+            <a:off x="3595667" y="625655"/>
+            <a:ext cx="2000349" cy="261610"/>
+          </a:xfrm>
+          <a:prstGeom prst="rect">
+            <a:avLst/>
+          </a:prstGeom>
+          <a:noFill/>
+        </p:spPr>
+        <p:txBody>
+          <a:bodyPr wrap="square" rtlCol="0">
+            <a:spAutoFit/>
+          </a:bodyPr>
+          <a:lstStyle/>
+          <a:p>
+            <a:r>
+              <a:rPr lang="ko-KR" altLang="en-US" sz="1100" dirty="0">
+                <a:solidFill>
+                  <a:schemeClr val="bg2">
+                    <a:lumMod val="50000"/>
+                  </a:schemeClr>
+                </a:solidFill>
+              </a:rPr>
+              <a:t>송신자</a:t>
+            </a:r>
+          </a:p>
+        </p:txBody>
+      </p:sp>
+      <p:sp>
+        <p:nvSpPr>
+          <p:cNvPr id="84" name="TextBox 83">
+            <a:extLst>
+              <a:ext uri="{FF2B5EF4-FFF2-40B4-BE49-F238E27FC236}">
+                <a16:creationId xmlns:a16="http://schemas.microsoft.com/office/drawing/2014/main" id="{88120464-D739-4846-BB76-D88EE9796989}"/>
+              </a:ext>
+            </a:extLst>
+          </p:cNvPr>
+          <p:cNvSpPr txBox="1"/>
+          <p:nvPr/>
+        </p:nvSpPr>
+        <p:spPr>
+          <a:xfrm>
+            <a:off x="5380048" y="625655"/>
+            <a:ext cx="2000349" cy="261610"/>
+          </a:xfrm>
+          <a:prstGeom prst="rect">
+            <a:avLst/>
+          </a:prstGeom>
+          <a:noFill/>
+        </p:spPr>
+        <p:txBody>
+          <a:bodyPr wrap="square" rtlCol="0">
+            <a:spAutoFit/>
+          </a:bodyPr>
+          <a:lstStyle/>
+          <a:p>
+            <a:r>
+              <a:rPr lang="ko-KR" altLang="en-US" sz="1100" dirty="0">
+                <a:solidFill>
+                  <a:schemeClr val="bg2">
+                    <a:lumMod val="50000"/>
+                  </a:schemeClr>
+                </a:solidFill>
+              </a:rPr>
+              <a:t>수신자</a:t>
+            </a:r>
+          </a:p>
+        </p:txBody>
+      </p:sp>
+      <p:cxnSp>
+        <p:nvCxnSpPr>
+          <p:cNvPr id="85" name="직선 화살표 연결선 84">
+            <a:extLst>
+              <a:ext uri="{FF2B5EF4-FFF2-40B4-BE49-F238E27FC236}">
+                <a16:creationId xmlns:a16="http://schemas.microsoft.com/office/drawing/2014/main" id="{987A870A-F869-4ACA-9CE7-3CB5183D06E1}"/>
+              </a:ext>
+            </a:extLst>
+          </p:cNvPr>
+          <p:cNvCxnSpPr/>
+          <p:nvPr/>
+        </p:nvCxnSpPr>
+        <p:spPr>
+          <a:xfrm>
+            <a:off x="3926612" y="994437"/>
+            <a:ext cx="1746308" cy="511728"/>
+          </a:xfrm>
+          <a:prstGeom prst="straightConnector1">
+            <a:avLst/>
+          </a:prstGeom>
+          <a:ln>
+            <a:solidFill>
+              <a:schemeClr val="bg2">
+                <a:lumMod val="50000"/>
+              </a:schemeClr>
+            </a:solidFill>
+            <a:prstDash val="dash"/>
+            <a:tailEnd type="triangle"/>
+          </a:ln>
+        </p:spPr>
+        <p:style>
+          <a:lnRef idx="1">
+            <a:schemeClr val="accent1"/>
+          </a:lnRef>
+          <a:fillRef idx="0">
+            <a:schemeClr val="accent1"/>
+          </a:fillRef>
+          <a:effectRef idx="0">
+            <a:schemeClr val="accent1"/>
+          </a:effectRef>
+          <a:fontRef idx="minor">
+            <a:schemeClr val="tx1"/>
+          </a:fontRef>
+        </p:style>
+      </p:cxnSp>
+      <p:cxnSp>
+        <p:nvCxnSpPr>
+          <p:cNvPr id="86" name="직선 화살표 연결선 85">
+            <a:extLst>
+              <a:ext uri="{FF2B5EF4-FFF2-40B4-BE49-F238E27FC236}">
+                <a16:creationId xmlns:a16="http://schemas.microsoft.com/office/drawing/2014/main" id="{E265571B-556F-4786-A0F7-E9D5AFA25841}"/>
+              </a:ext>
+            </a:extLst>
+          </p:cNvPr>
+          <p:cNvCxnSpPr>
+            <a:cxnSpLocks/>
+          </p:cNvCxnSpPr>
+          <p:nvPr/>
+        </p:nvCxnSpPr>
+        <p:spPr>
+          <a:xfrm flipH="1">
+            <a:off x="3926613" y="1520846"/>
+            <a:ext cx="1746306" cy="606105"/>
+          </a:xfrm>
+          <a:prstGeom prst="straightConnector1">
+            <a:avLst/>
+          </a:prstGeom>
+          <a:ln>
+            <a:solidFill>
+              <a:schemeClr val="bg2">
+                <a:lumMod val="50000"/>
+              </a:schemeClr>
+            </a:solidFill>
+            <a:prstDash val="dash"/>
+            <a:tailEnd type="triangle"/>
+          </a:ln>
+        </p:spPr>
+        <p:style>
+          <a:lnRef idx="1">
+            <a:schemeClr val="accent1"/>
+          </a:lnRef>
+          <a:fillRef idx="0">
+            <a:schemeClr val="accent1"/>
+          </a:fillRef>
+          <a:effectRef idx="0">
+            <a:schemeClr val="accent1"/>
+          </a:effectRef>
+          <a:fontRef idx="minor">
+            <a:schemeClr val="tx1"/>
+          </a:fontRef>
+        </p:style>
+      </p:cxnSp>
+      <p:cxnSp>
+        <p:nvCxnSpPr>
+          <p:cNvPr id="87" name="직선 화살표 연결선 86">
+            <a:extLst>
+              <a:ext uri="{FF2B5EF4-FFF2-40B4-BE49-F238E27FC236}">
+                <a16:creationId xmlns:a16="http://schemas.microsoft.com/office/drawing/2014/main" id="{833ED2D3-C73D-4D29-B659-5EA3FD415CD1}"/>
+              </a:ext>
+            </a:extLst>
+          </p:cNvPr>
+          <p:cNvCxnSpPr>
+            <a:cxnSpLocks/>
+          </p:cNvCxnSpPr>
+          <p:nvPr/>
+        </p:nvCxnSpPr>
+        <p:spPr>
+          <a:xfrm>
+            <a:off x="3926611" y="2126951"/>
+            <a:ext cx="1752921" cy="645433"/>
+          </a:xfrm>
+          <a:prstGeom prst="straightConnector1">
+            <a:avLst/>
+          </a:prstGeom>
+          <a:ln>
+            <a:solidFill>
+              <a:schemeClr val="bg2">
+                <a:lumMod val="50000"/>
+              </a:schemeClr>
+            </a:solidFill>
+            <a:prstDash val="dash"/>
+            <a:tailEnd type="triangle"/>
+          </a:ln>
+        </p:spPr>
+        <p:style>
+          <a:lnRef idx="1">
+            <a:schemeClr val="accent1"/>
+          </a:lnRef>
+          <a:fillRef idx="0">
+            <a:schemeClr val="accent1"/>
+          </a:fillRef>
+          <a:effectRef idx="0">
+            <a:schemeClr val="accent1"/>
+          </a:effectRef>
+          <a:fontRef idx="minor">
+            <a:schemeClr val="tx1"/>
+          </a:fontRef>
+        </p:style>
+      </p:cxnSp>
+      <p:cxnSp>
+        <p:nvCxnSpPr>
+          <p:cNvPr id="88" name="직선 화살표 연결선 87">
+            <a:extLst>
+              <a:ext uri="{FF2B5EF4-FFF2-40B4-BE49-F238E27FC236}">
+                <a16:creationId xmlns:a16="http://schemas.microsoft.com/office/drawing/2014/main" id="{E1D8AAC5-8A2E-470F-84AB-E8F8F6430D43}"/>
+              </a:ext>
+            </a:extLst>
+          </p:cNvPr>
+          <p:cNvCxnSpPr>
+            <a:cxnSpLocks/>
+          </p:cNvCxnSpPr>
+          <p:nvPr/>
+        </p:nvCxnSpPr>
+        <p:spPr>
+          <a:xfrm flipH="1">
+            <a:off x="3955232" y="3524526"/>
+            <a:ext cx="1746307" cy="548788"/>
+          </a:xfrm>
+          <a:prstGeom prst="straightConnector1">
+            <a:avLst/>
+          </a:prstGeom>
+          <a:ln>
+            <a:solidFill>
+              <a:schemeClr val="bg2">
+                <a:lumMod val="50000"/>
+              </a:schemeClr>
+            </a:solidFill>
+            <a:prstDash val="dash"/>
+            <a:tailEnd type="triangle"/>
+          </a:ln>
+        </p:spPr>
+        <p:style>
+          <a:lnRef idx="1">
+            <a:schemeClr val="accent1"/>
+          </a:lnRef>
+          <a:fillRef idx="0">
+            <a:schemeClr val="accent1"/>
+          </a:fillRef>
+          <a:effectRef idx="0">
+            <a:schemeClr val="accent1"/>
+          </a:effectRef>
+          <a:fontRef idx="minor">
+            <a:schemeClr val="tx1"/>
+          </a:fontRef>
+        </p:style>
+      </p:cxnSp>
+      <p:cxnSp>
+        <p:nvCxnSpPr>
+          <p:cNvPr id="89" name="직선 화살표 연결선 88">
+            <a:extLst>
+              <a:ext uri="{FF2B5EF4-FFF2-40B4-BE49-F238E27FC236}">
+                <a16:creationId xmlns:a16="http://schemas.microsoft.com/office/drawing/2014/main" id="{ABD9B045-2DFD-47BF-AF10-C638F38FE6B4}"/>
+              </a:ext>
+            </a:extLst>
+          </p:cNvPr>
+          <p:cNvCxnSpPr>
+            <a:cxnSpLocks/>
+          </p:cNvCxnSpPr>
+          <p:nvPr/>
+        </p:nvCxnSpPr>
+        <p:spPr>
+          <a:xfrm>
+            <a:off x="3918256" y="2950899"/>
+            <a:ext cx="1761276" cy="577344"/>
+          </a:xfrm>
+          <a:prstGeom prst="straightConnector1">
+            <a:avLst/>
+          </a:prstGeom>
+          <a:ln>
+            <a:solidFill>
+              <a:schemeClr val="bg2">
+                <a:lumMod val="50000"/>
+              </a:schemeClr>
+            </a:solidFill>
+            <a:prstDash val="dash"/>
+            <a:tailEnd type="triangle"/>
+          </a:ln>
+        </p:spPr>
+        <p:style>
+          <a:lnRef idx="1">
+            <a:schemeClr val="accent1"/>
+          </a:lnRef>
+          <a:fillRef idx="0">
+            <a:schemeClr val="accent1"/>
+          </a:fillRef>
+          <a:effectRef idx="0">
+            <a:schemeClr val="accent1"/>
+          </a:effectRef>
+          <a:fontRef idx="minor">
+            <a:schemeClr val="tx1"/>
+          </a:fontRef>
+        </p:style>
+      </p:cxnSp>
+      <p:sp>
+        <p:nvSpPr>
+          <p:cNvPr id="95" name="TextBox 94">
+            <a:extLst>
+              <a:ext uri="{FF2B5EF4-FFF2-40B4-BE49-F238E27FC236}">
+                <a16:creationId xmlns:a16="http://schemas.microsoft.com/office/drawing/2014/main" id="{55B899A8-66C1-415B-99C4-8A4291F4ABF8}"/>
+              </a:ext>
+            </a:extLst>
+          </p:cNvPr>
+          <p:cNvSpPr txBox="1"/>
+          <p:nvPr/>
+        </p:nvSpPr>
+        <p:spPr>
+          <a:xfrm rot="975871">
+            <a:off x="4360440" y="909128"/>
+            <a:ext cx="490767" cy="246221"/>
+          </a:xfrm>
+          <a:prstGeom prst="rect">
+            <a:avLst/>
+          </a:prstGeom>
+          <a:noFill/>
+        </p:spPr>
+        <p:txBody>
+          <a:bodyPr wrap="square" rtlCol="0">
+            <a:spAutoFit/>
+          </a:bodyPr>
+          <a:lstStyle/>
+          <a:p>
+            <a:r>
+              <a:rPr lang="en-US" altLang="ko-KR" sz="1000" dirty="0">
+                <a:solidFill>
+                  <a:schemeClr val="bg2">
+                    <a:lumMod val="50000"/>
+                  </a:schemeClr>
+                </a:solidFill>
+              </a:rPr>
+              <a:t>pkt0</a:t>
+            </a:r>
+            <a:endParaRPr lang="ko-KR" altLang="en-US" sz="1000" dirty="0">
+              <a:solidFill>
+                <a:schemeClr val="bg2">
+                  <a:lumMod val="50000"/>
+                </a:schemeClr>
+              </a:solidFill>
+            </a:endParaRPr>
+          </a:p>
+        </p:txBody>
+      </p:sp>
+      <p:sp>
+        <p:nvSpPr>
+          <p:cNvPr id="96" name="TextBox 95">
+            <a:extLst>
+              <a:ext uri="{FF2B5EF4-FFF2-40B4-BE49-F238E27FC236}">
+                <a16:creationId xmlns:a16="http://schemas.microsoft.com/office/drawing/2014/main" id="{F61D4011-98D8-410A-BDF8-7C3EB84A31C8}"/>
+              </a:ext>
+            </a:extLst>
+          </p:cNvPr>
+          <p:cNvSpPr txBox="1"/>
+          <p:nvPr/>
+        </p:nvSpPr>
+        <p:spPr>
+          <a:xfrm rot="1034504">
+            <a:off x="4632039" y="2971317"/>
+            <a:ext cx="500844" cy="246221"/>
+          </a:xfrm>
+          <a:prstGeom prst="rect">
+            <a:avLst/>
+          </a:prstGeom>
+          <a:noFill/>
+        </p:spPr>
+        <p:txBody>
+          <a:bodyPr wrap="square" rtlCol="0">
+            <a:spAutoFit/>
+          </a:bodyPr>
+          <a:lstStyle/>
+          <a:p>
+            <a:r>
+              <a:rPr lang="en-US" altLang="ko-KR" sz="1000" dirty="0">
+                <a:solidFill>
+                  <a:schemeClr val="bg2">
+                    <a:lumMod val="50000"/>
+                  </a:schemeClr>
+                </a:solidFill>
+              </a:rPr>
+              <a:t>pkt2</a:t>
+            </a:r>
+            <a:endParaRPr lang="ko-KR" altLang="en-US" sz="1000" dirty="0">
+              <a:solidFill>
+                <a:schemeClr val="bg2">
+                  <a:lumMod val="50000"/>
+                </a:schemeClr>
+              </a:solidFill>
+            </a:endParaRPr>
+          </a:p>
+        </p:txBody>
+      </p:sp>
+      <p:sp>
+        <p:nvSpPr>
+          <p:cNvPr id="97" name="TextBox 96">
+            <a:extLst>
+              <a:ext uri="{FF2B5EF4-FFF2-40B4-BE49-F238E27FC236}">
+                <a16:creationId xmlns:a16="http://schemas.microsoft.com/office/drawing/2014/main" id="{97C620D6-1933-446C-AAD6-5757D6E15FB6}"/>
+              </a:ext>
+            </a:extLst>
+          </p:cNvPr>
+          <p:cNvSpPr txBox="1"/>
+          <p:nvPr/>
+        </p:nvSpPr>
+        <p:spPr>
+          <a:xfrm rot="20501994">
+            <a:off x="4133376" y="1725433"/>
+            <a:ext cx="516726" cy="246221"/>
+          </a:xfrm>
+          <a:prstGeom prst="rect">
+            <a:avLst/>
+          </a:prstGeom>
+          <a:noFill/>
+        </p:spPr>
+        <p:txBody>
+          <a:bodyPr wrap="square" rtlCol="0">
+            <a:spAutoFit/>
+          </a:bodyPr>
+          <a:lstStyle/>
+          <a:p>
+            <a:r>
+              <a:rPr lang="en-US" altLang="ko-KR" sz="1000" dirty="0">
+                <a:solidFill>
+                  <a:schemeClr val="bg2">
+                    <a:lumMod val="50000"/>
+                  </a:schemeClr>
+                </a:solidFill>
+              </a:rPr>
+              <a:t>ACK0</a:t>
+            </a:r>
+            <a:endParaRPr lang="ko-KR" altLang="en-US" sz="1000" dirty="0">
+              <a:solidFill>
+                <a:schemeClr val="bg2">
+                  <a:lumMod val="50000"/>
+                </a:schemeClr>
+              </a:solidFill>
+            </a:endParaRPr>
+          </a:p>
+        </p:txBody>
+      </p:sp>
+      <p:sp>
+        <p:nvSpPr>
+          <p:cNvPr id="98" name="TextBox 97">
+            <a:extLst>
+              <a:ext uri="{FF2B5EF4-FFF2-40B4-BE49-F238E27FC236}">
+                <a16:creationId xmlns:a16="http://schemas.microsoft.com/office/drawing/2014/main" id="{83D42C62-F94C-4487-996B-464461DB4C1D}"/>
+              </a:ext>
+            </a:extLst>
+          </p:cNvPr>
+          <p:cNvSpPr txBox="1"/>
+          <p:nvPr/>
+        </p:nvSpPr>
+        <p:spPr>
+          <a:xfrm rot="20501994">
+            <a:off x="4527109" y="3533864"/>
+            <a:ext cx="485605" cy="246221"/>
+          </a:xfrm>
+          <a:prstGeom prst="rect">
+            <a:avLst/>
+          </a:prstGeom>
+          <a:noFill/>
+        </p:spPr>
+        <p:txBody>
+          <a:bodyPr wrap="square" rtlCol="0">
+            <a:spAutoFit/>
+          </a:bodyPr>
+          <a:lstStyle/>
+          <a:p>
+            <a:r>
+              <a:rPr lang="en-US" altLang="ko-KR" sz="1000" dirty="0">
+                <a:solidFill>
+                  <a:schemeClr val="bg2">
+                    <a:lumMod val="50000"/>
+                  </a:schemeClr>
+                </a:solidFill>
+              </a:rPr>
+              <a:t>ACK2</a:t>
+            </a:r>
+            <a:endParaRPr lang="ko-KR" altLang="en-US" sz="1000" dirty="0">
+              <a:solidFill>
+                <a:schemeClr val="bg2">
+                  <a:lumMod val="50000"/>
+                </a:schemeClr>
+              </a:solidFill>
+            </a:endParaRPr>
+          </a:p>
+        </p:txBody>
+      </p:sp>
+      <p:sp>
+        <p:nvSpPr>
+          <p:cNvPr id="99" name="TextBox 98">
+            <a:extLst>
+              <a:ext uri="{FF2B5EF4-FFF2-40B4-BE49-F238E27FC236}">
+                <a16:creationId xmlns:a16="http://schemas.microsoft.com/office/drawing/2014/main" id="{275EE1C7-D5A8-4B89-9D39-C6FAF206952B}"/>
+              </a:ext>
+            </a:extLst>
+          </p:cNvPr>
+          <p:cNvSpPr txBox="1"/>
+          <p:nvPr/>
+        </p:nvSpPr>
+        <p:spPr>
+          <a:xfrm rot="1034504">
+            <a:off x="4615535" y="2431639"/>
+            <a:ext cx="2000349" cy="246221"/>
+          </a:xfrm>
+          <a:prstGeom prst="rect">
+            <a:avLst/>
+          </a:prstGeom>
+          <a:noFill/>
+        </p:spPr>
+        <p:txBody>
+          <a:bodyPr wrap="square" rtlCol="0">
+            <a:spAutoFit/>
+          </a:bodyPr>
+          <a:lstStyle/>
+          <a:p>
+            <a:r>
+              <a:rPr lang="en-US" altLang="ko-KR" sz="1000" dirty="0">
+                <a:solidFill>
+                  <a:schemeClr val="bg2">
+                    <a:lumMod val="50000"/>
+                  </a:schemeClr>
+                </a:solidFill>
+              </a:rPr>
+              <a:t>pkt3</a:t>
+            </a:r>
+            <a:endParaRPr lang="ko-KR" altLang="en-US" sz="1000" dirty="0">
+              <a:solidFill>
+                <a:schemeClr val="bg2">
+                  <a:lumMod val="50000"/>
+                </a:schemeClr>
+              </a:solidFill>
+            </a:endParaRPr>
+          </a:p>
+        </p:txBody>
+      </p:sp>
+      <p:cxnSp>
+        <p:nvCxnSpPr>
+          <p:cNvPr id="100" name="직선 화살표 연결선 99">
+            <a:extLst>
+              <a:ext uri="{FF2B5EF4-FFF2-40B4-BE49-F238E27FC236}">
+                <a16:creationId xmlns:a16="http://schemas.microsoft.com/office/drawing/2014/main" id="{E78326D7-5D48-4A82-9549-7CFB9D432178}"/>
+              </a:ext>
+            </a:extLst>
+          </p:cNvPr>
+          <p:cNvCxnSpPr>
+            <a:cxnSpLocks/>
+          </p:cNvCxnSpPr>
+          <p:nvPr/>
+        </p:nvCxnSpPr>
+        <p:spPr>
+          <a:xfrm flipH="1">
+            <a:off x="3959050" y="2799327"/>
+            <a:ext cx="1692629" cy="588292"/>
+          </a:xfrm>
+          <a:prstGeom prst="straightConnector1">
+            <a:avLst/>
+          </a:prstGeom>
+          <a:ln>
+            <a:solidFill>
+              <a:schemeClr val="bg2">
+                <a:lumMod val="50000"/>
+              </a:schemeClr>
+            </a:solidFill>
+            <a:prstDash val="dash"/>
+            <a:tailEnd type="triangle"/>
+          </a:ln>
+        </p:spPr>
+        <p:style>
+          <a:lnRef idx="1">
+            <a:schemeClr val="accent1"/>
+          </a:lnRef>
+          <a:fillRef idx="0">
+            <a:schemeClr val="accent1"/>
+          </a:fillRef>
+          <a:effectRef idx="0">
+            <a:schemeClr val="accent1"/>
+          </a:effectRef>
+          <a:fontRef idx="minor">
+            <a:schemeClr val="tx1"/>
+          </a:fontRef>
+        </p:style>
+      </p:cxnSp>
+      <p:sp>
+        <p:nvSpPr>
+          <p:cNvPr id="101" name="TextBox 100">
+            <a:extLst>
+              <a:ext uri="{FF2B5EF4-FFF2-40B4-BE49-F238E27FC236}">
+                <a16:creationId xmlns:a16="http://schemas.microsoft.com/office/drawing/2014/main" id="{906718D7-0EBB-45AD-BDAA-204611E6F35E}"/>
+              </a:ext>
+            </a:extLst>
+          </p:cNvPr>
+          <p:cNvSpPr txBox="1"/>
+          <p:nvPr/>
+        </p:nvSpPr>
+        <p:spPr>
+          <a:xfrm>
+            <a:off x="4752301" y="1755552"/>
+            <a:ext cx="549325" cy="246221"/>
+          </a:xfrm>
+          <a:prstGeom prst="rect">
+            <a:avLst/>
+          </a:prstGeom>
+          <a:noFill/>
+        </p:spPr>
+        <p:txBody>
+          <a:bodyPr wrap="square" rtlCol="0">
+            <a:spAutoFit/>
+          </a:bodyPr>
+          <a:lstStyle/>
+          <a:p>
+            <a:r>
+              <a:rPr lang="en-US" altLang="ko-KR" sz="1000" dirty="0">
+                <a:solidFill>
+                  <a:schemeClr val="bg2">
+                    <a:lumMod val="50000"/>
+                  </a:schemeClr>
+                </a:solidFill>
+              </a:rPr>
+              <a:t>loss</a:t>
+            </a:r>
+            <a:endParaRPr lang="ko-KR" altLang="en-US" sz="1000" dirty="0">
+              <a:solidFill>
+                <a:schemeClr val="bg2">
+                  <a:lumMod val="50000"/>
+                </a:schemeClr>
+              </a:solidFill>
+            </a:endParaRPr>
+          </a:p>
+        </p:txBody>
+      </p:sp>
+      <p:cxnSp>
+        <p:nvCxnSpPr>
+          <p:cNvPr id="103" name="직선 화살표 연결선 102">
+            <a:extLst>
+              <a:ext uri="{FF2B5EF4-FFF2-40B4-BE49-F238E27FC236}">
+                <a16:creationId xmlns:a16="http://schemas.microsoft.com/office/drawing/2014/main" id="{39F44B30-5D52-4225-8D98-485AE0D01113}"/>
+              </a:ext>
+            </a:extLst>
+          </p:cNvPr>
+          <p:cNvCxnSpPr>
+            <a:cxnSpLocks/>
+          </p:cNvCxnSpPr>
+          <p:nvPr/>
+        </p:nvCxnSpPr>
+        <p:spPr>
+          <a:xfrm>
+            <a:off x="3933224" y="1285704"/>
+            <a:ext cx="1760372" cy="495638"/>
+          </a:xfrm>
+          <a:prstGeom prst="straightConnector1">
+            <a:avLst/>
+          </a:prstGeom>
+          <a:ln>
+            <a:solidFill>
+              <a:schemeClr val="bg2">
+                <a:lumMod val="50000"/>
+              </a:schemeClr>
+            </a:solidFill>
+            <a:prstDash val="dash"/>
+            <a:tailEnd type="triangle"/>
+          </a:ln>
+        </p:spPr>
+        <p:style>
+          <a:lnRef idx="1">
+            <a:schemeClr val="accent1"/>
+          </a:lnRef>
+          <a:fillRef idx="0">
+            <a:schemeClr val="accent1"/>
+          </a:fillRef>
+          <a:effectRef idx="0">
+            <a:schemeClr val="accent1"/>
+          </a:effectRef>
+          <a:fontRef idx="minor">
+            <a:schemeClr val="tx1"/>
+          </a:fontRef>
+        </p:style>
+      </p:cxnSp>
+      <p:sp>
+        <p:nvSpPr>
+          <p:cNvPr id="104" name="TextBox 103">
+            <a:extLst>
+              <a:ext uri="{FF2B5EF4-FFF2-40B4-BE49-F238E27FC236}">
+                <a16:creationId xmlns:a16="http://schemas.microsoft.com/office/drawing/2014/main" id="{A612CB41-CD70-4E9E-A2F3-F05E5972E99B}"/>
+              </a:ext>
+            </a:extLst>
+          </p:cNvPr>
+          <p:cNvSpPr txBox="1"/>
+          <p:nvPr/>
+        </p:nvSpPr>
+        <p:spPr>
+          <a:xfrm rot="975871">
+            <a:off x="4320932" y="1179879"/>
+            <a:ext cx="490767" cy="246221"/>
+          </a:xfrm>
+          <a:prstGeom prst="rect">
+            <a:avLst/>
+          </a:prstGeom>
+          <a:noFill/>
+        </p:spPr>
+        <p:txBody>
+          <a:bodyPr wrap="square" rtlCol="0">
+            <a:spAutoFit/>
+          </a:bodyPr>
+          <a:lstStyle/>
+          <a:p>
+            <a:r>
+              <a:rPr lang="en-US" altLang="ko-KR" sz="1000" dirty="0">
+                <a:solidFill>
+                  <a:schemeClr val="bg2">
+                    <a:lumMod val="50000"/>
+                  </a:schemeClr>
+                </a:solidFill>
+              </a:rPr>
+              <a:t>pkt1</a:t>
+            </a:r>
+            <a:endParaRPr lang="ko-KR" altLang="en-US" sz="1000" dirty="0">
+              <a:solidFill>
+                <a:schemeClr val="bg2">
+                  <a:lumMod val="50000"/>
+                </a:schemeClr>
+              </a:solidFill>
+            </a:endParaRPr>
+          </a:p>
+        </p:txBody>
+      </p:sp>
+      <p:cxnSp>
+        <p:nvCxnSpPr>
+          <p:cNvPr id="105" name="직선 화살표 연결선 104">
+            <a:extLst>
+              <a:ext uri="{FF2B5EF4-FFF2-40B4-BE49-F238E27FC236}">
+                <a16:creationId xmlns:a16="http://schemas.microsoft.com/office/drawing/2014/main" id="{F47FF5A9-2162-490D-814D-F8A9574BB6BE}"/>
+              </a:ext>
+            </a:extLst>
+          </p:cNvPr>
+          <p:cNvCxnSpPr>
+            <a:cxnSpLocks/>
+          </p:cNvCxnSpPr>
+          <p:nvPr/>
+        </p:nvCxnSpPr>
+        <p:spPr>
+          <a:xfrm>
+            <a:off x="3900505" y="1491502"/>
+            <a:ext cx="860217" cy="267033"/>
+          </a:xfrm>
+          <a:prstGeom prst="straightConnector1">
+            <a:avLst/>
+          </a:prstGeom>
+          <a:ln>
+            <a:solidFill>
+              <a:schemeClr val="bg2">
+                <a:lumMod val="50000"/>
+              </a:schemeClr>
+            </a:solidFill>
+            <a:prstDash val="dash"/>
+            <a:tailEnd type="triangle"/>
+          </a:ln>
+        </p:spPr>
+        <p:style>
+          <a:lnRef idx="1">
+            <a:schemeClr val="accent1"/>
+          </a:lnRef>
+          <a:fillRef idx="0">
+            <a:schemeClr val="accent1"/>
+          </a:fillRef>
+          <a:effectRef idx="0">
+            <a:schemeClr val="accent1"/>
+          </a:effectRef>
+          <a:fontRef idx="minor">
+            <a:schemeClr val="tx1"/>
+          </a:fontRef>
+        </p:style>
+      </p:cxnSp>
+      <p:sp>
+        <p:nvSpPr>
+          <p:cNvPr id="106" name="TextBox 105">
+            <a:extLst>
+              <a:ext uri="{FF2B5EF4-FFF2-40B4-BE49-F238E27FC236}">
+                <a16:creationId xmlns:a16="http://schemas.microsoft.com/office/drawing/2014/main" id="{40475B22-6885-4014-BCCF-9F776766B402}"/>
+              </a:ext>
+            </a:extLst>
+          </p:cNvPr>
+          <p:cNvSpPr txBox="1"/>
+          <p:nvPr/>
+        </p:nvSpPr>
+        <p:spPr>
+          <a:xfrm rot="975871">
+            <a:off x="4263015" y="1443976"/>
+            <a:ext cx="490767" cy="246221"/>
+          </a:xfrm>
+          <a:prstGeom prst="rect">
+            <a:avLst/>
+          </a:prstGeom>
+          <a:noFill/>
+        </p:spPr>
+        <p:txBody>
+          <a:bodyPr wrap="square" rtlCol="0">
+            <a:spAutoFit/>
+          </a:bodyPr>
+          <a:lstStyle/>
+          <a:p>
+            <a:r>
+              <a:rPr lang="en-US" altLang="ko-KR" sz="1000" dirty="0">
+                <a:solidFill>
+                  <a:schemeClr val="bg2">
+                    <a:lumMod val="50000"/>
+                  </a:schemeClr>
+                </a:solidFill>
+              </a:rPr>
+              <a:t>pkt2</a:t>
+            </a:r>
+            <a:endParaRPr lang="ko-KR" altLang="en-US" sz="1000" dirty="0">
+              <a:solidFill>
+                <a:schemeClr val="bg2">
+                  <a:lumMod val="50000"/>
+                </a:schemeClr>
+              </a:solidFill>
+            </a:endParaRPr>
+          </a:p>
+        </p:txBody>
+      </p:sp>
+      <p:cxnSp>
+        <p:nvCxnSpPr>
+          <p:cNvPr id="107" name="직선 화살표 연결선 106">
+            <a:extLst>
+              <a:ext uri="{FF2B5EF4-FFF2-40B4-BE49-F238E27FC236}">
+                <a16:creationId xmlns:a16="http://schemas.microsoft.com/office/drawing/2014/main" id="{B9D82F6C-4266-400F-A3A6-10FCA36CE4A6}"/>
+              </a:ext>
+            </a:extLst>
+          </p:cNvPr>
+          <p:cNvCxnSpPr>
+            <a:cxnSpLocks/>
+          </p:cNvCxnSpPr>
+          <p:nvPr/>
+        </p:nvCxnSpPr>
+        <p:spPr>
+          <a:xfrm flipH="1">
+            <a:off x="3894322" y="1782255"/>
+            <a:ext cx="1746306" cy="606105"/>
+          </a:xfrm>
+          <a:prstGeom prst="straightConnector1">
+            <a:avLst/>
+          </a:prstGeom>
+          <a:ln>
+            <a:solidFill>
+              <a:schemeClr val="bg2">
+                <a:lumMod val="50000"/>
+              </a:schemeClr>
+            </a:solidFill>
+            <a:prstDash val="dash"/>
+            <a:tailEnd type="triangle"/>
+          </a:ln>
+        </p:spPr>
+        <p:style>
+          <a:lnRef idx="1">
+            <a:schemeClr val="accent1"/>
+          </a:lnRef>
+          <a:fillRef idx="0">
+            <a:schemeClr val="accent1"/>
+          </a:fillRef>
+          <a:effectRef idx="0">
+            <a:schemeClr val="accent1"/>
+          </a:effectRef>
+          <a:fontRef idx="minor">
+            <a:schemeClr val="tx1"/>
+          </a:fontRef>
+        </p:style>
+      </p:cxnSp>
+      <p:sp>
+        <p:nvSpPr>
+          <p:cNvPr id="108" name="TextBox 107">
+            <a:extLst>
+              <a:ext uri="{FF2B5EF4-FFF2-40B4-BE49-F238E27FC236}">
+                <a16:creationId xmlns:a16="http://schemas.microsoft.com/office/drawing/2014/main" id="{81E1F45E-08D5-432C-AAD0-EF52EE98788D}"/>
+              </a:ext>
+            </a:extLst>
+          </p:cNvPr>
+          <p:cNvSpPr txBox="1"/>
+          <p:nvPr/>
+        </p:nvSpPr>
+        <p:spPr>
+          <a:xfrm rot="20501994">
+            <a:off x="4133378" y="1970333"/>
+            <a:ext cx="516726" cy="246221"/>
+          </a:xfrm>
+          <a:prstGeom prst="rect">
+            <a:avLst/>
+          </a:prstGeom>
+          <a:noFill/>
+        </p:spPr>
+        <p:txBody>
+          <a:bodyPr wrap="square" rtlCol="0">
+            <a:spAutoFit/>
+          </a:bodyPr>
+          <a:lstStyle/>
+          <a:p>
+            <a:r>
+              <a:rPr lang="en-US" altLang="ko-KR" sz="1000" dirty="0">
+                <a:solidFill>
+                  <a:schemeClr val="bg2">
+                    <a:lumMod val="50000"/>
+                  </a:schemeClr>
+                </a:solidFill>
+              </a:rPr>
+              <a:t>ACK1</a:t>
+            </a:r>
+            <a:endParaRPr lang="ko-KR" altLang="en-US" sz="1000" dirty="0">
+              <a:solidFill>
+                <a:schemeClr val="bg2">
+                  <a:lumMod val="50000"/>
+                </a:schemeClr>
+              </a:solidFill>
+            </a:endParaRPr>
+          </a:p>
+        </p:txBody>
+      </p:sp>
+      <p:cxnSp>
+        <p:nvCxnSpPr>
+          <p:cNvPr id="113" name="직선 화살표 연결선 112">
+            <a:extLst>
+              <a:ext uri="{FF2B5EF4-FFF2-40B4-BE49-F238E27FC236}">
+                <a16:creationId xmlns:a16="http://schemas.microsoft.com/office/drawing/2014/main" id="{CBA6D05F-AEF8-4CD1-8E02-588661CBEED2}"/>
+              </a:ext>
+            </a:extLst>
+          </p:cNvPr>
+          <p:cNvCxnSpPr>
+            <a:cxnSpLocks/>
+          </p:cNvCxnSpPr>
+          <p:nvPr/>
+        </p:nvCxnSpPr>
+        <p:spPr>
+          <a:xfrm>
+            <a:off x="3952978" y="2406093"/>
+            <a:ext cx="1752921" cy="645433"/>
+          </a:xfrm>
+          <a:prstGeom prst="straightConnector1">
+            <a:avLst/>
+          </a:prstGeom>
+          <a:ln>
+            <a:solidFill>
+              <a:schemeClr val="bg2">
+                <a:lumMod val="50000"/>
+              </a:schemeClr>
+            </a:solidFill>
+            <a:prstDash val="dash"/>
+            <a:tailEnd type="triangle"/>
+          </a:ln>
+        </p:spPr>
+        <p:style>
+          <a:lnRef idx="1">
+            <a:schemeClr val="accent1"/>
+          </a:lnRef>
+          <a:fillRef idx="0">
+            <a:schemeClr val="accent1"/>
+          </a:fillRef>
+          <a:effectRef idx="0">
+            <a:schemeClr val="accent1"/>
+          </a:effectRef>
+          <a:fontRef idx="minor">
+            <a:schemeClr val="tx1"/>
+          </a:fontRef>
+        </p:style>
+      </p:cxnSp>
+      <p:sp>
+        <p:nvSpPr>
+          <p:cNvPr id="115" name="TextBox 114">
+            <a:extLst>
+              <a:ext uri="{FF2B5EF4-FFF2-40B4-BE49-F238E27FC236}">
+                <a16:creationId xmlns:a16="http://schemas.microsoft.com/office/drawing/2014/main" id="{58AB7004-53AE-4E45-A1A5-E2CFE20F1896}"/>
+              </a:ext>
+            </a:extLst>
+          </p:cNvPr>
+          <p:cNvSpPr txBox="1"/>
+          <p:nvPr/>
+        </p:nvSpPr>
+        <p:spPr>
+          <a:xfrm rot="1034504">
+            <a:off x="4507552" y="2718298"/>
+            <a:ext cx="2000349" cy="246221"/>
+          </a:xfrm>
+          <a:prstGeom prst="rect">
+            <a:avLst/>
+          </a:prstGeom>
+          <a:noFill/>
+        </p:spPr>
+        <p:txBody>
+          <a:bodyPr wrap="square" rtlCol="0">
+            <a:spAutoFit/>
+          </a:bodyPr>
+          <a:lstStyle/>
+          <a:p>
+            <a:r>
+              <a:rPr lang="en-US" altLang="ko-KR" sz="1000" dirty="0">
+                <a:solidFill>
+                  <a:schemeClr val="bg2">
+                    <a:lumMod val="50000"/>
+                  </a:schemeClr>
+                </a:solidFill>
+              </a:rPr>
+              <a:t>pkt4</a:t>
+            </a:r>
+            <a:endParaRPr lang="ko-KR" altLang="en-US" sz="1000" dirty="0">
+              <a:solidFill>
+                <a:schemeClr val="bg2">
+                  <a:lumMod val="50000"/>
+                </a:schemeClr>
+              </a:solidFill>
+            </a:endParaRPr>
+          </a:p>
+        </p:txBody>
+      </p:sp>
+      <p:cxnSp>
+        <p:nvCxnSpPr>
+          <p:cNvPr id="116" name="직선 화살표 연결선 115">
+            <a:extLst>
+              <a:ext uri="{FF2B5EF4-FFF2-40B4-BE49-F238E27FC236}">
+                <a16:creationId xmlns:a16="http://schemas.microsoft.com/office/drawing/2014/main" id="{218FD9D4-905B-4A24-A50A-4D1F7F34AE4E}"/>
+              </a:ext>
+            </a:extLst>
+          </p:cNvPr>
+          <p:cNvCxnSpPr>
+            <a:cxnSpLocks/>
+          </p:cNvCxnSpPr>
+          <p:nvPr/>
+        </p:nvCxnSpPr>
+        <p:spPr>
+          <a:xfrm flipH="1">
+            <a:off x="3976801" y="3067558"/>
+            <a:ext cx="1708852" cy="612257"/>
+          </a:xfrm>
+          <a:prstGeom prst="straightConnector1">
+            <a:avLst/>
+          </a:prstGeom>
+          <a:ln>
+            <a:solidFill>
+              <a:schemeClr val="bg2">
+                <a:lumMod val="50000"/>
+              </a:schemeClr>
+            </a:solidFill>
+            <a:prstDash val="dash"/>
+            <a:tailEnd type="triangle"/>
+          </a:ln>
+        </p:spPr>
+        <p:style>
+          <a:lnRef idx="1">
+            <a:schemeClr val="accent1"/>
+          </a:lnRef>
+          <a:fillRef idx="0">
+            <a:schemeClr val="accent1"/>
+          </a:fillRef>
+          <a:effectRef idx="0">
+            <a:schemeClr val="accent1"/>
+          </a:effectRef>
+          <a:fontRef idx="minor">
+            <a:schemeClr val="tx1"/>
+          </a:fontRef>
+        </p:style>
+      </p:cxnSp>
+      <p:sp>
+        <p:nvSpPr>
+          <p:cNvPr id="123" name="TextBox 122">
+            <a:extLst>
+              <a:ext uri="{FF2B5EF4-FFF2-40B4-BE49-F238E27FC236}">
+                <a16:creationId xmlns:a16="http://schemas.microsoft.com/office/drawing/2014/main" id="{0BDE6378-9255-4117-83AC-E92F7BFFFEA0}"/>
+              </a:ext>
+            </a:extLst>
+          </p:cNvPr>
+          <p:cNvSpPr txBox="1"/>
+          <p:nvPr/>
+        </p:nvSpPr>
+        <p:spPr>
+          <a:xfrm>
+            <a:off x="5705639" y="2623728"/>
+            <a:ext cx="845308" cy="246221"/>
+          </a:xfrm>
+          <a:prstGeom prst="rect">
+            <a:avLst/>
+          </a:prstGeom>
+          <a:noFill/>
+        </p:spPr>
+        <p:txBody>
+          <a:bodyPr wrap="square" rtlCol="0">
+            <a:spAutoFit/>
+          </a:bodyPr>
+          <a:lstStyle/>
+          <a:p>
+            <a:r>
+              <a:rPr lang="en-US" altLang="ko-KR" sz="1000" dirty="0">
+                <a:solidFill>
+                  <a:schemeClr val="bg2">
+                    <a:lumMod val="50000"/>
+                  </a:schemeClr>
+                </a:solidFill>
+              </a:rPr>
+              <a:t>buffer</a:t>
+            </a:r>
+          </a:p>
+        </p:txBody>
+      </p:sp>
+      <p:sp>
+        <p:nvSpPr>
+          <p:cNvPr id="124" name="TextBox 123">
+            <a:extLst>
+              <a:ext uri="{FF2B5EF4-FFF2-40B4-BE49-F238E27FC236}">
+                <a16:creationId xmlns:a16="http://schemas.microsoft.com/office/drawing/2014/main" id="{2FEFA2E7-8D61-49AE-A553-8914A8FA2B74}"/>
+              </a:ext>
+            </a:extLst>
+          </p:cNvPr>
+          <p:cNvSpPr txBox="1"/>
+          <p:nvPr/>
+        </p:nvSpPr>
+        <p:spPr>
+          <a:xfrm>
+            <a:off x="5707580" y="2910009"/>
+            <a:ext cx="845308" cy="246221"/>
+          </a:xfrm>
+          <a:prstGeom prst="rect">
+            <a:avLst/>
+          </a:prstGeom>
+          <a:noFill/>
+        </p:spPr>
+        <p:txBody>
+          <a:bodyPr wrap="square" rtlCol="0">
+            <a:spAutoFit/>
+          </a:bodyPr>
+          <a:lstStyle/>
+          <a:p>
+            <a:r>
+              <a:rPr lang="en-US" altLang="ko-KR" sz="1000" dirty="0">
+                <a:solidFill>
+                  <a:schemeClr val="bg2">
+                    <a:lumMod val="50000"/>
+                  </a:schemeClr>
+                </a:solidFill>
+              </a:rPr>
+              <a:t>buffer</a:t>
+            </a:r>
+          </a:p>
+        </p:txBody>
+      </p:sp>
+      <p:sp>
+        <p:nvSpPr>
+          <p:cNvPr id="125" name="TextBox 124">
+            <a:extLst>
+              <a:ext uri="{FF2B5EF4-FFF2-40B4-BE49-F238E27FC236}">
+                <a16:creationId xmlns:a16="http://schemas.microsoft.com/office/drawing/2014/main" id="{8840C1DE-2D8C-4DDA-A8E6-6EE2A2EA901D}"/>
+              </a:ext>
+            </a:extLst>
+          </p:cNvPr>
+          <p:cNvSpPr txBox="1"/>
+          <p:nvPr/>
+        </p:nvSpPr>
+        <p:spPr>
+          <a:xfrm>
+            <a:off x="5725840" y="3463851"/>
+            <a:ext cx="845308" cy="246221"/>
+          </a:xfrm>
+          <a:prstGeom prst="rect">
+            <a:avLst/>
+          </a:prstGeom>
+          <a:noFill/>
+        </p:spPr>
+        <p:txBody>
+          <a:bodyPr wrap="square" rtlCol="0">
+            <a:spAutoFit/>
+          </a:bodyPr>
+          <a:lstStyle/>
+          <a:p>
+            <a:r>
+              <a:rPr lang="en-US" altLang="ko-KR" sz="1000" dirty="0">
+                <a:solidFill>
+                  <a:schemeClr val="bg2">
+                    <a:lumMod val="50000"/>
+                  </a:schemeClr>
+                </a:solidFill>
+              </a:rPr>
+              <a:t>deliver</a:t>
+            </a:r>
+          </a:p>
+        </p:txBody>
+      </p:sp>
+      <p:sp>
+        <p:nvSpPr>
+          <p:cNvPr id="126" name="TextBox 125">
+            <a:extLst>
+              <a:ext uri="{FF2B5EF4-FFF2-40B4-BE49-F238E27FC236}">
+                <a16:creationId xmlns:a16="http://schemas.microsoft.com/office/drawing/2014/main" id="{BDC42FFC-FC28-4D79-B78C-9749555C4DBB}"/>
+              </a:ext>
+            </a:extLst>
+          </p:cNvPr>
+          <p:cNvSpPr txBox="1"/>
+          <p:nvPr/>
+        </p:nvSpPr>
+        <p:spPr>
+          <a:xfrm rot="20501994">
+            <a:off x="3958417" y="3073293"/>
+            <a:ext cx="516726" cy="246221"/>
+          </a:xfrm>
+          <a:prstGeom prst="rect">
+            <a:avLst/>
+          </a:prstGeom>
+          <a:noFill/>
+        </p:spPr>
+        <p:txBody>
+          <a:bodyPr wrap="square" rtlCol="0">
+            <a:spAutoFit/>
+          </a:bodyPr>
+          <a:lstStyle/>
+          <a:p>
+            <a:r>
+              <a:rPr lang="en-US" altLang="ko-KR" sz="1000" dirty="0">
+                <a:solidFill>
+                  <a:schemeClr val="bg2">
+                    <a:lumMod val="50000"/>
+                  </a:schemeClr>
+                </a:solidFill>
+              </a:rPr>
+              <a:t>ACK3</a:t>
+            </a:r>
+            <a:endParaRPr lang="ko-KR" altLang="en-US" sz="1000" dirty="0">
+              <a:solidFill>
+                <a:schemeClr val="bg2">
+                  <a:lumMod val="50000"/>
+                </a:schemeClr>
+              </a:solidFill>
+            </a:endParaRPr>
+          </a:p>
+        </p:txBody>
+      </p:sp>
+      <p:sp>
+        <p:nvSpPr>
+          <p:cNvPr id="127" name="TextBox 126">
+            <a:extLst>
+              <a:ext uri="{FF2B5EF4-FFF2-40B4-BE49-F238E27FC236}">
+                <a16:creationId xmlns:a16="http://schemas.microsoft.com/office/drawing/2014/main" id="{93C14C15-B834-40A4-BDAD-2FC050FAC43C}"/>
+              </a:ext>
+            </a:extLst>
+          </p:cNvPr>
+          <p:cNvSpPr txBox="1"/>
+          <p:nvPr/>
+        </p:nvSpPr>
+        <p:spPr>
+          <a:xfrm rot="20501994">
+            <a:off x="4074936" y="3301399"/>
+            <a:ext cx="516726" cy="246221"/>
+          </a:xfrm>
+          <a:prstGeom prst="rect">
+            <a:avLst/>
+          </a:prstGeom>
+          <a:noFill/>
+        </p:spPr>
+        <p:txBody>
+          <a:bodyPr wrap="square" rtlCol="0">
+            <a:spAutoFit/>
+          </a:bodyPr>
+          <a:lstStyle/>
+          <a:p>
+            <a:r>
+              <a:rPr lang="en-US" altLang="ko-KR" sz="1000" dirty="0">
+                <a:solidFill>
+                  <a:schemeClr val="bg2">
+                    <a:lumMod val="50000"/>
+                  </a:schemeClr>
+                </a:solidFill>
+              </a:rPr>
+              <a:t>ACK4</a:t>
+            </a:r>
+            <a:endParaRPr lang="ko-KR" altLang="en-US" sz="1000" dirty="0">
+              <a:solidFill>
+                <a:schemeClr val="bg2">
+                  <a:lumMod val="50000"/>
+                </a:schemeClr>
+              </a:solidFill>
+            </a:endParaRPr>
+          </a:p>
+        </p:txBody>
+      </p:sp>
+      <p:sp>
+        <p:nvSpPr>
+          <p:cNvPr id="128" name="TextBox 127">
+            <a:extLst>
+              <a:ext uri="{FF2B5EF4-FFF2-40B4-BE49-F238E27FC236}">
+                <a16:creationId xmlns:a16="http://schemas.microsoft.com/office/drawing/2014/main" id="{8F535FDD-E3F7-46CB-877F-79C3F6AA7497}"/>
+              </a:ext>
+            </a:extLst>
+          </p:cNvPr>
+          <p:cNvSpPr txBox="1"/>
+          <p:nvPr/>
+        </p:nvSpPr>
+        <p:spPr>
+          <a:xfrm>
+            <a:off x="3341496" y="2832143"/>
+            <a:ext cx="845308" cy="246221"/>
+          </a:xfrm>
+          <a:prstGeom prst="rect">
+            <a:avLst/>
+          </a:prstGeom>
+          <a:noFill/>
+        </p:spPr>
+        <p:txBody>
+          <a:bodyPr wrap="square" rtlCol="0">
+            <a:spAutoFit/>
+          </a:bodyPr>
+          <a:lstStyle/>
+          <a:p>
+            <a:r>
+              <a:rPr lang="en-US" altLang="ko-KR" sz="1000" dirty="0">
+                <a:solidFill>
+                  <a:schemeClr val="bg2">
+                    <a:lumMod val="50000"/>
+                  </a:schemeClr>
+                </a:solidFill>
+              </a:rPr>
+              <a:t>Timeout</a:t>
+            </a:r>
+          </a:p>
+        </p:txBody>
+      </p:sp>
+      <p:cxnSp>
+        <p:nvCxnSpPr>
+          <p:cNvPr id="129" name="직선 화살표 연결선 128">
+            <a:extLst>
+              <a:ext uri="{FF2B5EF4-FFF2-40B4-BE49-F238E27FC236}">
+                <a16:creationId xmlns:a16="http://schemas.microsoft.com/office/drawing/2014/main" id="{848A7881-9C78-4A7C-AC65-B0F4CA36D3E2}"/>
+              </a:ext>
+            </a:extLst>
+          </p:cNvPr>
+          <p:cNvCxnSpPr>
+            <a:cxnSpLocks/>
+          </p:cNvCxnSpPr>
+          <p:nvPr/>
+        </p:nvCxnSpPr>
+        <p:spPr>
+          <a:xfrm>
+            <a:off x="7229502" y="928896"/>
+            <a:ext cx="24082" cy="4369266"/>
+          </a:xfrm>
+          <a:prstGeom prst="straightConnector1">
+            <a:avLst/>
+          </a:prstGeom>
+          <a:ln w="38100">
+            <a:tailEnd type="triangle"/>
+          </a:ln>
+        </p:spPr>
+        <p:style>
+          <a:lnRef idx="1">
+            <a:schemeClr val="accent1"/>
+          </a:lnRef>
+          <a:fillRef idx="0">
+            <a:schemeClr val="accent1"/>
+          </a:fillRef>
+          <a:effectRef idx="0">
+            <a:schemeClr val="accent1"/>
+          </a:effectRef>
+          <a:fontRef idx="minor">
+            <a:schemeClr val="tx1"/>
+          </a:fontRef>
+        </p:style>
+      </p:cxnSp>
+      <p:cxnSp>
+        <p:nvCxnSpPr>
+          <p:cNvPr id="130" name="직선 화살표 연결선 129">
+            <a:extLst>
+              <a:ext uri="{FF2B5EF4-FFF2-40B4-BE49-F238E27FC236}">
+                <a16:creationId xmlns:a16="http://schemas.microsoft.com/office/drawing/2014/main" id="{AB117F1D-6B61-4458-8037-3DE8DD9B88B8}"/>
+              </a:ext>
+            </a:extLst>
+          </p:cNvPr>
+          <p:cNvCxnSpPr>
+            <a:cxnSpLocks/>
+          </p:cNvCxnSpPr>
+          <p:nvPr/>
+        </p:nvCxnSpPr>
+        <p:spPr>
+          <a:xfrm flipH="1">
+            <a:off x="8974065" y="928896"/>
+            <a:ext cx="1746" cy="4478323"/>
+          </a:xfrm>
+          <a:prstGeom prst="straightConnector1">
+            <a:avLst/>
+          </a:prstGeom>
+          <a:ln w="38100">
+            <a:tailEnd type="triangle"/>
+          </a:ln>
+        </p:spPr>
+        <p:style>
+          <a:lnRef idx="1">
+            <a:schemeClr val="accent1"/>
+          </a:lnRef>
+          <a:fillRef idx="0">
+            <a:schemeClr val="accent1"/>
+          </a:fillRef>
+          <a:effectRef idx="0">
+            <a:schemeClr val="accent1"/>
+          </a:effectRef>
+          <a:fontRef idx="minor">
+            <a:schemeClr val="tx1"/>
+          </a:fontRef>
+        </p:style>
+      </p:cxnSp>
+      <p:sp>
+        <p:nvSpPr>
+          <p:cNvPr id="131" name="TextBox 130">
+            <a:extLst>
+              <a:ext uri="{FF2B5EF4-FFF2-40B4-BE49-F238E27FC236}">
+                <a16:creationId xmlns:a16="http://schemas.microsoft.com/office/drawing/2014/main" id="{8F064EF6-F3FC-44AF-84A9-B4DD3FAAF51C}"/>
+              </a:ext>
+            </a:extLst>
+          </p:cNvPr>
+          <p:cNvSpPr txBox="1"/>
+          <p:nvPr/>
+        </p:nvSpPr>
+        <p:spPr>
+          <a:xfrm>
+            <a:off x="6898557" y="676162"/>
+            <a:ext cx="2000349" cy="261610"/>
+          </a:xfrm>
+          <a:prstGeom prst="rect">
+            <a:avLst/>
+          </a:prstGeom>
+          <a:noFill/>
+        </p:spPr>
+        <p:txBody>
+          <a:bodyPr wrap="square" rtlCol="0">
+            <a:spAutoFit/>
+          </a:bodyPr>
+          <a:lstStyle/>
+          <a:p>
+            <a:r>
+              <a:rPr lang="ko-KR" altLang="en-US" sz="1100" dirty="0">
+                <a:solidFill>
+                  <a:schemeClr val="bg2">
+                    <a:lumMod val="50000"/>
+                  </a:schemeClr>
+                </a:solidFill>
+              </a:rPr>
+              <a:t>송신자</a:t>
+            </a:r>
+          </a:p>
+        </p:txBody>
+      </p:sp>
+      <p:sp>
+        <p:nvSpPr>
+          <p:cNvPr id="132" name="TextBox 131">
+            <a:extLst>
+              <a:ext uri="{FF2B5EF4-FFF2-40B4-BE49-F238E27FC236}">
+                <a16:creationId xmlns:a16="http://schemas.microsoft.com/office/drawing/2014/main" id="{5FF791E2-502B-4CCC-8879-A2895487FE20}"/>
+              </a:ext>
+            </a:extLst>
+          </p:cNvPr>
+          <p:cNvSpPr txBox="1"/>
+          <p:nvPr/>
+        </p:nvSpPr>
+        <p:spPr>
+          <a:xfrm>
+            <a:off x="8682938" y="676162"/>
+            <a:ext cx="2000349" cy="261610"/>
+          </a:xfrm>
+          <a:prstGeom prst="rect">
+            <a:avLst/>
+          </a:prstGeom>
+          <a:noFill/>
+        </p:spPr>
+        <p:txBody>
+          <a:bodyPr wrap="square" rtlCol="0">
+            <a:spAutoFit/>
+          </a:bodyPr>
+          <a:lstStyle/>
+          <a:p>
+            <a:r>
+              <a:rPr lang="ko-KR" altLang="en-US" sz="1100" dirty="0">
+                <a:solidFill>
+                  <a:schemeClr val="bg2">
+                    <a:lumMod val="50000"/>
+                  </a:schemeClr>
+                </a:solidFill>
+              </a:rPr>
+              <a:t>수신자</a:t>
+            </a:r>
+          </a:p>
+        </p:txBody>
+      </p:sp>
+      <p:cxnSp>
+        <p:nvCxnSpPr>
+          <p:cNvPr id="133" name="직선 화살표 연결선 132">
+            <a:extLst>
+              <a:ext uri="{FF2B5EF4-FFF2-40B4-BE49-F238E27FC236}">
+                <a16:creationId xmlns:a16="http://schemas.microsoft.com/office/drawing/2014/main" id="{67538E2E-7A71-4115-B028-4C6F8C66CDA9}"/>
+              </a:ext>
+            </a:extLst>
+          </p:cNvPr>
+          <p:cNvCxnSpPr/>
+          <p:nvPr/>
+        </p:nvCxnSpPr>
+        <p:spPr>
+          <a:xfrm>
+            <a:off x="7229502" y="1044944"/>
+            <a:ext cx="1746308" cy="511728"/>
+          </a:xfrm>
+          <a:prstGeom prst="straightConnector1">
+            <a:avLst/>
+          </a:prstGeom>
+          <a:ln>
+            <a:solidFill>
+              <a:schemeClr val="bg2">
+                <a:lumMod val="50000"/>
+              </a:schemeClr>
+            </a:solidFill>
+            <a:prstDash val="dash"/>
+            <a:tailEnd type="triangle"/>
+          </a:ln>
+        </p:spPr>
+        <p:style>
+          <a:lnRef idx="1">
+            <a:schemeClr val="accent1"/>
+          </a:lnRef>
+          <a:fillRef idx="0">
+            <a:schemeClr val="accent1"/>
+          </a:fillRef>
+          <a:effectRef idx="0">
+            <a:schemeClr val="accent1"/>
+          </a:effectRef>
+          <a:fontRef idx="minor">
+            <a:schemeClr val="tx1"/>
+          </a:fontRef>
+        </p:style>
+      </p:cxnSp>
+      <p:cxnSp>
+        <p:nvCxnSpPr>
+          <p:cNvPr id="134" name="직선 화살표 연결선 133">
+            <a:extLst>
+              <a:ext uri="{FF2B5EF4-FFF2-40B4-BE49-F238E27FC236}">
+                <a16:creationId xmlns:a16="http://schemas.microsoft.com/office/drawing/2014/main" id="{A8363E49-C684-4AD1-9F74-2174E1F07669}"/>
+              </a:ext>
+            </a:extLst>
+          </p:cNvPr>
+          <p:cNvCxnSpPr>
+            <a:cxnSpLocks/>
+          </p:cNvCxnSpPr>
+          <p:nvPr/>
+        </p:nvCxnSpPr>
+        <p:spPr>
+          <a:xfrm flipH="1">
+            <a:off x="7229503" y="1571353"/>
+            <a:ext cx="1746306" cy="606105"/>
+          </a:xfrm>
+          <a:prstGeom prst="straightConnector1">
+            <a:avLst/>
+          </a:prstGeom>
+          <a:ln>
+            <a:solidFill>
+              <a:schemeClr val="bg2">
+                <a:lumMod val="50000"/>
+              </a:schemeClr>
+            </a:solidFill>
+            <a:prstDash val="dash"/>
+            <a:tailEnd type="triangle"/>
+          </a:ln>
+        </p:spPr>
+        <p:style>
+          <a:lnRef idx="1">
+            <a:schemeClr val="accent1"/>
+          </a:lnRef>
+          <a:fillRef idx="0">
+            <a:schemeClr val="accent1"/>
+          </a:fillRef>
+          <a:effectRef idx="0">
+            <a:schemeClr val="accent1"/>
+          </a:effectRef>
+          <a:fontRef idx="minor">
+            <a:schemeClr val="tx1"/>
+          </a:fontRef>
+        </p:style>
+      </p:cxnSp>
+      <p:sp>
+        <p:nvSpPr>
+          <p:cNvPr id="138" name="TextBox 137">
+            <a:extLst>
+              <a:ext uri="{FF2B5EF4-FFF2-40B4-BE49-F238E27FC236}">
+                <a16:creationId xmlns:a16="http://schemas.microsoft.com/office/drawing/2014/main" id="{B25D7287-8243-4011-A35A-F3D784970A40}"/>
+              </a:ext>
+            </a:extLst>
+          </p:cNvPr>
+          <p:cNvSpPr txBox="1"/>
+          <p:nvPr/>
+        </p:nvSpPr>
+        <p:spPr>
+          <a:xfrm rot="975871">
+            <a:off x="7651726" y="1040840"/>
+            <a:ext cx="1070655" cy="246221"/>
+          </a:xfrm>
+          <a:prstGeom prst="rect">
+            <a:avLst/>
+          </a:prstGeom>
+          <a:noFill/>
+        </p:spPr>
+        <p:txBody>
+          <a:bodyPr wrap="square" rtlCol="0">
+            <a:spAutoFit/>
+          </a:bodyPr>
+          <a:lstStyle/>
+          <a:p>
+            <a:r>
+              <a:rPr lang="en-US" altLang="ko-KR" sz="1000" dirty="0">
+                <a:solidFill>
+                  <a:schemeClr val="bg2">
+                    <a:lumMod val="50000"/>
+                  </a:schemeClr>
+                </a:solidFill>
+              </a:rPr>
+              <a:t>Seq = 92, 8byte</a:t>
+            </a:r>
+            <a:endParaRPr lang="ko-KR" altLang="en-US" sz="1000" dirty="0">
+              <a:solidFill>
+                <a:schemeClr val="bg2">
+                  <a:lumMod val="50000"/>
+                </a:schemeClr>
+              </a:solidFill>
+            </a:endParaRPr>
+          </a:p>
+        </p:txBody>
+      </p:sp>
+      <p:sp>
+        <p:nvSpPr>
+          <p:cNvPr id="140" name="TextBox 139">
+            <a:extLst>
+              <a:ext uri="{FF2B5EF4-FFF2-40B4-BE49-F238E27FC236}">
+                <a16:creationId xmlns:a16="http://schemas.microsoft.com/office/drawing/2014/main" id="{6556EEBC-2EE9-4452-8EB5-79F2FFECC486}"/>
+              </a:ext>
+            </a:extLst>
+          </p:cNvPr>
+          <p:cNvSpPr txBox="1"/>
+          <p:nvPr/>
+        </p:nvSpPr>
+        <p:spPr>
+          <a:xfrm rot="20501994">
+            <a:off x="7429351" y="1733008"/>
+            <a:ext cx="790184" cy="246221"/>
+          </a:xfrm>
+          <a:prstGeom prst="rect">
+            <a:avLst/>
+          </a:prstGeom>
+          <a:noFill/>
+        </p:spPr>
+        <p:txBody>
+          <a:bodyPr wrap="square" rtlCol="0">
+            <a:spAutoFit/>
+          </a:bodyPr>
+          <a:lstStyle/>
+          <a:p>
+            <a:r>
+              <a:rPr lang="en-US" altLang="ko-KR" sz="1000" dirty="0">
+                <a:solidFill>
+                  <a:schemeClr val="bg2">
+                    <a:lumMod val="50000"/>
+                  </a:schemeClr>
+                </a:solidFill>
+              </a:rPr>
+              <a:t>ACK100</a:t>
+            </a:r>
+            <a:endParaRPr lang="ko-KR" altLang="en-US" sz="1000" dirty="0">
+              <a:solidFill>
+                <a:schemeClr val="bg2">
+                  <a:lumMod val="50000"/>
+                </a:schemeClr>
+              </a:solidFill>
+            </a:endParaRPr>
+          </a:p>
+        </p:txBody>
+      </p:sp>
+      <p:sp>
+        <p:nvSpPr>
+          <p:cNvPr id="144" name="TextBox 143">
+            <a:extLst>
+              <a:ext uri="{FF2B5EF4-FFF2-40B4-BE49-F238E27FC236}">
+                <a16:creationId xmlns:a16="http://schemas.microsoft.com/office/drawing/2014/main" id="{0E01E1D0-0D31-4B41-B7A8-877150E14D44}"/>
+              </a:ext>
+            </a:extLst>
+          </p:cNvPr>
+          <p:cNvSpPr txBox="1"/>
+          <p:nvPr/>
+        </p:nvSpPr>
+        <p:spPr>
+          <a:xfrm>
+            <a:off x="8055191" y="1806059"/>
+            <a:ext cx="549325" cy="246221"/>
+          </a:xfrm>
+          <a:prstGeom prst="rect">
+            <a:avLst/>
+          </a:prstGeom>
+          <a:noFill/>
+        </p:spPr>
+        <p:txBody>
+          <a:bodyPr wrap="square" rtlCol="0">
+            <a:spAutoFit/>
+          </a:bodyPr>
+          <a:lstStyle/>
+          <a:p>
+            <a:r>
+              <a:rPr lang="en-US" altLang="ko-KR" sz="1000" dirty="0">
+                <a:solidFill>
+                  <a:schemeClr val="bg2">
+                    <a:lumMod val="50000"/>
+                  </a:schemeClr>
+                </a:solidFill>
+              </a:rPr>
+              <a:t>loss</a:t>
+            </a:r>
+            <a:endParaRPr lang="ko-KR" altLang="en-US" sz="1000" dirty="0">
+              <a:solidFill>
+                <a:schemeClr val="bg2">
+                  <a:lumMod val="50000"/>
+                </a:schemeClr>
+              </a:solidFill>
+            </a:endParaRPr>
+          </a:p>
+        </p:txBody>
+      </p:sp>
+      <p:cxnSp>
+        <p:nvCxnSpPr>
+          <p:cNvPr id="145" name="직선 화살표 연결선 144">
+            <a:extLst>
+              <a:ext uri="{FF2B5EF4-FFF2-40B4-BE49-F238E27FC236}">
+                <a16:creationId xmlns:a16="http://schemas.microsoft.com/office/drawing/2014/main" id="{04EAF291-4A99-47D6-8EA7-6707602FC711}"/>
+              </a:ext>
+            </a:extLst>
+          </p:cNvPr>
+          <p:cNvCxnSpPr>
+            <a:cxnSpLocks/>
+          </p:cNvCxnSpPr>
+          <p:nvPr/>
+        </p:nvCxnSpPr>
+        <p:spPr>
+          <a:xfrm>
+            <a:off x="7236114" y="1336211"/>
+            <a:ext cx="1142793" cy="340647"/>
+          </a:xfrm>
+          <a:prstGeom prst="straightConnector1">
+            <a:avLst/>
+          </a:prstGeom>
+          <a:ln>
+            <a:solidFill>
+              <a:schemeClr val="bg2">
+                <a:lumMod val="50000"/>
+              </a:schemeClr>
+            </a:solidFill>
+            <a:prstDash val="dash"/>
+            <a:tailEnd type="triangle"/>
+          </a:ln>
+        </p:spPr>
+        <p:style>
+          <a:lnRef idx="1">
+            <a:schemeClr val="accent1"/>
+          </a:lnRef>
+          <a:fillRef idx="0">
+            <a:schemeClr val="accent1"/>
+          </a:fillRef>
+          <a:effectRef idx="0">
+            <a:schemeClr val="accent1"/>
+          </a:effectRef>
+          <a:fontRef idx="minor">
+            <a:schemeClr val="tx1"/>
+          </a:fontRef>
+        </p:style>
+      </p:cxnSp>
+      <p:sp>
+        <p:nvSpPr>
+          <p:cNvPr id="159" name="TextBox 158">
+            <a:extLst>
+              <a:ext uri="{FF2B5EF4-FFF2-40B4-BE49-F238E27FC236}">
+                <a16:creationId xmlns:a16="http://schemas.microsoft.com/office/drawing/2014/main" id="{A6C9A570-250A-462C-9CD1-70F66978D86A}"/>
+              </a:ext>
+            </a:extLst>
+          </p:cNvPr>
+          <p:cNvSpPr txBox="1"/>
+          <p:nvPr/>
+        </p:nvSpPr>
+        <p:spPr>
+          <a:xfrm rot="975871">
+            <a:off x="7550469" y="1346111"/>
+            <a:ext cx="1262119" cy="246221"/>
+          </a:xfrm>
+          <a:prstGeom prst="rect">
+            <a:avLst/>
+          </a:prstGeom>
+          <a:noFill/>
+        </p:spPr>
+        <p:txBody>
+          <a:bodyPr wrap="square" rtlCol="0">
+            <a:spAutoFit/>
+          </a:bodyPr>
+          <a:lstStyle/>
+          <a:p>
+            <a:r>
+              <a:rPr lang="en-US" altLang="ko-KR" sz="1000" dirty="0">
+                <a:solidFill>
+                  <a:schemeClr val="bg2">
+                    <a:lumMod val="50000"/>
+                  </a:schemeClr>
+                </a:solidFill>
+              </a:rPr>
+              <a:t>Seq = 100, 20byte</a:t>
+            </a:r>
+            <a:endParaRPr lang="ko-KR" altLang="en-US" sz="1000" dirty="0">
+              <a:solidFill>
+                <a:schemeClr val="bg2">
+                  <a:lumMod val="50000"/>
+                </a:schemeClr>
+              </a:solidFill>
+            </a:endParaRPr>
+          </a:p>
+        </p:txBody>
+      </p:sp>
+      <p:sp>
+        <p:nvSpPr>
+          <p:cNvPr id="160" name="TextBox 159">
+            <a:extLst>
+              <a:ext uri="{FF2B5EF4-FFF2-40B4-BE49-F238E27FC236}">
+                <a16:creationId xmlns:a16="http://schemas.microsoft.com/office/drawing/2014/main" id="{71866AEE-20CE-431E-BD2F-31BACD8A9604}"/>
+              </a:ext>
+            </a:extLst>
+          </p:cNvPr>
+          <p:cNvSpPr txBox="1"/>
+          <p:nvPr/>
+        </p:nvSpPr>
+        <p:spPr>
+          <a:xfrm>
+            <a:off x="8193932" y="1572777"/>
+            <a:ext cx="549325" cy="246221"/>
+          </a:xfrm>
+          <a:prstGeom prst="rect">
+            <a:avLst/>
+          </a:prstGeom>
+          <a:noFill/>
+        </p:spPr>
+        <p:txBody>
+          <a:bodyPr wrap="square" rtlCol="0">
+            <a:spAutoFit/>
+          </a:bodyPr>
+          <a:lstStyle/>
+          <a:p>
+            <a:r>
+              <a:rPr lang="en-US" altLang="ko-KR" sz="1000" dirty="0">
+                <a:solidFill>
+                  <a:schemeClr val="bg2">
+                    <a:lumMod val="50000"/>
+                  </a:schemeClr>
+                </a:solidFill>
+              </a:rPr>
+              <a:t>loss</a:t>
+            </a:r>
+            <a:endParaRPr lang="ko-KR" altLang="en-US" sz="1000" dirty="0">
+              <a:solidFill>
+                <a:schemeClr val="bg2">
+                  <a:lumMod val="50000"/>
+                </a:schemeClr>
+              </a:solidFill>
+            </a:endParaRPr>
+          </a:p>
+        </p:txBody>
+      </p:sp>
+      <p:cxnSp>
+        <p:nvCxnSpPr>
+          <p:cNvPr id="161" name="직선 화살표 연결선 160">
+            <a:extLst>
+              <a:ext uri="{FF2B5EF4-FFF2-40B4-BE49-F238E27FC236}">
+                <a16:creationId xmlns:a16="http://schemas.microsoft.com/office/drawing/2014/main" id="{63B49CB7-FCFF-41FE-B17D-2AB2814382BB}"/>
+              </a:ext>
+            </a:extLst>
+          </p:cNvPr>
+          <p:cNvCxnSpPr/>
+          <p:nvPr/>
+        </p:nvCxnSpPr>
+        <p:spPr>
+          <a:xfrm>
+            <a:off x="7227755" y="1524323"/>
+            <a:ext cx="1746308" cy="511728"/>
+          </a:xfrm>
+          <a:prstGeom prst="straightConnector1">
+            <a:avLst/>
+          </a:prstGeom>
+          <a:ln>
+            <a:solidFill>
+              <a:schemeClr val="bg2">
+                <a:lumMod val="50000"/>
+              </a:schemeClr>
+            </a:solidFill>
+            <a:prstDash val="dash"/>
+            <a:tailEnd type="triangle"/>
+          </a:ln>
+        </p:spPr>
+        <p:style>
+          <a:lnRef idx="1">
+            <a:schemeClr val="accent1"/>
+          </a:lnRef>
+          <a:fillRef idx="0">
+            <a:schemeClr val="accent1"/>
+          </a:fillRef>
+          <a:effectRef idx="0">
+            <a:schemeClr val="accent1"/>
+          </a:effectRef>
+          <a:fontRef idx="minor">
+            <a:schemeClr val="tx1"/>
+          </a:fontRef>
+        </p:style>
+      </p:cxnSp>
+      <p:cxnSp>
+        <p:nvCxnSpPr>
+          <p:cNvPr id="162" name="직선 화살표 연결선 161">
+            <a:extLst>
+              <a:ext uri="{FF2B5EF4-FFF2-40B4-BE49-F238E27FC236}">
+                <a16:creationId xmlns:a16="http://schemas.microsoft.com/office/drawing/2014/main" id="{D6374D56-9795-418C-821C-FD3517DA3F0C}"/>
+              </a:ext>
+            </a:extLst>
+          </p:cNvPr>
+          <p:cNvCxnSpPr/>
+          <p:nvPr/>
+        </p:nvCxnSpPr>
+        <p:spPr>
+          <a:xfrm>
+            <a:off x="7202206" y="1777588"/>
+            <a:ext cx="1746308" cy="511728"/>
+          </a:xfrm>
+          <a:prstGeom prst="straightConnector1">
+            <a:avLst/>
+          </a:prstGeom>
+          <a:ln>
+            <a:solidFill>
+              <a:schemeClr val="bg2">
+                <a:lumMod val="50000"/>
+              </a:schemeClr>
+            </a:solidFill>
+            <a:prstDash val="dash"/>
+            <a:tailEnd type="triangle"/>
+          </a:ln>
+        </p:spPr>
+        <p:style>
+          <a:lnRef idx="1">
+            <a:schemeClr val="accent1"/>
+          </a:lnRef>
+          <a:fillRef idx="0">
+            <a:schemeClr val="accent1"/>
+          </a:fillRef>
+          <a:effectRef idx="0">
+            <a:schemeClr val="accent1"/>
+          </a:effectRef>
+          <a:fontRef idx="minor">
+            <a:schemeClr val="tx1"/>
+          </a:fontRef>
+        </p:style>
+      </p:cxnSp>
+      <p:cxnSp>
+        <p:nvCxnSpPr>
+          <p:cNvPr id="163" name="직선 화살표 연결선 162">
+            <a:extLst>
+              <a:ext uri="{FF2B5EF4-FFF2-40B4-BE49-F238E27FC236}">
+                <a16:creationId xmlns:a16="http://schemas.microsoft.com/office/drawing/2014/main" id="{5DB5BE1C-281F-435D-B69B-3007EEA30154}"/>
+              </a:ext>
+            </a:extLst>
+          </p:cNvPr>
+          <p:cNvCxnSpPr/>
+          <p:nvPr/>
+        </p:nvCxnSpPr>
+        <p:spPr>
+          <a:xfrm>
+            <a:off x="7221622" y="1984966"/>
+            <a:ext cx="1746308" cy="511728"/>
+          </a:xfrm>
+          <a:prstGeom prst="straightConnector1">
+            <a:avLst/>
+          </a:prstGeom>
+          <a:ln>
+            <a:solidFill>
+              <a:schemeClr val="bg2">
+                <a:lumMod val="50000"/>
+              </a:schemeClr>
+            </a:solidFill>
+            <a:prstDash val="dash"/>
+            <a:tailEnd type="triangle"/>
+          </a:ln>
+        </p:spPr>
+        <p:style>
+          <a:lnRef idx="1">
+            <a:schemeClr val="accent1"/>
+          </a:lnRef>
+          <a:fillRef idx="0">
+            <a:schemeClr val="accent1"/>
+          </a:fillRef>
+          <a:effectRef idx="0">
+            <a:schemeClr val="accent1"/>
+          </a:effectRef>
+          <a:fontRef idx="minor">
+            <a:schemeClr val="tx1"/>
+          </a:fontRef>
+        </p:style>
+      </p:cxnSp>
+      <p:cxnSp>
+        <p:nvCxnSpPr>
+          <p:cNvPr id="164" name="직선 화살표 연결선 163">
+            <a:extLst>
+              <a:ext uri="{FF2B5EF4-FFF2-40B4-BE49-F238E27FC236}">
+                <a16:creationId xmlns:a16="http://schemas.microsoft.com/office/drawing/2014/main" id="{726A4C55-3DF9-4A19-9F85-2CFD9D403D5F}"/>
+              </a:ext>
+            </a:extLst>
+          </p:cNvPr>
+          <p:cNvCxnSpPr>
+            <a:cxnSpLocks/>
+          </p:cNvCxnSpPr>
+          <p:nvPr/>
+        </p:nvCxnSpPr>
+        <p:spPr>
+          <a:xfrm flipH="1">
+            <a:off x="7240672" y="2041265"/>
+            <a:ext cx="1746306" cy="606105"/>
+          </a:xfrm>
+          <a:prstGeom prst="straightConnector1">
+            <a:avLst/>
+          </a:prstGeom>
+          <a:ln>
+            <a:solidFill>
+              <a:schemeClr val="bg2">
+                <a:lumMod val="50000"/>
+              </a:schemeClr>
+            </a:solidFill>
+            <a:prstDash val="dash"/>
+            <a:tailEnd type="triangle"/>
+          </a:ln>
+        </p:spPr>
+        <p:style>
+          <a:lnRef idx="1">
+            <a:schemeClr val="accent1"/>
+          </a:lnRef>
+          <a:fillRef idx="0">
+            <a:schemeClr val="accent1"/>
+          </a:fillRef>
+          <a:effectRef idx="0">
+            <a:schemeClr val="accent1"/>
+          </a:effectRef>
+          <a:fontRef idx="minor">
+            <a:schemeClr val="tx1"/>
+          </a:fontRef>
+        </p:style>
+      </p:cxnSp>
+      <p:cxnSp>
+        <p:nvCxnSpPr>
+          <p:cNvPr id="165" name="직선 화살표 연결선 164">
+            <a:extLst>
+              <a:ext uri="{FF2B5EF4-FFF2-40B4-BE49-F238E27FC236}">
+                <a16:creationId xmlns:a16="http://schemas.microsoft.com/office/drawing/2014/main" id="{89820BC6-F623-4AD2-A282-02753C498EEE}"/>
+              </a:ext>
+            </a:extLst>
+          </p:cNvPr>
+          <p:cNvCxnSpPr>
+            <a:cxnSpLocks/>
+          </p:cNvCxnSpPr>
+          <p:nvPr/>
+        </p:nvCxnSpPr>
+        <p:spPr>
+          <a:xfrm flipH="1">
+            <a:off x="7240672" y="2302756"/>
+            <a:ext cx="1746306" cy="606105"/>
+          </a:xfrm>
+          <a:prstGeom prst="straightConnector1">
+            <a:avLst/>
+          </a:prstGeom>
+          <a:ln>
+            <a:solidFill>
+              <a:schemeClr val="bg2">
+                <a:lumMod val="50000"/>
+              </a:schemeClr>
+            </a:solidFill>
+            <a:prstDash val="dash"/>
+            <a:tailEnd type="triangle"/>
+          </a:ln>
+        </p:spPr>
+        <p:style>
+          <a:lnRef idx="1">
+            <a:schemeClr val="accent1"/>
+          </a:lnRef>
+          <a:fillRef idx="0">
+            <a:schemeClr val="accent1"/>
+          </a:fillRef>
+          <a:effectRef idx="0">
+            <a:schemeClr val="accent1"/>
+          </a:effectRef>
+          <a:fontRef idx="minor">
+            <a:schemeClr val="tx1"/>
+          </a:fontRef>
+        </p:style>
+      </p:cxnSp>
+      <p:cxnSp>
+        <p:nvCxnSpPr>
+          <p:cNvPr id="166" name="직선 화살표 연결선 165">
+            <a:extLst>
+              <a:ext uri="{FF2B5EF4-FFF2-40B4-BE49-F238E27FC236}">
+                <a16:creationId xmlns:a16="http://schemas.microsoft.com/office/drawing/2014/main" id="{4EEA1A66-1660-4729-8BC8-3607ABBF7DF9}"/>
+              </a:ext>
+            </a:extLst>
+          </p:cNvPr>
+          <p:cNvCxnSpPr>
+            <a:cxnSpLocks/>
+          </p:cNvCxnSpPr>
+          <p:nvPr/>
+        </p:nvCxnSpPr>
+        <p:spPr>
+          <a:xfrm flipH="1">
+            <a:off x="7220486" y="2562528"/>
+            <a:ext cx="1746306" cy="606105"/>
+          </a:xfrm>
+          <a:prstGeom prst="straightConnector1">
+            <a:avLst/>
+          </a:prstGeom>
+          <a:ln>
+            <a:solidFill>
+              <a:schemeClr val="bg2">
+                <a:lumMod val="50000"/>
+              </a:schemeClr>
+            </a:solidFill>
+            <a:prstDash val="dash"/>
+            <a:tailEnd type="triangle"/>
+          </a:ln>
+        </p:spPr>
+        <p:style>
+          <a:lnRef idx="1">
+            <a:schemeClr val="accent1"/>
+          </a:lnRef>
+          <a:fillRef idx="0">
+            <a:schemeClr val="accent1"/>
+          </a:fillRef>
+          <a:effectRef idx="0">
+            <a:schemeClr val="accent1"/>
+          </a:effectRef>
+          <a:fontRef idx="minor">
+            <a:schemeClr val="tx1"/>
+          </a:fontRef>
+        </p:style>
+      </p:cxnSp>
+      <p:sp>
+        <p:nvSpPr>
+          <p:cNvPr id="167" name="TextBox 166">
+            <a:extLst>
+              <a:ext uri="{FF2B5EF4-FFF2-40B4-BE49-F238E27FC236}">
+                <a16:creationId xmlns:a16="http://schemas.microsoft.com/office/drawing/2014/main" id="{1CA58916-2263-4ADD-ABA1-8134FE94F16D}"/>
+              </a:ext>
+            </a:extLst>
+          </p:cNvPr>
+          <p:cNvSpPr txBox="1"/>
+          <p:nvPr/>
+        </p:nvSpPr>
+        <p:spPr>
+          <a:xfrm rot="20501994">
+            <a:off x="7524585" y="2194676"/>
+            <a:ext cx="790184" cy="246221"/>
+          </a:xfrm>
+          <a:prstGeom prst="rect">
+            <a:avLst/>
+          </a:prstGeom>
+          <a:noFill/>
+        </p:spPr>
+        <p:txBody>
+          <a:bodyPr wrap="square" rtlCol="0">
+            <a:spAutoFit/>
+          </a:bodyPr>
+          <a:lstStyle/>
+          <a:p>
+            <a:r>
+              <a:rPr lang="en-US" altLang="ko-KR" sz="1000" dirty="0">
+                <a:solidFill>
+                  <a:schemeClr val="bg2">
+                    <a:lumMod val="50000"/>
+                  </a:schemeClr>
+                </a:solidFill>
+              </a:rPr>
+              <a:t>ACK100</a:t>
+            </a:r>
+            <a:endParaRPr lang="ko-KR" altLang="en-US" sz="1000" dirty="0">
+              <a:solidFill>
+                <a:schemeClr val="bg2">
+                  <a:lumMod val="50000"/>
+                </a:schemeClr>
+              </a:solidFill>
+            </a:endParaRPr>
+          </a:p>
+        </p:txBody>
+      </p:sp>
+      <p:sp>
+        <p:nvSpPr>
+          <p:cNvPr id="168" name="TextBox 167">
+            <a:extLst>
+              <a:ext uri="{FF2B5EF4-FFF2-40B4-BE49-F238E27FC236}">
+                <a16:creationId xmlns:a16="http://schemas.microsoft.com/office/drawing/2014/main" id="{2A03234F-3EFA-44C9-A77C-3FA0F9611711}"/>
+              </a:ext>
+            </a:extLst>
+          </p:cNvPr>
+          <p:cNvSpPr txBox="1"/>
+          <p:nvPr/>
+        </p:nvSpPr>
+        <p:spPr>
+          <a:xfrm rot="20501994">
+            <a:off x="7489643" y="2443861"/>
+            <a:ext cx="790184" cy="246221"/>
+          </a:xfrm>
+          <a:prstGeom prst="rect">
+            <a:avLst/>
+          </a:prstGeom>
+          <a:noFill/>
+        </p:spPr>
+        <p:txBody>
+          <a:bodyPr wrap="square" rtlCol="0">
+            <a:spAutoFit/>
+          </a:bodyPr>
+          <a:lstStyle/>
+          <a:p>
+            <a:r>
+              <a:rPr lang="en-US" altLang="ko-KR" sz="1000" dirty="0">
+                <a:solidFill>
+                  <a:schemeClr val="bg2">
+                    <a:lumMod val="50000"/>
+                  </a:schemeClr>
+                </a:solidFill>
+              </a:rPr>
+              <a:t>ACK100</a:t>
+            </a:r>
+            <a:endParaRPr lang="ko-KR" altLang="en-US" sz="1000" dirty="0">
+              <a:solidFill>
+                <a:schemeClr val="bg2">
+                  <a:lumMod val="50000"/>
+                </a:schemeClr>
+              </a:solidFill>
+            </a:endParaRPr>
+          </a:p>
+        </p:txBody>
+      </p:sp>
+      <p:sp>
+        <p:nvSpPr>
+          <p:cNvPr id="169" name="TextBox 168">
+            <a:extLst>
+              <a:ext uri="{FF2B5EF4-FFF2-40B4-BE49-F238E27FC236}">
+                <a16:creationId xmlns:a16="http://schemas.microsoft.com/office/drawing/2014/main" id="{F243D6EF-D854-4E72-B529-2BD1CAC3E584}"/>
+              </a:ext>
+            </a:extLst>
+          </p:cNvPr>
+          <p:cNvSpPr txBox="1"/>
+          <p:nvPr/>
+        </p:nvSpPr>
+        <p:spPr>
+          <a:xfrm rot="20501994">
+            <a:off x="7414149" y="2726231"/>
+            <a:ext cx="790184" cy="246221"/>
+          </a:xfrm>
+          <a:prstGeom prst="rect">
+            <a:avLst/>
+          </a:prstGeom>
+          <a:noFill/>
+        </p:spPr>
+        <p:txBody>
+          <a:bodyPr wrap="square" rtlCol="0">
+            <a:spAutoFit/>
+          </a:bodyPr>
+          <a:lstStyle/>
+          <a:p>
+            <a:r>
+              <a:rPr lang="en-US" altLang="ko-KR" sz="1000" dirty="0">
+                <a:solidFill>
+                  <a:schemeClr val="bg2">
+                    <a:lumMod val="50000"/>
+                  </a:schemeClr>
+                </a:solidFill>
+              </a:rPr>
+              <a:t>ACK100</a:t>
+            </a:r>
+            <a:endParaRPr lang="ko-KR" altLang="en-US" sz="1000" dirty="0">
+              <a:solidFill>
+                <a:schemeClr val="bg2">
+                  <a:lumMod val="50000"/>
+                </a:schemeClr>
+              </a:solidFill>
+            </a:endParaRPr>
+          </a:p>
+        </p:txBody>
+      </p:sp>
+      <p:cxnSp>
+        <p:nvCxnSpPr>
+          <p:cNvPr id="170" name="직선 화살표 연결선 169">
+            <a:extLst>
+              <a:ext uri="{FF2B5EF4-FFF2-40B4-BE49-F238E27FC236}">
+                <a16:creationId xmlns:a16="http://schemas.microsoft.com/office/drawing/2014/main" id="{BF4C7090-6638-45EA-B77E-93CDFBDBD842}"/>
+              </a:ext>
+            </a:extLst>
+          </p:cNvPr>
+          <p:cNvCxnSpPr/>
+          <p:nvPr/>
+        </p:nvCxnSpPr>
+        <p:spPr>
+          <a:xfrm>
+            <a:off x="7246833" y="3185029"/>
+            <a:ext cx="1746308" cy="511728"/>
+          </a:xfrm>
+          <a:prstGeom prst="straightConnector1">
+            <a:avLst/>
+          </a:prstGeom>
+          <a:ln>
+            <a:solidFill>
+              <a:schemeClr val="bg2">
+                <a:lumMod val="50000"/>
+              </a:schemeClr>
+            </a:solidFill>
+            <a:prstDash val="dash"/>
+            <a:tailEnd type="triangle"/>
+          </a:ln>
+        </p:spPr>
+        <p:style>
+          <a:lnRef idx="1">
+            <a:schemeClr val="accent1"/>
+          </a:lnRef>
+          <a:fillRef idx="0">
+            <a:schemeClr val="accent1"/>
+          </a:fillRef>
+          <a:effectRef idx="0">
+            <a:schemeClr val="accent1"/>
+          </a:effectRef>
+          <a:fontRef idx="minor">
+            <a:schemeClr val="tx1"/>
+          </a:fontRef>
+        </p:style>
+      </p:cxnSp>
+      <p:sp>
+        <p:nvSpPr>
+          <p:cNvPr id="171" name="TextBox 170">
+            <a:extLst>
+              <a:ext uri="{FF2B5EF4-FFF2-40B4-BE49-F238E27FC236}">
+                <a16:creationId xmlns:a16="http://schemas.microsoft.com/office/drawing/2014/main" id="{17600319-001C-4F10-99BA-56EA482913CE}"/>
+              </a:ext>
+            </a:extLst>
+          </p:cNvPr>
+          <p:cNvSpPr txBox="1"/>
+          <p:nvPr/>
+        </p:nvSpPr>
+        <p:spPr>
+          <a:xfrm rot="975871">
+            <a:off x="7562595" y="3186616"/>
+            <a:ext cx="1262119" cy="246221"/>
+          </a:xfrm>
+          <a:prstGeom prst="rect">
+            <a:avLst/>
+          </a:prstGeom>
+          <a:noFill/>
+        </p:spPr>
+        <p:txBody>
+          <a:bodyPr wrap="square" rtlCol="0">
+            <a:spAutoFit/>
+          </a:bodyPr>
+          <a:lstStyle/>
+          <a:p>
+            <a:r>
+              <a:rPr lang="en-US" altLang="ko-KR" sz="1000" dirty="0">
+                <a:solidFill>
+                  <a:schemeClr val="bg2">
+                    <a:lumMod val="50000"/>
+                  </a:schemeClr>
+                </a:solidFill>
+              </a:rPr>
+              <a:t>Seq = 100, 20byte</a:t>
+            </a:r>
+            <a:endParaRPr lang="ko-KR" altLang="en-US" sz="1000" dirty="0">
+              <a:solidFill>
+                <a:schemeClr val="bg2">
+                  <a:lumMod val="50000"/>
+                </a:schemeClr>
+              </a:solidFill>
+            </a:endParaRPr>
+          </a:p>
+        </p:txBody>
+      </p:sp>
+      <p:sp>
+        <p:nvSpPr>
+          <p:cNvPr id="173" name="TextBox 172">
+            <a:extLst>
+              <a:ext uri="{FF2B5EF4-FFF2-40B4-BE49-F238E27FC236}">
+                <a16:creationId xmlns:a16="http://schemas.microsoft.com/office/drawing/2014/main" id="{4B1601DB-4F2C-4333-AA2C-7E5613CD320B}"/>
+              </a:ext>
+            </a:extLst>
+          </p:cNvPr>
+          <p:cNvSpPr txBox="1"/>
+          <p:nvPr/>
+        </p:nvSpPr>
+        <p:spPr>
+          <a:xfrm>
+            <a:off x="1611871" y="4966858"/>
+            <a:ext cx="742386" cy="369332"/>
+          </a:xfrm>
+          <a:prstGeom prst="rect">
+            <a:avLst/>
+          </a:prstGeom>
+          <a:noFill/>
+        </p:spPr>
+        <p:txBody>
+          <a:bodyPr wrap="square" rtlCol="0">
+            <a:spAutoFit/>
+          </a:bodyPr>
+          <a:lstStyle/>
+          <a:p>
+            <a:r>
+              <a:rPr lang="en-US" altLang="ko-KR" dirty="0" err="1">
+                <a:solidFill>
+                  <a:schemeClr val="tx1">
+                    <a:lumMod val="65000"/>
+                    <a:lumOff val="35000"/>
+                  </a:schemeClr>
+                </a:solidFill>
+              </a:rPr>
+              <a:t>GBn</a:t>
+            </a:r>
+            <a:endParaRPr lang="en-US" altLang="ko-KR" dirty="0">
+              <a:solidFill>
+                <a:schemeClr val="tx1">
+                  <a:lumMod val="65000"/>
+                  <a:lumOff val="35000"/>
+                </a:schemeClr>
+              </a:solidFill>
+            </a:endParaRPr>
+          </a:p>
+        </p:txBody>
+      </p:sp>
+      <p:sp>
+        <p:nvSpPr>
+          <p:cNvPr id="174" name="TextBox 173">
+            <a:extLst>
+              <a:ext uri="{FF2B5EF4-FFF2-40B4-BE49-F238E27FC236}">
+                <a16:creationId xmlns:a16="http://schemas.microsoft.com/office/drawing/2014/main" id="{4FD9725A-86C7-4B52-87B7-4CDBB28D6626}"/>
+              </a:ext>
+            </a:extLst>
+          </p:cNvPr>
+          <p:cNvSpPr txBox="1"/>
+          <p:nvPr/>
+        </p:nvSpPr>
+        <p:spPr>
+          <a:xfrm>
+            <a:off x="4666506" y="5012889"/>
+            <a:ext cx="742386" cy="369332"/>
+          </a:xfrm>
+          <a:prstGeom prst="rect">
+            <a:avLst/>
+          </a:prstGeom>
+          <a:noFill/>
+        </p:spPr>
+        <p:txBody>
+          <a:bodyPr wrap="square" rtlCol="0">
+            <a:spAutoFit/>
+          </a:bodyPr>
+          <a:lstStyle/>
+          <a:p>
+            <a:r>
+              <a:rPr lang="en-US" altLang="ko-KR" dirty="0">
+                <a:solidFill>
+                  <a:schemeClr val="tx1">
+                    <a:lumMod val="65000"/>
+                    <a:lumOff val="35000"/>
+                  </a:schemeClr>
+                </a:solidFill>
+              </a:rPr>
+              <a:t>SR</a:t>
+            </a:r>
+          </a:p>
+        </p:txBody>
+      </p:sp>
+      <p:sp>
+        <p:nvSpPr>
+          <p:cNvPr id="175" name="TextBox 174">
+            <a:extLst>
+              <a:ext uri="{FF2B5EF4-FFF2-40B4-BE49-F238E27FC236}">
+                <a16:creationId xmlns:a16="http://schemas.microsoft.com/office/drawing/2014/main" id="{F046534A-DA03-4DF8-BE21-1E5487AA65CA}"/>
+              </a:ext>
+            </a:extLst>
+          </p:cNvPr>
+          <p:cNvSpPr txBox="1"/>
+          <p:nvPr/>
+        </p:nvSpPr>
+        <p:spPr>
+          <a:xfrm>
+            <a:off x="7972858" y="5012889"/>
+            <a:ext cx="651287" cy="369332"/>
+          </a:xfrm>
+          <a:prstGeom prst="rect">
+            <a:avLst/>
+          </a:prstGeom>
+          <a:noFill/>
+        </p:spPr>
+        <p:txBody>
+          <a:bodyPr wrap="square" rtlCol="0">
+            <a:spAutoFit/>
+          </a:bodyPr>
+          <a:lstStyle/>
+          <a:p>
+            <a:r>
+              <a:rPr lang="en-US" altLang="ko-KR" dirty="0">
+                <a:solidFill>
+                  <a:schemeClr val="tx1">
+                    <a:lumMod val="65000"/>
+                    <a:lumOff val="35000"/>
+                  </a:schemeClr>
+                </a:solidFill>
+              </a:rPr>
+              <a:t>TCP</a:t>
+            </a:r>
+          </a:p>
+        </p:txBody>
+      </p:sp>
+    </p:spTree>
+    <p:extLst>
+      <p:ext uri="{BB962C8B-B14F-4D97-AF65-F5344CB8AC3E}">
+        <p14:creationId xmlns:p14="http://schemas.microsoft.com/office/powerpoint/2010/main" val="2368892096"/>
+      </p:ext>
+    </p:extLst>
+  </p:cSld>
+  <p:clrMapOvr>
+    <a:masterClrMapping/>
+  </p:clrMapOvr>
+</p:sld>
+</file>
+
+<file path=ppt/slides/slide18.xml><?xml version="1.0" encoding="utf-8"?>
 <p:sld xmlns:a="http://schemas.openxmlformats.org/drawingml/2006/main" xmlns:r="http://schemas.openxmlformats.org/officeDocument/2006/relationships" xmlns:p="http://schemas.openxmlformats.org/presentationml/2006/main">
   <p:cSld>
     <p:bg>
@@ -13747,8 +15751,8 @@
           </a:p>
         </p:txBody>
       </p:sp>
-      <mc:AlternateContent xmlns:mc="http://schemas.openxmlformats.org/markup-compatibility/2006">
-        <mc:Choice xmlns:a14="http://schemas.microsoft.com/office/drawing/2010/main" Requires="a14">
+      <mc:AlternateContent xmlns:mc="http://schemas.openxmlformats.org/markup-compatibility/2006" xmlns:a14="http://schemas.microsoft.com/office/drawing/2010/main">
+        <mc:Choice Requires="a14">
           <p:sp>
             <p:nvSpPr>
               <p:cNvPr id="75" name="TextBox 74">
@@ -14148,7 +16152,7 @@
             </p:txBody>
           </p:sp>
         </mc:Choice>
-        <mc:Fallback>
+        <mc:Fallback xmlns="">
           <p:sp>
             <p:nvSpPr>
               <p:cNvPr id="75" name="TextBox 74">
@@ -14367,8 +16371,8 @@
           </a:p>
         </p:txBody>
       </p:sp>
-      <mc:AlternateContent xmlns:mc="http://schemas.openxmlformats.org/markup-compatibility/2006">
-        <mc:Choice xmlns:a14="http://schemas.microsoft.com/office/drawing/2010/main" Requires="a14">
+      <mc:AlternateContent xmlns:mc="http://schemas.openxmlformats.org/markup-compatibility/2006" xmlns:a14="http://schemas.microsoft.com/office/drawing/2010/main">
+        <mc:Choice Requires="a14">
           <p:sp>
             <p:nvSpPr>
               <p:cNvPr id="11" name="직사각형 10">
@@ -14436,7 +16440,7 @@
                   <m:oMath xmlns:m="http://schemas.openxmlformats.org/officeDocument/2006/math">
                     <m:r>
                       <a:rPr lang="ko-KR" altLang="en-US" sz="1200" i="1">
-                        <a:latin typeface="+mj-ea"/>
+                        <a:latin typeface="Cambria Math" panose="02040503050406030204" pitchFamily="18" charset="0"/>
                         <a:ea typeface="+mj-ea"/>
                       </a:rPr>
                       <m:t>𝛼</m:t>
@@ -14477,7 +16481,7 @@
                   <m:oMath xmlns:m="http://schemas.openxmlformats.org/officeDocument/2006/math">
                     <m:r>
                       <a:rPr lang="ko-KR" altLang="en-US" sz="1200" i="1">
-                        <a:latin typeface="+mj-ea"/>
+                        <a:latin typeface="Cambria Math" panose="02040503050406030204" pitchFamily="18" charset="0"/>
                         <a:ea typeface="+mj-ea"/>
                       </a:rPr>
                       <m:t>𝛼</m:t>
@@ -14531,7 +16535,7 @@
             </p:txBody>
           </p:sp>
         </mc:Choice>
-        <mc:Fallback>
+        <mc:Fallback xmlns="">
           <p:sp>
             <p:nvSpPr>
               <p:cNvPr id="11" name="직사각형 10">
@@ -15223,8 +17227,8 @@
           </a:p>
         </p:txBody>
       </p:sp>
-      <mc:AlternateContent xmlns:mc="http://schemas.openxmlformats.org/markup-compatibility/2006">
-        <mc:Choice xmlns:a14="http://schemas.microsoft.com/office/drawing/2010/main" Requires="a14">
+      <mc:AlternateContent xmlns:mc="http://schemas.openxmlformats.org/markup-compatibility/2006" xmlns:a14="http://schemas.microsoft.com/office/drawing/2010/main">
+        <mc:Choice Requires="a14">
           <p:sp>
             <p:nvSpPr>
               <p:cNvPr id="13" name="직사각형 12">
@@ -15268,7 +17272,7 @@
                                 <a:lumMod val="25000"/>
                               </a:schemeClr>
                             </a:solidFill>
-                            <a:latin typeface="+mj-ea"/>
+                            <a:latin typeface="Cambria Math" panose="02040503050406030204" pitchFamily="18" charset="0"/>
                             <a:ea typeface="+mj-ea"/>
                           </a:rPr>
                         </m:ctrlPr>
@@ -15281,7 +17285,7 @@
                                 <a:lumMod val="25000"/>
                               </a:schemeClr>
                             </a:solidFill>
-                            <a:latin typeface="+mj-ea"/>
+                            <a:latin typeface="Cambria Math" panose="02040503050406030204" pitchFamily="18" charset="0"/>
                             <a:ea typeface="+mj-ea"/>
                           </a:rPr>
                           <m:t>𝐸𝑠𝑡𝑖𝑚𝑎𝑡𝑒𝑑𝑅𝑇𝑇</m:t>
@@ -15295,7 +17299,7 @@
                                 <a:lumMod val="25000"/>
                               </a:schemeClr>
                             </a:solidFill>
-                            <a:latin typeface="+mj-ea"/>
+                            <a:latin typeface="Cambria Math" panose="02040503050406030204" pitchFamily="18" charset="0"/>
                             <a:ea typeface="+mj-ea"/>
                           </a:rPr>
                           <m:t>1</m:t>
@@ -15362,7 +17366,7 @@
                                 <a:lumMod val="25000"/>
                               </a:schemeClr>
                             </a:solidFill>
-                            <a:latin typeface="+mj-ea"/>
+                            <a:latin typeface="Cambria Math" panose="02040503050406030204" pitchFamily="18" charset="0"/>
                             <a:ea typeface="+mj-ea"/>
                           </a:rPr>
                         </m:ctrlPr>
@@ -15375,7 +17379,7 @@
                                 <a:lumMod val="25000"/>
                               </a:schemeClr>
                             </a:solidFill>
-                            <a:latin typeface="+mj-ea"/>
+                            <a:latin typeface="Cambria Math" panose="02040503050406030204" pitchFamily="18" charset="0"/>
                             <a:ea typeface="+mj-ea"/>
                           </a:rPr>
                           <m:t>𝐸𝑠𝑡𝑖𝑚𝑎𝑡𝑒𝑑𝑅𝑇𝑇</m:t>
@@ -15389,7 +17393,7 @@
                                 <a:lumMod val="25000"/>
                               </a:schemeClr>
                             </a:solidFill>
-                            <a:latin typeface="+mj-ea"/>
+                            <a:latin typeface="Cambria Math" panose="02040503050406030204" pitchFamily="18" charset="0"/>
                             <a:ea typeface="+mj-ea"/>
                           </a:rPr>
                           <m:t>2</m:t>
@@ -15456,7 +17460,7 @@
                                 <a:lumMod val="25000"/>
                               </a:schemeClr>
                             </a:solidFill>
-                            <a:latin typeface="+mj-ea"/>
+                            <a:latin typeface="Cambria Math" panose="02040503050406030204" pitchFamily="18" charset="0"/>
                             <a:ea typeface="+mj-ea"/>
                           </a:rPr>
                         </m:ctrlPr>
@@ -15469,7 +17473,7 @@
                                 <a:lumMod val="25000"/>
                               </a:schemeClr>
                             </a:solidFill>
-                            <a:latin typeface="+mj-ea"/>
+                            <a:latin typeface="Cambria Math" panose="02040503050406030204" pitchFamily="18" charset="0"/>
                             <a:ea typeface="+mj-ea"/>
                           </a:rPr>
                           <m:t>𝐸𝑠𝑡𝑖𝑚𝑎𝑡𝑒𝑑𝑅𝑇𝑇</m:t>
@@ -15483,7 +17487,7 @@
                                 <a:lumMod val="25000"/>
                               </a:schemeClr>
                             </a:solidFill>
-                            <a:latin typeface="+mj-ea"/>
+                            <a:latin typeface="Cambria Math" panose="02040503050406030204" pitchFamily="18" charset="0"/>
                             <a:ea typeface="+mj-ea"/>
                           </a:rPr>
                           <m:t>3</m:t>
@@ -15550,7 +17554,7 @@
                                 <a:lumMod val="25000"/>
                               </a:schemeClr>
                             </a:solidFill>
-                            <a:latin typeface="+mj-ea"/>
+                            <a:latin typeface="Cambria Math" panose="02040503050406030204" pitchFamily="18" charset="0"/>
                             <a:ea typeface="+mj-ea"/>
                           </a:rPr>
                         </m:ctrlPr>
@@ -15563,7 +17567,7 @@
                                 <a:lumMod val="25000"/>
                               </a:schemeClr>
                             </a:solidFill>
-                            <a:latin typeface="+mj-ea"/>
+                            <a:latin typeface="Cambria Math" panose="02040503050406030204" pitchFamily="18" charset="0"/>
                             <a:ea typeface="+mj-ea"/>
                           </a:rPr>
                           <m:t>𝐸𝑠𝑡𝑖𝑚𝑎𝑡𝑒𝑑𝑅𝑇𝑇</m:t>
@@ -15577,7 +17581,7 @@
                                 <a:lumMod val="25000"/>
                               </a:schemeClr>
                             </a:solidFill>
-                            <a:latin typeface="+mj-ea"/>
+                            <a:latin typeface="Cambria Math" panose="02040503050406030204" pitchFamily="18" charset="0"/>
                             <a:ea typeface="+mj-ea"/>
                           </a:rPr>
                           <m:t>4</m:t>
@@ -15644,7 +17648,7 @@
                                 <a:lumMod val="25000"/>
                               </a:schemeClr>
                             </a:solidFill>
-                            <a:latin typeface="+mj-ea"/>
+                            <a:latin typeface="Cambria Math" panose="02040503050406030204" pitchFamily="18" charset="0"/>
                             <a:ea typeface="+mj-ea"/>
                           </a:rPr>
                         </m:ctrlPr>
@@ -15657,7 +17661,7 @@
                                 <a:lumMod val="25000"/>
                               </a:schemeClr>
                             </a:solidFill>
-                            <a:latin typeface="+mj-ea"/>
+                            <a:latin typeface="Cambria Math" panose="02040503050406030204" pitchFamily="18" charset="0"/>
                             <a:ea typeface="+mj-ea"/>
                           </a:rPr>
                           <m:t>𝐸𝑠𝑡𝑖𝑚𝑎𝑡𝑒𝑑𝑅𝑇𝑇</m:t>
@@ -15671,7 +17675,7 @@
                                 <a:lumMod val="25000"/>
                               </a:schemeClr>
                             </a:solidFill>
-                            <a:latin typeface="+mj-ea"/>
+                            <a:latin typeface="Cambria Math" panose="02040503050406030204" pitchFamily="18" charset="0"/>
                             <a:ea typeface="+mj-ea"/>
                           </a:rPr>
                           <m:t>5</m:t>
@@ -15708,7 +17712,7 @@
             </p:txBody>
           </p:sp>
         </mc:Choice>
-        <mc:Fallback>
+        <mc:Fallback xmlns="">
           <p:sp>
             <p:nvSpPr>
               <p:cNvPr id="13" name="직사각형 12">
@@ -16960,8 +18964,8 @@
           </a:p>
         </p:txBody>
       </p:sp>
-      <mc:AlternateContent xmlns:mc="http://schemas.openxmlformats.org/markup-compatibility/2006">
-        <mc:Choice xmlns:a14="http://schemas.microsoft.com/office/drawing/2010/main" Requires="a14">
+      <mc:AlternateContent xmlns:mc="http://schemas.openxmlformats.org/markup-compatibility/2006" xmlns:a14="http://schemas.microsoft.com/office/drawing/2010/main">
+        <mc:Choice Requires="a14">
           <p:sp>
             <p:nvSpPr>
               <p:cNvPr id="13" name="직사각형 12">
@@ -17078,7 +19082,7 @@
                         </a:solidFill>
                         <a:latin typeface="+mn-ea"/>
                       </a:rPr>
-                      <m:t>1 – 0.25) * 5 + 0.25 * |106 – 100.75| = </m:t>
+                      <m:t>1 – 0.25) ∗ 5 + 0.25 ∗ |106 – 100.75| = </m:t>
                     </m:r>
                     <m:r>
                       <m:rPr>
@@ -17282,7 +19286,7 @@
                         <a:latin typeface="+mj-ea"/>
                         <a:ea typeface="+mj-ea"/>
                       </a:rPr>
-                      <m:t>0.25 * |120 – 103.15| = </m:t>
+                      <m:t>0.25 ∗ |120 – 103.15| = </m:t>
                     </m:r>
                     <m:r>
                       <m:rPr>
@@ -17401,7 +19405,7 @@
                             <a:lumMod val="25000"/>
                           </a:schemeClr>
                         </a:solidFill>
-                        <a:latin typeface="+mj-ea"/>
+                        <a:latin typeface="Cambria Math" panose="02040503050406030204" pitchFamily="18" charset="0"/>
                         <a:ea typeface="+mj-ea"/>
                       </a:rPr>
                       <m:t>=</m:t>
@@ -17419,7 +19423,7 @@
                         <a:latin typeface="+mj-ea"/>
                         <a:ea typeface="+mj-ea"/>
                       </a:rPr>
-                      <m:t>(1 – 0.25) *</m:t>
+                      <m:t>(1 – 0.25) ∗</m:t>
                     </m:r>
                     <m:r>
                       <m:rPr>
@@ -17477,7 +19481,7 @@
                         <a:latin typeface="+mj-ea"/>
                         <a:ea typeface="+mj-ea"/>
                       </a:rPr>
-                      <m:t>+ 0.25 * |140 – 107.76| = </m:t>
+                      <m:t>+ 0.25 ∗ |140 – 107.76| = </m:t>
                     </m:r>
                     <m:r>
                       <m:rPr>
@@ -17928,7 +19932,7 @@
             </p:txBody>
           </p:sp>
         </mc:Choice>
-        <mc:Fallback>
+        <mc:Fallback xmlns="">
           <p:sp>
             <p:nvSpPr>
               <p:cNvPr id="13" name="직사각형 12">
@@ -18890,8 +20894,8 @@
           <a:chExt cx="0" cy="0"/>
         </a:xfrm>
       </p:grpSpPr>
-      <mc:AlternateContent xmlns:mc="http://schemas.openxmlformats.org/markup-compatibility/2006">
-        <mc:Choice xmlns:a14="http://schemas.microsoft.com/office/drawing/2010/main" Requires="a14">
+      <mc:AlternateContent xmlns:mc="http://schemas.openxmlformats.org/markup-compatibility/2006" xmlns:a14="http://schemas.microsoft.com/office/drawing/2010/main">
+        <mc:Choice Requires="a14">
           <p:sp>
             <p:nvSpPr>
               <p:cNvPr id="13" name="직사각형 12">
@@ -18937,7 +20941,7 @@
                                 <a:lumMod val="25000"/>
                               </a:schemeClr>
                             </a:solidFill>
-                            <a:latin typeface="+mj-ea"/>
+                            <a:latin typeface="Cambria Math" panose="02040503050406030204" pitchFamily="18" charset="0"/>
                             <a:ea typeface="+mj-ea"/>
                           </a:rPr>
                         </m:ctrlPr>
@@ -18950,7 +20954,7 @@
                                 <a:lumMod val="25000"/>
                               </a:schemeClr>
                             </a:solidFill>
-                            <a:latin typeface="+mj-ea"/>
+                            <a:latin typeface="Cambria Math" panose="02040503050406030204" pitchFamily="18" charset="0"/>
                             <a:ea typeface="+mj-ea"/>
                           </a:rPr>
                           <m:t>𝑻𝒊𝒎𝒆𝒐𝒖𝒕𝑰𝒏𝒕𝒆𝒓𝒗𝒂𝒍</m:t>
@@ -18964,7 +20968,7 @@
                                 <a:lumMod val="25000"/>
                               </a:schemeClr>
                             </a:solidFill>
-                            <a:latin typeface="+mj-ea"/>
+                            <a:latin typeface="Cambria Math" panose="02040503050406030204" pitchFamily="18" charset="0"/>
                             <a:ea typeface="+mj-ea"/>
                           </a:rPr>
                           <m:t>𝟏</m:t>
@@ -18978,7 +20982,7 @@
                             <a:lumMod val="25000"/>
                           </a:schemeClr>
                         </a:solidFill>
-                        <a:latin typeface="+mj-ea"/>
+                        <a:latin typeface="Cambria Math" panose="02040503050406030204" pitchFamily="18" charset="0"/>
                         <a:ea typeface="+mj-ea"/>
                       </a:rPr>
                       <m:t>= </m:t>
@@ -18990,7 +20994,7 @@
                             <a:lumMod val="25000"/>
                           </a:schemeClr>
                         </a:solidFill>
-                        <a:latin typeface="+mj-ea"/>
+                        <a:latin typeface="Cambria Math" panose="02040503050406030204" pitchFamily="18" charset="0"/>
                         <a:ea typeface="+mj-ea"/>
                       </a:rPr>
                       <m:t>𝟏𝟎𝟎</m:t>
@@ -19002,7 +21006,7 @@
                             <a:lumMod val="25000"/>
                           </a:schemeClr>
                         </a:solidFill>
-                        <a:latin typeface="+mj-ea"/>
+                        <a:latin typeface="Cambria Math" panose="02040503050406030204" pitchFamily="18" charset="0"/>
                         <a:ea typeface="+mj-ea"/>
                       </a:rPr>
                       <m:t>.</m:t>
@@ -19014,7 +21018,7 @@
                             <a:lumMod val="25000"/>
                           </a:schemeClr>
                         </a:solidFill>
-                        <a:latin typeface="+mj-ea"/>
+                        <a:latin typeface="Cambria Math" panose="02040503050406030204" pitchFamily="18" charset="0"/>
                         <a:ea typeface="+mj-ea"/>
                       </a:rPr>
                       <m:t>𝟕𝟓</m:t>
@@ -19026,7 +21030,7 @@
                             <a:lumMod val="25000"/>
                           </a:schemeClr>
                         </a:solidFill>
-                        <a:latin typeface="+mj-ea"/>
+                        <a:latin typeface="Cambria Math" panose="02040503050406030204" pitchFamily="18" charset="0"/>
                         <a:ea typeface="+mj-ea"/>
                       </a:rPr>
                       <m:t> +</m:t>
@@ -19038,7 +21042,7 @@
                             <a:lumMod val="25000"/>
                           </a:schemeClr>
                         </a:solidFill>
-                        <a:latin typeface="+mj-ea"/>
+                        <a:latin typeface="Cambria Math" panose="02040503050406030204" pitchFamily="18" charset="0"/>
                         <a:ea typeface="+mj-ea"/>
                       </a:rPr>
                       <m:t>𝟒</m:t>
@@ -19050,7 +21054,7 @@
                             <a:lumMod val="25000"/>
                           </a:schemeClr>
                         </a:solidFill>
-                        <a:latin typeface="+mj-ea"/>
+                        <a:latin typeface="Cambria Math" panose="02040503050406030204" pitchFamily="18" charset="0"/>
                         <a:ea typeface="+mj-ea"/>
                       </a:rPr>
                       <m:t> ∗  </m:t>
@@ -19062,7 +21066,7 @@
                             <a:lumMod val="25000"/>
                           </a:schemeClr>
                         </a:solidFill>
-                        <a:latin typeface="+mj-ea"/>
+                        <a:latin typeface="Cambria Math" panose="02040503050406030204" pitchFamily="18" charset="0"/>
                         <a:ea typeface="+mj-ea"/>
                       </a:rPr>
                       <m:t>𝟓</m:t>
@@ -19074,7 +21078,7 @@
                             <a:lumMod val="25000"/>
                           </a:schemeClr>
                         </a:solidFill>
-                        <a:latin typeface="+mj-ea"/>
+                        <a:latin typeface="Cambria Math" panose="02040503050406030204" pitchFamily="18" charset="0"/>
                         <a:ea typeface="+mj-ea"/>
                       </a:rPr>
                       <m:t>.</m:t>
@@ -19086,7 +21090,7 @@
                             <a:lumMod val="25000"/>
                           </a:schemeClr>
                         </a:solidFill>
-                        <a:latin typeface="+mj-ea"/>
+                        <a:latin typeface="Cambria Math" panose="02040503050406030204" pitchFamily="18" charset="0"/>
                         <a:ea typeface="+mj-ea"/>
                       </a:rPr>
                       <m:t>𝟎𝟔</m:t>
@@ -19098,7 +21102,7 @@
                             <a:lumMod val="25000"/>
                           </a:schemeClr>
                         </a:solidFill>
-                        <a:latin typeface="+mj-ea"/>
+                        <a:latin typeface="Cambria Math" panose="02040503050406030204" pitchFamily="18" charset="0"/>
                         <a:ea typeface="+mj-ea"/>
                       </a:rPr>
                       <m:t>=</m:t>
@@ -19182,7 +21186,7 @@
                                 <a:lumMod val="25000"/>
                               </a:schemeClr>
                             </a:solidFill>
-                            <a:latin typeface="+mj-ea"/>
+                            <a:latin typeface="Cambria Math" panose="02040503050406030204" pitchFamily="18" charset="0"/>
                             <a:ea typeface="+mj-ea"/>
                           </a:rPr>
                         </m:ctrlPr>
@@ -19195,7 +21199,7 @@
                                 <a:lumMod val="25000"/>
                               </a:schemeClr>
                             </a:solidFill>
-                            <a:latin typeface="+mj-ea"/>
+                            <a:latin typeface="Cambria Math" panose="02040503050406030204" pitchFamily="18" charset="0"/>
                             <a:ea typeface="+mj-ea"/>
                           </a:rPr>
                           <m:t>𝑻𝒊𝒎𝒆𝒐𝒖𝒕𝑰𝒏𝒕𝒆𝒓𝒗𝒂𝒍</m:t>
@@ -19209,7 +21213,7 @@
                                 <a:lumMod val="25000"/>
                               </a:schemeClr>
                             </a:solidFill>
-                            <a:latin typeface="+mj-ea"/>
+                            <a:latin typeface="Cambria Math" panose="02040503050406030204" pitchFamily="18" charset="0"/>
                             <a:ea typeface="+mj-ea"/>
                           </a:rPr>
                           <m:t>𝟐</m:t>
@@ -19223,7 +21227,7 @@
                             <a:lumMod val="25000"/>
                           </a:schemeClr>
                         </a:solidFill>
-                        <a:latin typeface="+mj-ea"/>
+                        <a:latin typeface="Cambria Math" panose="02040503050406030204" pitchFamily="18" charset="0"/>
                         <a:ea typeface="+mj-ea"/>
                       </a:rPr>
                       <m:t>= </m:t>
@@ -19235,7 +21239,7 @@
                             <a:lumMod val="25000"/>
                           </a:schemeClr>
                         </a:solidFill>
-                        <a:latin typeface="+mj-ea"/>
+                        <a:latin typeface="Cambria Math" panose="02040503050406030204" pitchFamily="18" charset="0"/>
                         <a:ea typeface="+mj-ea"/>
                       </a:rPr>
                       <m:t>𝟏𝟎𝟑</m:t>
@@ -19247,7 +21251,7 @@
                             <a:lumMod val="25000"/>
                           </a:schemeClr>
                         </a:solidFill>
-                        <a:latin typeface="+mj-ea"/>
+                        <a:latin typeface="Cambria Math" panose="02040503050406030204" pitchFamily="18" charset="0"/>
                         <a:ea typeface="+mj-ea"/>
                       </a:rPr>
                       <m:t>.</m:t>
@@ -19259,7 +21263,7 @@
                             <a:lumMod val="25000"/>
                           </a:schemeClr>
                         </a:solidFill>
-                        <a:latin typeface="+mj-ea"/>
+                        <a:latin typeface="Cambria Math" panose="02040503050406030204" pitchFamily="18" charset="0"/>
                         <a:ea typeface="+mj-ea"/>
                       </a:rPr>
                       <m:t>𝟏</m:t>
@@ -19271,7 +21275,7 @@
                             <a:lumMod val="25000"/>
                           </a:schemeClr>
                         </a:solidFill>
-                        <a:latin typeface="+mj-ea"/>
+                        <a:latin typeface="Cambria Math" panose="02040503050406030204" pitchFamily="18" charset="0"/>
                         <a:ea typeface="+mj-ea"/>
                       </a:rPr>
                       <m:t>𝟓</m:t>
@@ -19283,7 +21287,7 @@
                             <a:lumMod val="25000"/>
                           </a:schemeClr>
                         </a:solidFill>
-                        <a:latin typeface="+mj-ea"/>
+                        <a:latin typeface="Cambria Math" panose="02040503050406030204" pitchFamily="18" charset="0"/>
                         <a:ea typeface="+mj-ea"/>
                       </a:rPr>
                       <m:t> +</m:t>
@@ -19295,7 +21299,7 @@
                             <a:lumMod val="25000"/>
                           </a:schemeClr>
                         </a:solidFill>
-                        <a:latin typeface="+mj-ea"/>
+                        <a:latin typeface="Cambria Math" panose="02040503050406030204" pitchFamily="18" charset="0"/>
                         <a:ea typeface="+mj-ea"/>
                       </a:rPr>
                       <m:t>𝟒</m:t>
@@ -19307,7 +21311,7 @@
                             <a:lumMod val="25000"/>
                           </a:schemeClr>
                         </a:solidFill>
-                        <a:latin typeface="+mj-ea"/>
+                        <a:latin typeface="Cambria Math" panose="02040503050406030204" pitchFamily="18" charset="0"/>
                         <a:ea typeface="+mj-ea"/>
                       </a:rPr>
                       <m:t> ∗  </m:t>
@@ -19319,7 +21323,7 @@
                             <a:lumMod val="25000"/>
                           </a:schemeClr>
                         </a:solidFill>
-                        <a:latin typeface="+mj-ea"/>
+                        <a:latin typeface="Cambria Math" panose="02040503050406030204" pitchFamily="18" charset="0"/>
                         <a:ea typeface="+mj-ea"/>
                       </a:rPr>
                       <m:t>𝟖</m:t>
@@ -19331,7 +21335,7 @@
                             <a:lumMod val="25000"/>
                           </a:schemeClr>
                         </a:solidFill>
-                        <a:latin typeface="+mj-ea"/>
+                        <a:latin typeface="Cambria Math" panose="02040503050406030204" pitchFamily="18" charset="0"/>
                         <a:ea typeface="+mj-ea"/>
                       </a:rPr>
                       <m:t>.</m:t>
@@ -19343,7 +21347,7 @@
                             <a:lumMod val="25000"/>
                           </a:schemeClr>
                         </a:solidFill>
-                        <a:latin typeface="+mj-ea"/>
+                        <a:latin typeface="Cambria Math" panose="02040503050406030204" pitchFamily="18" charset="0"/>
                         <a:ea typeface="+mj-ea"/>
                       </a:rPr>
                       <m:t>𝟎𝟏</m:t>
@@ -19355,7 +21359,7 @@
                             <a:lumMod val="25000"/>
                           </a:schemeClr>
                         </a:solidFill>
-                        <a:latin typeface="+mj-ea"/>
+                        <a:latin typeface="Cambria Math" panose="02040503050406030204" pitchFamily="18" charset="0"/>
                         <a:ea typeface="+mj-ea"/>
                       </a:rPr>
                       <m:t>=</m:t>
@@ -19454,7 +21458,7 @@
                                 <a:lumMod val="25000"/>
                               </a:schemeClr>
                             </a:solidFill>
-                            <a:latin typeface="+mj-ea"/>
+                            <a:latin typeface="Cambria Math" panose="02040503050406030204" pitchFamily="18" charset="0"/>
                             <a:ea typeface="+mj-ea"/>
                           </a:rPr>
                         </m:ctrlPr>
@@ -19467,7 +21471,7 @@
                                 <a:lumMod val="25000"/>
                               </a:schemeClr>
                             </a:solidFill>
-                            <a:latin typeface="+mj-ea"/>
+                            <a:latin typeface="Cambria Math" panose="02040503050406030204" pitchFamily="18" charset="0"/>
                             <a:ea typeface="+mj-ea"/>
                           </a:rPr>
                           <m:t>𝑻𝒊𝒎𝒆𝒐𝒖𝒕𝑰𝒏𝒕𝒆𝒓𝒗𝒂𝒍</m:t>
@@ -19481,7 +21485,7 @@
                                 <a:lumMod val="25000"/>
                               </a:schemeClr>
                             </a:solidFill>
-                            <a:latin typeface="+mj-ea"/>
+                            <a:latin typeface="Cambria Math" panose="02040503050406030204" pitchFamily="18" charset="0"/>
                             <a:ea typeface="+mj-ea"/>
                           </a:rPr>
                           <m:t>𝟑</m:t>
@@ -19495,7 +21499,7 @@
                             <a:lumMod val="25000"/>
                           </a:schemeClr>
                         </a:solidFill>
-                        <a:latin typeface="+mj-ea"/>
+                        <a:latin typeface="Cambria Math" panose="02040503050406030204" pitchFamily="18" charset="0"/>
                         <a:ea typeface="+mj-ea"/>
                       </a:rPr>
                       <m:t>= </m:t>
@@ -19507,7 +21511,7 @@
                             <a:lumMod val="25000"/>
                           </a:schemeClr>
                         </a:solidFill>
-                        <a:latin typeface="+mj-ea"/>
+                        <a:latin typeface="Cambria Math" panose="02040503050406030204" pitchFamily="18" charset="0"/>
                         <a:ea typeface="+mj-ea"/>
                       </a:rPr>
                       <m:t>𝟏𝟎𝟕</m:t>
@@ -19519,7 +21523,7 @@
                             <a:lumMod val="25000"/>
                           </a:schemeClr>
                         </a:solidFill>
-                        <a:latin typeface="+mj-ea"/>
+                        <a:latin typeface="Cambria Math" panose="02040503050406030204" pitchFamily="18" charset="0"/>
                         <a:ea typeface="+mj-ea"/>
                       </a:rPr>
                       <m:t>.</m:t>
@@ -19531,7 +21535,7 @@
                             <a:lumMod val="25000"/>
                           </a:schemeClr>
                         </a:solidFill>
-                        <a:latin typeface="+mj-ea"/>
+                        <a:latin typeface="Cambria Math" panose="02040503050406030204" pitchFamily="18" charset="0"/>
                         <a:ea typeface="+mj-ea"/>
                       </a:rPr>
                       <m:t>𝟕𝟔</m:t>
@@ -19543,7 +21547,7 @@
                             <a:lumMod val="25000"/>
                           </a:schemeClr>
                         </a:solidFill>
-                        <a:latin typeface="+mj-ea"/>
+                        <a:latin typeface="Cambria Math" panose="02040503050406030204" pitchFamily="18" charset="0"/>
                         <a:ea typeface="+mj-ea"/>
                       </a:rPr>
                       <m:t> +</m:t>
@@ -19555,7 +21559,7 @@
                             <a:lumMod val="25000"/>
                           </a:schemeClr>
                         </a:solidFill>
-                        <a:latin typeface="+mj-ea"/>
+                        <a:latin typeface="Cambria Math" panose="02040503050406030204" pitchFamily="18" charset="0"/>
                         <a:ea typeface="+mj-ea"/>
                       </a:rPr>
                       <m:t>𝟒</m:t>
@@ -19567,7 +21571,7 @@
                             <a:lumMod val="25000"/>
                           </a:schemeClr>
                         </a:solidFill>
-                        <a:latin typeface="+mj-ea"/>
+                        <a:latin typeface="Cambria Math" panose="02040503050406030204" pitchFamily="18" charset="0"/>
                         <a:ea typeface="+mj-ea"/>
                       </a:rPr>
                       <m:t> ∗  </m:t>
@@ -19579,7 +21583,7 @@
                             <a:lumMod val="25000"/>
                           </a:schemeClr>
                         </a:solidFill>
-                        <a:latin typeface="+mj-ea"/>
+                        <a:latin typeface="Cambria Math" panose="02040503050406030204" pitchFamily="18" charset="0"/>
                         <a:ea typeface="+mj-ea"/>
                       </a:rPr>
                       <m:t>𝟏𝟒</m:t>
@@ -19591,7 +21595,7 @@
                             <a:lumMod val="25000"/>
                           </a:schemeClr>
                         </a:solidFill>
-                        <a:latin typeface="+mj-ea"/>
+                        <a:latin typeface="Cambria Math" panose="02040503050406030204" pitchFamily="18" charset="0"/>
                         <a:ea typeface="+mj-ea"/>
                       </a:rPr>
                       <m:t>.</m:t>
@@ -19603,7 +21607,7 @@
                             <a:lumMod val="25000"/>
                           </a:schemeClr>
                         </a:solidFill>
-                        <a:latin typeface="+mj-ea"/>
+                        <a:latin typeface="Cambria Math" panose="02040503050406030204" pitchFamily="18" charset="0"/>
                         <a:ea typeface="+mj-ea"/>
                       </a:rPr>
                       <m:t>𝟎𝟕</m:t>
@@ -19615,7 +21619,7 @@
                             <a:lumMod val="25000"/>
                           </a:schemeClr>
                         </a:solidFill>
-                        <a:latin typeface="+mj-ea"/>
+                        <a:latin typeface="Cambria Math" panose="02040503050406030204" pitchFamily="18" charset="0"/>
                         <a:ea typeface="+mj-ea"/>
                       </a:rPr>
                       <m:t>=</m:t>
@@ -19744,7 +21748,7 @@
                                 <a:lumMod val="25000"/>
                               </a:schemeClr>
                             </a:solidFill>
-                            <a:latin typeface="+mj-ea"/>
+                            <a:latin typeface="Cambria Math" panose="02040503050406030204" pitchFamily="18" charset="0"/>
                             <a:ea typeface="+mj-ea"/>
                           </a:rPr>
                         </m:ctrlPr>
@@ -19757,7 +21761,7 @@
                                 <a:lumMod val="25000"/>
                               </a:schemeClr>
                             </a:solidFill>
-                            <a:latin typeface="+mj-ea"/>
+                            <a:latin typeface="Cambria Math" panose="02040503050406030204" pitchFamily="18" charset="0"/>
                             <a:ea typeface="+mj-ea"/>
                           </a:rPr>
                           <m:t>𝑻𝒊𝒎𝒆𝒐𝒖𝒕𝑰𝒏𝒕𝒆𝒓𝒗𝒂𝒍</m:t>
@@ -19771,7 +21775,7 @@
                                 <a:lumMod val="25000"/>
                               </a:schemeClr>
                             </a:solidFill>
-                            <a:latin typeface="+mj-ea"/>
+                            <a:latin typeface="Cambria Math" panose="02040503050406030204" pitchFamily="18" charset="0"/>
                             <a:ea typeface="+mj-ea"/>
                           </a:rPr>
                           <m:t>𝟒</m:t>
@@ -19785,7 +21789,7 @@
                             <a:lumMod val="25000"/>
                           </a:schemeClr>
                         </a:solidFill>
-                        <a:latin typeface="+mj-ea"/>
+                        <a:latin typeface="Cambria Math" panose="02040503050406030204" pitchFamily="18" charset="0"/>
                         <a:ea typeface="+mj-ea"/>
                       </a:rPr>
                       <m:t>= </m:t>
@@ -19797,7 +21801,7 @@
                             <a:lumMod val="25000"/>
                           </a:schemeClr>
                         </a:solidFill>
-                        <a:latin typeface="+mj-ea"/>
+                        <a:latin typeface="Cambria Math" panose="02040503050406030204" pitchFamily="18" charset="0"/>
                         <a:ea typeface="+mj-ea"/>
                       </a:rPr>
                       <m:t>𝟏𝟎𝟓</m:t>
@@ -19809,7 +21813,7 @@
                             <a:lumMod val="25000"/>
                           </a:schemeClr>
                         </a:solidFill>
-                        <a:latin typeface="+mj-ea"/>
+                        <a:latin typeface="Cambria Math" panose="02040503050406030204" pitchFamily="18" charset="0"/>
                         <a:ea typeface="+mj-ea"/>
                       </a:rPr>
                       <m:t>.</m:t>
@@ -19821,7 +21825,7 @@
                             <a:lumMod val="25000"/>
                           </a:schemeClr>
                         </a:solidFill>
-                        <a:latin typeface="+mj-ea"/>
+                        <a:latin typeface="Cambria Math" panose="02040503050406030204" pitchFamily="18" charset="0"/>
                         <a:ea typeface="+mj-ea"/>
                       </a:rPr>
                       <m:t>𝟓𝟒</m:t>
@@ -19833,7 +21837,7 @@
                             <a:lumMod val="25000"/>
                           </a:schemeClr>
                         </a:solidFill>
-                        <a:latin typeface="+mj-ea"/>
+                        <a:latin typeface="Cambria Math" panose="02040503050406030204" pitchFamily="18" charset="0"/>
                         <a:ea typeface="+mj-ea"/>
                       </a:rPr>
                       <m:t> +</m:t>
@@ -19845,7 +21849,7 @@
                             <a:lumMod val="25000"/>
                           </a:schemeClr>
                         </a:solidFill>
-                        <a:latin typeface="+mj-ea"/>
+                        <a:latin typeface="Cambria Math" panose="02040503050406030204" pitchFamily="18" charset="0"/>
                         <a:ea typeface="+mj-ea"/>
                       </a:rPr>
                       <m:t>𝟒</m:t>
@@ -19857,7 +21861,7 @@
                             <a:lumMod val="25000"/>
                           </a:schemeClr>
                         </a:solidFill>
-                        <a:latin typeface="+mj-ea"/>
+                        <a:latin typeface="Cambria Math" panose="02040503050406030204" pitchFamily="18" charset="0"/>
                         <a:ea typeface="+mj-ea"/>
                       </a:rPr>
                       <m:t> ∗  </m:t>
@@ -19869,7 +21873,7 @@
                             <a:lumMod val="25000"/>
                           </a:schemeClr>
                         </a:solidFill>
-                        <a:latin typeface="+mj-ea"/>
+                        <a:latin typeface="Cambria Math" panose="02040503050406030204" pitchFamily="18" charset="0"/>
                         <a:ea typeface="+mj-ea"/>
                       </a:rPr>
                       <m:t>𝟏𝟒</m:t>
@@ -19881,7 +21885,7 @@
                             <a:lumMod val="25000"/>
                           </a:schemeClr>
                         </a:solidFill>
-                        <a:latin typeface="+mj-ea"/>
+                        <a:latin typeface="Cambria Math" panose="02040503050406030204" pitchFamily="18" charset="0"/>
                         <a:ea typeface="+mj-ea"/>
                       </a:rPr>
                       <m:t>.</m:t>
@@ -19893,7 +21897,7 @@
                             <a:lumMod val="25000"/>
                           </a:schemeClr>
                         </a:solidFill>
-                        <a:latin typeface="+mj-ea"/>
+                        <a:latin typeface="Cambria Math" panose="02040503050406030204" pitchFamily="18" charset="0"/>
                         <a:ea typeface="+mj-ea"/>
                       </a:rPr>
                       <m:t>𝟒𝟑</m:t>
@@ -19905,7 +21909,7 @@
                             <a:lumMod val="25000"/>
                           </a:schemeClr>
                         </a:solidFill>
-                        <a:latin typeface="+mj-ea"/>
+                        <a:latin typeface="Cambria Math" panose="02040503050406030204" pitchFamily="18" charset="0"/>
                         <a:ea typeface="+mj-ea"/>
                       </a:rPr>
                       <m:t>=</m:t>
@@ -19989,7 +21993,7 @@
                                 <a:lumMod val="25000"/>
                               </a:schemeClr>
                             </a:solidFill>
-                            <a:latin typeface="+mj-ea"/>
+                            <a:latin typeface="Cambria Math" panose="02040503050406030204" pitchFamily="18" charset="0"/>
                             <a:ea typeface="+mj-ea"/>
                           </a:rPr>
                         </m:ctrlPr>
@@ -20002,7 +22006,7 @@
                                 <a:lumMod val="25000"/>
                               </a:schemeClr>
                             </a:solidFill>
-                            <a:latin typeface="+mj-ea"/>
+                            <a:latin typeface="Cambria Math" panose="02040503050406030204" pitchFamily="18" charset="0"/>
                             <a:ea typeface="+mj-ea"/>
                           </a:rPr>
                           <m:t>𝑻𝒊𝒎𝒆𝒐𝒖𝒕𝑰𝒏𝒕𝒆𝒓𝒗𝒂𝒍</m:t>
@@ -20016,7 +22020,7 @@
                                 <a:lumMod val="25000"/>
                               </a:schemeClr>
                             </a:solidFill>
-                            <a:latin typeface="+mj-ea"/>
+                            <a:latin typeface="Cambria Math" panose="02040503050406030204" pitchFamily="18" charset="0"/>
                             <a:ea typeface="+mj-ea"/>
                           </a:rPr>
                           <m:t>𝟓</m:t>
@@ -20030,7 +22034,7 @@
                             <a:lumMod val="25000"/>
                           </a:schemeClr>
                         </a:solidFill>
-                        <a:latin typeface="+mj-ea"/>
+                        <a:latin typeface="Cambria Math" panose="02040503050406030204" pitchFamily="18" charset="0"/>
                         <a:ea typeface="+mj-ea"/>
                       </a:rPr>
                       <m:t>= </m:t>
@@ -20042,7 +22046,7 @@
                             <a:lumMod val="25000"/>
                           </a:schemeClr>
                         </a:solidFill>
-                        <a:latin typeface="+mj-ea"/>
+                        <a:latin typeface="Cambria Math" panose="02040503050406030204" pitchFamily="18" charset="0"/>
                         <a:ea typeface="+mj-ea"/>
                       </a:rPr>
                       <m:t>𝟏𝟎𝟔</m:t>
@@ -20054,7 +22058,7 @@
                             <a:lumMod val="25000"/>
                           </a:schemeClr>
                         </a:solidFill>
-                        <a:latin typeface="+mj-ea"/>
+                        <a:latin typeface="Cambria Math" panose="02040503050406030204" pitchFamily="18" charset="0"/>
                         <a:ea typeface="+mj-ea"/>
                       </a:rPr>
                       <m:t>.</m:t>
@@ -20066,7 +22070,7 @@
                             <a:lumMod val="25000"/>
                           </a:schemeClr>
                         </a:solidFill>
-                        <a:latin typeface="+mj-ea"/>
+                        <a:latin typeface="Cambria Math" panose="02040503050406030204" pitchFamily="18" charset="0"/>
                         <a:ea typeface="+mj-ea"/>
                       </a:rPr>
                       <m:t>𝟕𝟐</m:t>
@@ -20078,7 +22082,7 @@
                             <a:lumMod val="25000"/>
                           </a:schemeClr>
                         </a:solidFill>
-                        <a:latin typeface="+mj-ea"/>
+                        <a:latin typeface="Cambria Math" panose="02040503050406030204" pitchFamily="18" charset="0"/>
                         <a:ea typeface="+mj-ea"/>
                       </a:rPr>
                       <m:t> +</m:t>
@@ -20090,7 +22094,7 @@
                             <a:lumMod val="25000"/>
                           </a:schemeClr>
                         </a:solidFill>
-                        <a:latin typeface="+mj-ea"/>
+                        <a:latin typeface="Cambria Math" panose="02040503050406030204" pitchFamily="18" charset="0"/>
                         <a:ea typeface="+mj-ea"/>
                       </a:rPr>
                       <m:t>𝟒</m:t>
@@ -20102,7 +22106,7 @@
                             <a:lumMod val="25000"/>
                           </a:schemeClr>
                         </a:solidFill>
-                        <a:latin typeface="+mj-ea"/>
+                        <a:latin typeface="Cambria Math" panose="02040503050406030204" pitchFamily="18" charset="0"/>
                         <a:ea typeface="+mj-ea"/>
                       </a:rPr>
                       <m:t> ∗  </m:t>
@@ -20114,7 +22118,7 @@
                             <a:lumMod val="25000"/>
                           </a:schemeClr>
                         </a:solidFill>
-                        <a:latin typeface="+mj-ea"/>
+                        <a:latin typeface="Cambria Math" panose="02040503050406030204" pitchFamily="18" charset="0"/>
                         <a:ea typeface="+mj-ea"/>
                       </a:rPr>
                       <m:t>𝟏𝟐</m:t>
@@ -20126,7 +22130,7 @@
                             <a:lumMod val="25000"/>
                           </a:schemeClr>
                         </a:solidFill>
-                        <a:latin typeface="+mj-ea"/>
+                        <a:latin typeface="Cambria Math" panose="02040503050406030204" pitchFamily="18" charset="0"/>
                         <a:ea typeface="+mj-ea"/>
                       </a:rPr>
                       <m:t>.</m:t>
@@ -20138,7 +22142,7 @@
                             <a:lumMod val="25000"/>
                           </a:schemeClr>
                         </a:solidFill>
-                        <a:latin typeface="+mj-ea"/>
+                        <a:latin typeface="Cambria Math" panose="02040503050406030204" pitchFamily="18" charset="0"/>
                         <a:ea typeface="+mj-ea"/>
                       </a:rPr>
                       <m:t>𝟗</m:t>
@@ -20150,7 +22154,7 @@
                             <a:lumMod val="25000"/>
                           </a:schemeClr>
                         </a:solidFill>
-                        <a:latin typeface="+mj-ea"/>
+                        <a:latin typeface="Cambria Math" panose="02040503050406030204" pitchFamily="18" charset="0"/>
                         <a:ea typeface="+mj-ea"/>
                       </a:rPr>
                       <m:t>=</m:t>
@@ -20200,7 +22204,7 @@
             </p:txBody>
           </p:sp>
         </mc:Choice>
-        <mc:Fallback>
+        <mc:Fallback xmlns="">
           <p:sp>
             <p:nvSpPr>
               <p:cNvPr id="13" name="직사각형 12">
